--- a/Лекции/ИТиП 2 лек 7.pptx
+++ b/Лекции/ИТиП 2 лек 7.pptx
@@ -5,30 +5,29 @@
     <p:sldMasterId id="2147483674" r:id="rId1"/>
   </p:sldMasterIdLst>
   <p:notesMasterIdLst>
-    <p:notesMasterId r:id="rId23"/>
+    <p:notesMasterId r:id="rId22"/>
   </p:notesMasterIdLst>
   <p:sldIdLst>
     <p:sldId id="273" r:id="rId2"/>
-    <p:sldId id="969" r:id="rId3"/>
-    <p:sldId id="970" r:id="rId4"/>
-    <p:sldId id="971" r:id="rId5"/>
-    <p:sldId id="989" r:id="rId6"/>
-    <p:sldId id="972" r:id="rId7"/>
-    <p:sldId id="974" r:id="rId8"/>
-    <p:sldId id="990" r:id="rId9"/>
-    <p:sldId id="975" r:id="rId10"/>
-    <p:sldId id="991" r:id="rId11"/>
-    <p:sldId id="976" r:id="rId12"/>
-    <p:sldId id="973" r:id="rId13"/>
-    <p:sldId id="977" r:id="rId14"/>
-    <p:sldId id="992" r:id="rId15"/>
-    <p:sldId id="978" r:id="rId16"/>
-    <p:sldId id="993" r:id="rId17"/>
-    <p:sldId id="979" r:id="rId18"/>
-    <p:sldId id="981" r:id="rId19"/>
-    <p:sldId id="994" r:id="rId20"/>
-    <p:sldId id="995" r:id="rId21"/>
-    <p:sldId id="980" r:id="rId22"/>
+    <p:sldId id="970" r:id="rId3"/>
+    <p:sldId id="971" r:id="rId4"/>
+    <p:sldId id="989" r:id="rId5"/>
+    <p:sldId id="972" r:id="rId6"/>
+    <p:sldId id="974" r:id="rId7"/>
+    <p:sldId id="990" r:id="rId8"/>
+    <p:sldId id="975" r:id="rId9"/>
+    <p:sldId id="991" r:id="rId10"/>
+    <p:sldId id="976" r:id="rId11"/>
+    <p:sldId id="973" r:id="rId12"/>
+    <p:sldId id="977" r:id="rId13"/>
+    <p:sldId id="992" r:id="rId14"/>
+    <p:sldId id="978" r:id="rId15"/>
+    <p:sldId id="993" r:id="rId16"/>
+    <p:sldId id="979" r:id="rId17"/>
+    <p:sldId id="981" r:id="rId18"/>
+    <p:sldId id="994" r:id="rId19"/>
+    <p:sldId id="995" r:id="rId20"/>
+    <p:sldId id="980" r:id="rId21"/>
   </p:sldIdLst>
   <p:sldSz cx="12192000" cy="6858000"/>
   <p:notesSz cx="6858000" cy="9144000"/>
@@ -232,7 +231,7 @@
             <a:fld id="{AA2F9473-F066-431E-A6E8-1D478C995A6B}" type="datetimeFigureOut">
               <a:rPr lang="en-US" smtClean="0"/>
               <a:pPr/>
-              <a:t>4/26/2024</a:t>
+              <a:t>3/10/2025</a:t>
             </a:fld>
             <a:endParaRPr lang="en-US"/>
           </a:p>
@@ -671,7 +670,7 @@
     </p:spTree>
     <p:extLst>
       <p:ext uri="{BB962C8B-B14F-4D97-AF65-F5344CB8AC3E}">
-        <p14:creationId xmlns:p14="http://schemas.microsoft.com/office/powerpoint/2010/main" val="1955143702"/>
+        <p14:creationId xmlns:p14="http://schemas.microsoft.com/office/powerpoint/2010/main" val="456281517"/>
       </p:ext>
     </p:extLst>
   </p:cSld>
@@ -761,7 +760,7 @@
     </p:spTree>
     <p:extLst>
       <p:ext uri="{BB962C8B-B14F-4D97-AF65-F5344CB8AC3E}">
-        <p14:creationId xmlns:p14="http://schemas.microsoft.com/office/powerpoint/2010/main" val="456281517"/>
+        <p14:creationId xmlns:p14="http://schemas.microsoft.com/office/powerpoint/2010/main" val="2529077806"/>
       </p:ext>
     </p:extLst>
   </p:cSld>
@@ -851,7 +850,7 @@
     </p:spTree>
     <p:extLst>
       <p:ext uri="{BB962C8B-B14F-4D97-AF65-F5344CB8AC3E}">
-        <p14:creationId xmlns:p14="http://schemas.microsoft.com/office/powerpoint/2010/main" val="2529077806"/>
+        <p14:creationId xmlns:p14="http://schemas.microsoft.com/office/powerpoint/2010/main" val="1893214919"/>
       </p:ext>
     </p:extLst>
   </p:cSld>
@@ -941,7 +940,7 @@
     </p:spTree>
     <p:extLst>
       <p:ext uri="{BB962C8B-B14F-4D97-AF65-F5344CB8AC3E}">
-        <p14:creationId xmlns:p14="http://schemas.microsoft.com/office/powerpoint/2010/main" val="1893214919"/>
+        <p14:creationId xmlns:p14="http://schemas.microsoft.com/office/powerpoint/2010/main" val="1795060237"/>
       </p:ext>
     </p:extLst>
   </p:cSld>
@@ -1031,7 +1030,7 @@
     </p:spTree>
     <p:extLst>
       <p:ext uri="{BB962C8B-B14F-4D97-AF65-F5344CB8AC3E}">
-        <p14:creationId xmlns:p14="http://schemas.microsoft.com/office/powerpoint/2010/main" val="1795060237"/>
+        <p14:creationId xmlns:p14="http://schemas.microsoft.com/office/powerpoint/2010/main" val="1350429462"/>
       </p:ext>
     </p:extLst>
   </p:cSld>
@@ -1121,7 +1120,7 @@
     </p:spTree>
     <p:extLst>
       <p:ext uri="{BB962C8B-B14F-4D97-AF65-F5344CB8AC3E}">
-        <p14:creationId xmlns:p14="http://schemas.microsoft.com/office/powerpoint/2010/main" val="1350429462"/>
+        <p14:creationId xmlns:p14="http://schemas.microsoft.com/office/powerpoint/2010/main" val="3820178195"/>
       </p:ext>
     </p:extLst>
   </p:cSld>
@@ -1211,7 +1210,7 @@
     </p:spTree>
     <p:extLst>
       <p:ext uri="{BB962C8B-B14F-4D97-AF65-F5344CB8AC3E}">
-        <p14:creationId xmlns:p14="http://schemas.microsoft.com/office/powerpoint/2010/main" val="3820178195"/>
+        <p14:creationId xmlns:p14="http://schemas.microsoft.com/office/powerpoint/2010/main" val="3711869506"/>
       </p:ext>
     </p:extLst>
   </p:cSld>
@@ -1301,7 +1300,7 @@
     </p:spTree>
     <p:extLst>
       <p:ext uri="{BB962C8B-B14F-4D97-AF65-F5344CB8AC3E}">
-        <p14:creationId xmlns:p14="http://schemas.microsoft.com/office/powerpoint/2010/main" val="3711869506"/>
+        <p14:creationId xmlns:p14="http://schemas.microsoft.com/office/powerpoint/2010/main" val="2974998971"/>
       </p:ext>
     </p:extLst>
   </p:cSld>
@@ -1391,7 +1390,7 @@
     </p:spTree>
     <p:extLst>
       <p:ext uri="{BB962C8B-B14F-4D97-AF65-F5344CB8AC3E}">
-        <p14:creationId xmlns:p14="http://schemas.microsoft.com/office/powerpoint/2010/main" val="2974998971"/>
+        <p14:creationId xmlns:p14="http://schemas.microsoft.com/office/powerpoint/2010/main" val="12038241"/>
       </p:ext>
     </p:extLst>
   </p:cSld>
@@ -1481,7 +1480,7 @@
     </p:spTree>
     <p:extLst>
       <p:ext uri="{BB962C8B-B14F-4D97-AF65-F5344CB8AC3E}">
-        <p14:creationId xmlns:p14="http://schemas.microsoft.com/office/powerpoint/2010/main" val="12038241"/>
+        <p14:creationId xmlns:p14="http://schemas.microsoft.com/office/powerpoint/2010/main" val="633047647"/>
       </p:ext>
     </p:extLst>
   </p:cSld>
@@ -1571,7 +1570,7 @@
     </p:spTree>
     <p:extLst>
       <p:ext uri="{BB962C8B-B14F-4D97-AF65-F5344CB8AC3E}">
-        <p14:creationId xmlns:p14="http://schemas.microsoft.com/office/powerpoint/2010/main" val="1450365453"/>
+        <p14:creationId xmlns:p14="http://schemas.microsoft.com/office/powerpoint/2010/main" val="2445598839"/>
       </p:ext>
     </p:extLst>
   </p:cSld>
@@ -1653,96 +1652,6 @@
               <a:rPr lang="en-US" smtClean="0"/>
               <a:pPr/>
               <a:t>20</a:t>
-            </a:fld>
-            <a:endParaRPr lang="en-US"/>
-          </a:p>
-        </p:txBody>
-      </p:sp>
-    </p:spTree>
-    <p:extLst>
-      <p:ext uri="{BB962C8B-B14F-4D97-AF65-F5344CB8AC3E}">
-        <p14:creationId xmlns:p14="http://schemas.microsoft.com/office/powerpoint/2010/main" val="633047647"/>
-      </p:ext>
-    </p:extLst>
-  </p:cSld>
-  <p:clrMapOvr>
-    <a:masterClrMapping/>
-  </p:clrMapOvr>
-</p:notes>
-</file>
-
-<file path=ppt/notesSlides/notesSlide21.xml><?xml version="1.0" encoding="utf-8"?>
-<p:notes xmlns:a="http://schemas.openxmlformats.org/drawingml/2006/main" xmlns:r="http://schemas.openxmlformats.org/officeDocument/2006/relationships" xmlns:p="http://schemas.openxmlformats.org/presentationml/2006/main">
-  <p:cSld>
-    <p:spTree>
-      <p:nvGrpSpPr>
-        <p:cNvPr id="1" name=""/>
-        <p:cNvGrpSpPr/>
-        <p:nvPr/>
-      </p:nvGrpSpPr>
-      <p:grpSpPr>
-        <a:xfrm>
-          <a:off x="0" y="0"/>
-          <a:ext cx="0" cy="0"/>
-          <a:chOff x="0" y="0"/>
-          <a:chExt cx="0" cy="0"/>
-        </a:xfrm>
-      </p:grpSpPr>
-      <p:sp>
-        <p:nvSpPr>
-          <p:cNvPr id="2" name="Образ слайда 1"/>
-          <p:cNvSpPr>
-            <a:spLocks noGrp="1" noRot="1" noChangeAspect="1"/>
-          </p:cNvSpPr>
-          <p:nvPr>
-            <p:ph type="sldImg"/>
-          </p:nvPr>
-        </p:nvSpPr>
-        <p:spPr>
-          <a:xfrm>
-            <a:off x="685800" y="1143000"/>
-            <a:ext cx="5486400" cy="3086100"/>
-          </a:xfrm>
-        </p:spPr>
-      </p:sp>
-      <p:sp>
-        <p:nvSpPr>
-          <p:cNvPr id="3" name="Заметки 2"/>
-          <p:cNvSpPr>
-            <a:spLocks noGrp="1"/>
-          </p:cNvSpPr>
-          <p:nvPr>
-            <p:ph type="body" idx="1"/>
-          </p:nvPr>
-        </p:nvSpPr>
-        <p:spPr/>
-        <p:txBody>
-          <a:bodyPr/>
-          <a:lstStyle/>
-          <a:p>
-            <a:endParaRPr lang="ru-RU"/>
-          </a:p>
-        </p:txBody>
-      </p:sp>
-      <p:sp>
-        <p:nvSpPr>
-          <p:cNvPr id="4" name="Номер слайда 3"/>
-          <p:cNvSpPr>
-            <a:spLocks noGrp="1"/>
-          </p:cNvSpPr>
-          <p:nvPr>
-            <p:ph type="sldNum" sz="quarter" idx="10"/>
-          </p:nvPr>
-        </p:nvSpPr>
-        <p:spPr/>
-        <p:txBody>
-          <a:bodyPr/>
-          <a:lstStyle/>
-          <a:p>
-            <a:fld id="{F0F4E2F1-1521-4C3A-A563-2F7D19AB6E0B}" type="slidenum">
-              <a:rPr lang="en-US" smtClean="0"/>
-              <a:pPr/>
-              <a:t>21</a:t>
             </a:fld>
             <a:endParaRPr lang="en-US"/>
           </a:p>
@@ -1841,7 +1750,7 @@
     </p:spTree>
     <p:extLst>
       <p:ext uri="{BB962C8B-B14F-4D97-AF65-F5344CB8AC3E}">
-        <p14:creationId xmlns:p14="http://schemas.microsoft.com/office/powerpoint/2010/main" val="2445598839"/>
+        <p14:creationId xmlns:p14="http://schemas.microsoft.com/office/powerpoint/2010/main" val="1520312718"/>
       </p:ext>
     </p:extLst>
   </p:cSld>
@@ -1931,7 +1840,7 @@
     </p:spTree>
     <p:extLst>
       <p:ext uri="{BB962C8B-B14F-4D97-AF65-F5344CB8AC3E}">
-        <p14:creationId xmlns:p14="http://schemas.microsoft.com/office/powerpoint/2010/main" val="1520312718"/>
+        <p14:creationId xmlns:p14="http://schemas.microsoft.com/office/powerpoint/2010/main" val="863716517"/>
       </p:ext>
     </p:extLst>
   </p:cSld>
@@ -2021,7 +1930,7 @@
     </p:spTree>
     <p:extLst>
       <p:ext uri="{BB962C8B-B14F-4D97-AF65-F5344CB8AC3E}">
-        <p14:creationId xmlns:p14="http://schemas.microsoft.com/office/powerpoint/2010/main" val="863716517"/>
+        <p14:creationId xmlns:p14="http://schemas.microsoft.com/office/powerpoint/2010/main" val="3061694617"/>
       </p:ext>
     </p:extLst>
   </p:cSld>
@@ -2111,7 +2020,7 @@
     </p:spTree>
     <p:extLst>
       <p:ext uri="{BB962C8B-B14F-4D97-AF65-F5344CB8AC3E}">
-        <p14:creationId xmlns:p14="http://schemas.microsoft.com/office/powerpoint/2010/main" val="3061694617"/>
+        <p14:creationId xmlns:p14="http://schemas.microsoft.com/office/powerpoint/2010/main" val="970361076"/>
       </p:ext>
     </p:extLst>
   </p:cSld>
@@ -2201,7 +2110,7 @@
     </p:spTree>
     <p:extLst>
       <p:ext uri="{BB962C8B-B14F-4D97-AF65-F5344CB8AC3E}">
-        <p14:creationId xmlns:p14="http://schemas.microsoft.com/office/powerpoint/2010/main" val="970361076"/>
+        <p14:creationId xmlns:p14="http://schemas.microsoft.com/office/powerpoint/2010/main" val="1579130943"/>
       </p:ext>
     </p:extLst>
   </p:cSld>
@@ -2291,7 +2200,7 @@
     </p:spTree>
     <p:extLst>
       <p:ext uri="{BB962C8B-B14F-4D97-AF65-F5344CB8AC3E}">
-        <p14:creationId xmlns:p14="http://schemas.microsoft.com/office/powerpoint/2010/main" val="1579130943"/>
+        <p14:creationId xmlns:p14="http://schemas.microsoft.com/office/powerpoint/2010/main" val="2889034074"/>
       </p:ext>
     </p:extLst>
   </p:cSld>
@@ -2381,7 +2290,7 @@
     </p:spTree>
     <p:extLst>
       <p:ext uri="{BB962C8B-B14F-4D97-AF65-F5344CB8AC3E}">
-        <p14:creationId xmlns:p14="http://schemas.microsoft.com/office/powerpoint/2010/main" val="2889034074"/>
+        <p14:creationId xmlns:p14="http://schemas.microsoft.com/office/powerpoint/2010/main" val="1955143702"/>
       </p:ext>
     </p:extLst>
   </p:cSld>
@@ -3621,7 +3530,7 @@
         <p:spPr>
           <a:xfrm>
             <a:off x="877032" y="4079149"/>
-            <a:ext cx="11041341" cy="2246769"/>
+            <a:ext cx="11041341" cy="1815882"/>
           </a:xfrm>
           <a:prstGeom prst="rect">
             <a:avLst/>
@@ -3643,31 +3552,14 @@
                 <a:latin typeface="Bookman Old Style" panose="02050604050505020204" pitchFamily="18" charset="0"/>
                 <a:cs typeface="Times New Roman" panose="02020603050405020304" pitchFamily="18" charset="0"/>
               </a:rPr>
-              <a:t>Диапазон </a:t>
-            </a:r>
-            <a:r>
-              <a:rPr lang="en-US" sz="2800" dirty="0" smtClean="0">
-                <a:latin typeface="Bookman Old Style" panose="02050604050505020204" pitchFamily="18" charset="0"/>
-                <a:cs typeface="Times New Roman" panose="02020603050405020304" pitchFamily="18" charset="0"/>
-              </a:rPr>
-              <a:t>Range</a:t>
-            </a:r>
-            <a:endParaRPr lang="ru-RU" sz="2800" dirty="0" smtClean="0">
-              <a:latin typeface="Bookman Old Style" panose="02050604050505020204" pitchFamily="18" charset="0"/>
-              <a:cs typeface="Times New Roman" panose="02020603050405020304" pitchFamily="18" charset="0"/>
-            </a:endParaRPr>
-          </a:p>
-          <a:p>
-            <a:pPr marL="285750" indent="-285750">
-              <a:buFont typeface="Arial" panose="020B0604020202020204" pitchFamily="34" charset="0"/>
-              <a:buChar char="•"/>
-            </a:pPr>
+              <a:t>Работа </a:t>
+            </a:r>
             <a:r>
               <a:rPr lang="ru-RU" sz="2800" dirty="0" smtClean="0">
                 <a:latin typeface="Bookman Old Style" panose="02050604050505020204" pitchFamily="18" charset="0"/>
                 <a:cs typeface="Times New Roman" panose="02020603050405020304" pitchFamily="18" charset="0"/>
               </a:rPr>
-              <a:t>Работа с датами и временем</a:t>
+              <a:t>с датами и временем</a:t>
             </a:r>
             <a:endParaRPr lang="en-US" sz="2800" dirty="0" smtClean="0">
               <a:latin typeface="Bookman Old Style" panose="02050604050505020204" pitchFamily="18" charset="0"/>
@@ -3802,514 +3694,6 @@
 </file>
 
 <file path=ppt/slides/slide10.xml><?xml version="1.0" encoding="utf-8"?>
-<p:sld xmlns:a="http://schemas.openxmlformats.org/drawingml/2006/main" xmlns:r="http://schemas.openxmlformats.org/officeDocument/2006/relationships" xmlns:p="http://schemas.openxmlformats.org/presentationml/2006/main">
-  <p:cSld>
-    <p:spTree>
-      <p:nvGrpSpPr>
-        <p:cNvPr id="1" name=""/>
-        <p:cNvGrpSpPr/>
-        <p:nvPr/>
-      </p:nvGrpSpPr>
-      <p:grpSpPr>
-        <a:xfrm>
-          <a:off x="0" y="0"/>
-          <a:ext cx="0" cy="0"/>
-          <a:chOff x="0" y="0"/>
-          <a:chExt cx="0" cy="0"/>
-        </a:xfrm>
-      </p:grpSpPr>
-      <p:sp>
-        <p:nvSpPr>
-          <p:cNvPr id="7" name="Прямоугольник 6"/>
-          <p:cNvSpPr/>
-          <p:nvPr/>
-        </p:nvSpPr>
-        <p:spPr>
-          <a:xfrm>
-            <a:off x="0" y="0"/>
-            <a:ext cx="12192000" cy="6740307"/>
-          </a:xfrm>
-          <a:prstGeom prst="rect">
-            <a:avLst/>
-          </a:prstGeom>
-        </p:spPr>
-        <p:txBody>
-          <a:bodyPr wrap="square">
-            <a:spAutoFit/>
-          </a:bodyPr>
-          <a:lstStyle/>
-          <a:p>
-            <a:pPr algn="just">
-              <a:lnSpc>
-                <a:spcPct val="150000"/>
-              </a:lnSpc>
-            </a:pPr>
-            <a:r>
-              <a:rPr lang="ru-RU" sz="2400" dirty="0" smtClean="0">
-                <a:latin typeface="Bookman Old Style" panose="02050604050505020204" pitchFamily="18" charset="0"/>
-                <a:cs typeface="Times New Roman" panose="02020603050405020304" pitchFamily="18" charset="0"/>
-              </a:rPr>
-              <a:t>Создаем объект сотрудника, и </a:t>
-            </a:r>
-            <a:r>
-              <a:rPr lang="ru-RU" sz="2400" dirty="0" err="1" smtClean="0">
-                <a:latin typeface="Bookman Old Style" panose="02050604050505020204" pitchFamily="18" charset="0"/>
-                <a:cs typeface="Times New Roman" panose="02020603050405020304" pitchFamily="18" charset="0"/>
-              </a:rPr>
-              <a:t>сериализуем</a:t>
-            </a:r>
-            <a:r>
-              <a:rPr lang="ru-RU" sz="2400" dirty="0" smtClean="0">
-                <a:latin typeface="Bookman Old Style" panose="02050604050505020204" pitchFamily="18" charset="0"/>
-                <a:cs typeface="Times New Roman" panose="02020603050405020304" pitchFamily="18" charset="0"/>
-              </a:rPr>
-              <a:t> в строку формата </a:t>
-            </a:r>
-            <a:r>
-              <a:rPr lang="en-US" sz="2400" dirty="0" smtClean="0">
-                <a:latin typeface="Bookman Old Style" panose="02050604050505020204" pitchFamily="18" charset="0"/>
-                <a:cs typeface="Times New Roman" panose="02020603050405020304" pitchFamily="18" charset="0"/>
-              </a:rPr>
-              <a:t>JSON, </a:t>
-            </a:r>
-            <a:r>
-              <a:rPr lang="ru-RU" sz="2400" dirty="0" smtClean="0">
-                <a:latin typeface="Bookman Old Style" panose="02050604050505020204" pitchFamily="18" charset="0"/>
-                <a:cs typeface="Times New Roman" panose="02020603050405020304" pitchFamily="18" charset="0"/>
-              </a:rPr>
-              <a:t>далее сохраняем в файл стандартным способом:</a:t>
-            </a:r>
-            <a:endParaRPr lang="en-US" sz="2400" dirty="0" smtClean="0">
-              <a:latin typeface="Bookman Old Style" panose="02050604050505020204" pitchFamily="18" charset="0"/>
-              <a:cs typeface="Times New Roman" panose="02020603050405020304" pitchFamily="18" charset="0"/>
-            </a:endParaRPr>
-          </a:p>
-          <a:p>
-            <a:pPr algn="just">
-              <a:lnSpc>
-                <a:spcPct val="150000"/>
-              </a:lnSpc>
-            </a:pPr>
-            <a:endParaRPr lang="ru-RU" sz="2400" dirty="0" smtClean="0">
-              <a:latin typeface="Bookman Old Style" panose="02050604050505020204" pitchFamily="18" charset="0"/>
-              <a:cs typeface="Times New Roman" panose="02020603050405020304" pitchFamily="18" charset="0"/>
-            </a:endParaRPr>
-          </a:p>
-          <a:p>
-            <a:pPr>
-              <a:lnSpc>
-                <a:spcPct val="150000"/>
-              </a:lnSpc>
-            </a:pPr>
-            <a:r>
-              <a:rPr lang="en-US" sz="2400" dirty="0" err="1">
-                <a:solidFill>
-                  <a:srgbClr val="0000FF"/>
-                </a:solidFill>
-                <a:latin typeface="Cascadia Mono" panose="020B0609020000020004" pitchFamily="49" charset="0"/>
-              </a:rPr>
-              <a:t>var</a:t>
-            </a:r>
-            <a:r>
-              <a:rPr lang="en-US" sz="2400" dirty="0">
-                <a:solidFill>
-                  <a:srgbClr val="000000"/>
-                </a:solidFill>
-                <a:latin typeface="Cascadia Mono" panose="020B0609020000020004" pitchFamily="49" charset="0"/>
-              </a:rPr>
-              <a:t> employee = </a:t>
-            </a:r>
-            <a:r>
-              <a:rPr lang="en-US" sz="2400" dirty="0">
-                <a:solidFill>
-                  <a:srgbClr val="0000FF"/>
-                </a:solidFill>
-                <a:latin typeface="Cascadia Mono" panose="020B0609020000020004" pitchFamily="49" charset="0"/>
-              </a:rPr>
-              <a:t>new</a:t>
-            </a:r>
-            <a:r>
-              <a:rPr lang="en-US" sz="2400" dirty="0">
-                <a:solidFill>
-                  <a:srgbClr val="000000"/>
-                </a:solidFill>
-                <a:latin typeface="Cascadia Mono" panose="020B0609020000020004" pitchFamily="49" charset="0"/>
-              </a:rPr>
-              <a:t> Employee(</a:t>
-            </a:r>
-            <a:r>
-              <a:rPr lang="en-US" sz="2400" dirty="0">
-                <a:solidFill>
-                  <a:srgbClr val="A31515"/>
-                </a:solidFill>
-                <a:latin typeface="Cascadia Mono" panose="020B0609020000020004" pitchFamily="49" charset="0"/>
-              </a:rPr>
-              <a:t>"John"</a:t>
-            </a:r>
-            <a:r>
-              <a:rPr lang="en-US" sz="2400" dirty="0">
-                <a:solidFill>
-                  <a:srgbClr val="000000"/>
-                </a:solidFill>
-                <a:latin typeface="Cascadia Mono" panose="020B0609020000020004" pitchFamily="49" charset="0"/>
-              </a:rPr>
-              <a:t>, </a:t>
-            </a:r>
-            <a:r>
-              <a:rPr lang="en-US" sz="2400" dirty="0">
-                <a:solidFill>
-                  <a:srgbClr val="A31515"/>
-                </a:solidFill>
-                <a:latin typeface="Cascadia Mono" panose="020B0609020000020004" pitchFamily="49" charset="0"/>
-              </a:rPr>
-              <a:t>"Black"</a:t>
-            </a:r>
-            <a:r>
-              <a:rPr lang="en-US" sz="2400" dirty="0">
-                <a:solidFill>
-                  <a:srgbClr val="000000"/>
-                </a:solidFill>
-                <a:latin typeface="Cascadia Mono" panose="020B0609020000020004" pitchFamily="49" charset="0"/>
-              </a:rPr>
-              <a:t>, 3000);</a:t>
-            </a:r>
-          </a:p>
-          <a:p>
-            <a:pPr>
-              <a:lnSpc>
-                <a:spcPct val="150000"/>
-              </a:lnSpc>
-            </a:pPr>
-            <a:r>
-              <a:rPr lang="en-US" sz="2400" dirty="0" err="1">
-                <a:solidFill>
-                  <a:srgbClr val="0000FF"/>
-                </a:solidFill>
-                <a:latin typeface="Cascadia Mono" panose="020B0609020000020004" pitchFamily="49" charset="0"/>
-              </a:rPr>
-              <a:t>var</a:t>
-            </a:r>
-            <a:r>
-              <a:rPr lang="en-US" sz="2400" dirty="0">
-                <a:solidFill>
-                  <a:srgbClr val="000000"/>
-                </a:solidFill>
-                <a:latin typeface="Cascadia Mono" panose="020B0609020000020004" pitchFamily="49" charset="0"/>
-              </a:rPr>
-              <a:t> </a:t>
-            </a:r>
-            <a:r>
-              <a:rPr lang="en-US" sz="2400" dirty="0" err="1">
-                <a:solidFill>
-                  <a:srgbClr val="000000"/>
-                </a:solidFill>
-                <a:latin typeface="Cascadia Mono" panose="020B0609020000020004" pitchFamily="49" charset="0"/>
-              </a:rPr>
-              <a:t>jsonString</a:t>
-            </a:r>
-            <a:r>
-              <a:rPr lang="en-US" sz="2400" dirty="0">
-                <a:solidFill>
-                  <a:srgbClr val="000000"/>
-                </a:solidFill>
-                <a:latin typeface="Cascadia Mono" panose="020B0609020000020004" pitchFamily="49" charset="0"/>
-              </a:rPr>
-              <a:t> = </a:t>
-            </a:r>
-            <a:r>
-              <a:rPr lang="en-US" sz="2400" dirty="0" err="1">
-                <a:solidFill>
-                  <a:srgbClr val="000000"/>
-                </a:solidFill>
-                <a:latin typeface="Cascadia Mono" panose="020B0609020000020004" pitchFamily="49" charset="0"/>
-              </a:rPr>
-              <a:t>JsonConvert.SerializeObject</a:t>
-            </a:r>
-            <a:r>
-              <a:rPr lang="en-US" sz="2400" dirty="0">
-                <a:solidFill>
-                  <a:srgbClr val="000000"/>
-                </a:solidFill>
-                <a:latin typeface="Cascadia Mono" panose="020B0609020000020004" pitchFamily="49" charset="0"/>
-              </a:rPr>
-              <a:t>(employee);</a:t>
-            </a:r>
-          </a:p>
-          <a:p>
-            <a:pPr>
-              <a:lnSpc>
-                <a:spcPct val="150000"/>
-              </a:lnSpc>
-            </a:pPr>
-            <a:r>
-              <a:rPr lang="en-US" sz="2400" dirty="0" err="1">
-                <a:solidFill>
-                  <a:srgbClr val="000000"/>
-                </a:solidFill>
-                <a:latin typeface="Cascadia Mono" panose="020B0609020000020004" pitchFamily="49" charset="0"/>
-              </a:rPr>
-              <a:t>File.WriteAllText</a:t>
-            </a:r>
-            <a:r>
-              <a:rPr lang="en-US" sz="2400" dirty="0">
-                <a:solidFill>
-                  <a:srgbClr val="000000"/>
-                </a:solidFill>
-                <a:latin typeface="Cascadia Mono" panose="020B0609020000020004" pitchFamily="49" charset="0"/>
-              </a:rPr>
-              <a:t>(</a:t>
-            </a:r>
-            <a:r>
-              <a:rPr lang="en-US" sz="2400" dirty="0">
-                <a:solidFill>
-                  <a:srgbClr val="A31515"/>
-                </a:solidFill>
-                <a:latin typeface="Cascadia Mono" panose="020B0609020000020004" pitchFamily="49" charset="0"/>
-              </a:rPr>
-              <a:t>"</a:t>
-            </a:r>
-            <a:r>
-              <a:rPr lang="en-US" sz="2400" dirty="0" err="1">
-                <a:solidFill>
-                  <a:srgbClr val="A31515"/>
-                </a:solidFill>
-                <a:latin typeface="Cascadia Mono" panose="020B0609020000020004" pitchFamily="49" charset="0"/>
-              </a:rPr>
-              <a:t>file.json</a:t>
-            </a:r>
-            <a:r>
-              <a:rPr lang="en-US" sz="2400" dirty="0">
-                <a:solidFill>
-                  <a:srgbClr val="A31515"/>
-                </a:solidFill>
-                <a:latin typeface="Cascadia Mono" panose="020B0609020000020004" pitchFamily="49" charset="0"/>
-              </a:rPr>
-              <a:t>"</a:t>
-            </a:r>
-            <a:r>
-              <a:rPr lang="en-US" sz="2400" dirty="0">
-                <a:solidFill>
-                  <a:srgbClr val="000000"/>
-                </a:solidFill>
-                <a:latin typeface="Cascadia Mono" panose="020B0609020000020004" pitchFamily="49" charset="0"/>
-              </a:rPr>
-              <a:t>, </a:t>
-            </a:r>
-            <a:r>
-              <a:rPr lang="en-US" sz="2400" dirty="0" err="1">
-                <a:solidFill>
-                  <a:srgbClr val="000000"/>
-                </a:solidFill>
-                <a:latin typeface="Cascadia Mono" panose="020B0609020000020004" pitchFamily="49" charset="0"/>
-              </a:rPr>
-              <a:t>jsonString</a:t>
-            </a:r>
-            <a:r>
-              <a:rPr lang="en-US" sz="2400" dirty="0" smtClean="0">
-                <a:solidFill>
-                  <a:srgbClr val="000000"/>
-                </a:solidFill>
-                <a:latin typeface="Cascadia Mono" panose="020B0609020000020004" pitchFamily="49" charset="0"/>
-              </a:rPr>
-              <a:t>);</a:t>
-            </a:r>
-            <a:endParaRPr lang="ru-RU" sz="2400" dirty="0"/>
-          </a:p>
-          <a:p>
-            <a:pPr algn="just">
-              <a:lnSpc>
-                <a:spcPct val="150000"/>
-              </a:lnSpc>
-            </a:pPr>
-            <a:r>
-              <a:rPr lang="ru-RU" sz="2400" dirty="0">
-                <a:latin typeface="Bookman Old Style" panose="02050604050505020204" pitchFamily="18" charset="0"/>
-                <a:cs typeface="Times New Roman" panose="02020603050405020304" pitchFamily="18" charset="0"/>
-              </a:rPr>
-              <a:t>В данном случае </a:t>
-            </a:r>
-            <a:r>
-              <a:rPr lang="ru-RU" sz="2400" b="1" dirty="0" err="1">
-                <a:latin typeface="Bookman Old Style" panose="02050604050505020204" pitchFamily="18" charset="0"/>
-                <a:cs typeface="Times New Roman" panose="02020603050405020304" pitchFamily="18" charset="0"/>
-              </a:rPr>
-              <a:t>сериализуются</a:t>
-            </a:r>
-            <a:r>
-              <a:rPr lang="ru-RU" sz="2400" b="1" dirty="0">
-                <a:latin typeface="Bookman Old Style" panose="02050604050505020204" pitchFamily="18" charset="0"/>
-                <a:cs typeface="Times New Roman" panose="02020603050405020304" pitchFamily="18" charset="0"/>
-              </a:rPr>
-              <a:t> все публичные поля и свойства</a:t>
-            </a:r>
-            <a:r>
-              <a:rPr lang="ru-RU" sz="2400" b="1" dirty="0" smtClean="0">
-                <a:latin typeface="Bookman Old Style" panose="02050604050505020204" pitchFamily="18" charset="0"/>
-                <a:cs typeface="Times New Roman" panose="02020603050405020304" pitchFamily="18" charset="0"/>
-              </a:rPr>
-              <a:t>!</a:t>
-            </a:r>
-          </a:p>
-          <a:p>
-            <a:pPr algn="just">
-              <a:lnSpc>
-                <a:spcPct val="150000"/>
-              </a:lnSpc>
-            </a:pPr>
-            <a:endParaRPr lang="ru-RU" sz="2400" b="1" dirty="0">
-              <a:latin typeface="Bookman Old Style" panose="02050604050505020204" pitchFamily="18" charset="0"/>
-              <a:cs typeface="Times New Roman" panose="02020603050405020304" pitchFamily="18" charset="0"/>
-            </a:endParaRPr>
-          </a:p>
-          <a:p>
-            <a:pPr algn="just">
-              <a:lnSpc>
-                <a:spcPct val="150000"/>
-              </a:lnSpc>
-            </a:pPr>
-            <a:r>
-              <a:rPr lang="ru-RU" sz="2400" b="1" dirty="0">
-                <a:latin typeface="Bookman Old Style" panose="02050604050505020204" pitchFamily="18" charset="0"/>
-                <a:cs typeface="Times New Roman" panose="02020603050405020304" pitchFamily="18" charset="0"/>
-              </a:rPr>
-              <a:t>Для </a:t>
-            </a:r>
-            <a:r>
-              <a:rPr lang="ru-RU" sz="2400" b="1" dirty="0" err="1">
-                <a:latin typeface="Bookman Old Style" panose="02050604050505020204" pitchFamily="18" charset="0"/>
-                <a:cs typeface="Times New Roman" panose="02020603050405020304" pitchFamily="18" charset="0"/>
-              </a:rPr>
-              <a:t>десериализации</a:t>
-            </a:r>
-            <a:r>
-              <a:rPr lang="ru-RU" sz="2400" b="1" dirty="0">
-                <a:latin typeface="Bookman Old Style" panose="02050604050505020204" pitchFamily="18" charset="0"/>
-                <a:cs typeface="Times New Roman" panose="02020603050405020304" pitchFamily="18" charset="0"/>
-              </a:rPr>
-              <a:t> </a:t>
-            </a:r>
-            <a:r>
-              <a:rPr lang="ru-RU" sz="2400" dirty="0">
-                <a:latin typeface="Bookman Old Style" panose="02050604050505020204" pitchFamily="18" charset="0"/>
-                <a:cs typeface="Times New Roman" panose="02020603050405020304" pitchFamily="18" charset="0"/>
-              </a:rPr>
-              <a:t>(получения объекта из </a:t>
-            </a:r>
-            <a:r>
-              <a:rPr lang="en-US" sz="2400" dirty="0">
-                <a:latin typeface="Bookman Old Style" panose="02050604050505020204" pitchFamily="18" charset="0"/>
-                <a:cs typeface="Times New Roman" panose="02020603050405020304" pitchFamily="18" charset="0"/>
-              </a:rPr>
-              <a:t>JSON </a:t>
-            </a:r>
-            <a:r>
-              <a:rPr lang="ru-RU" sz="2400" dirty="0">
-                <a:latin typeface="Bookman Old Style" panose="02050604050505020204" pitchFamily="18" charset="0"/>
-                <a:cs typeface="Times New Roman" panose="02020603050405020304" pitchFamily="18" charset="0"/>
-              </a:rPr>
-              <a:t>строки) нужно:</a:t>
-            </a:r>
-          </a:p>
-          <a:p>
-            <a:pPr>
-              <a:lnSpc>
-                <a:spcPct val="150000"/>
-              </a:lnSpc>
-            </a:pPr>
-            <a:r>
-              <a:rPr lang="en-US" sz="2400" dirty="0" err="1">
-                <a:solidFill>
-                  <a:srgbClr val="0000FF"/>
-                </a:solidFill>
-                <a:latin typeface="Cascadia Mono" panose="020B0609020000020004" pitchFamily="49" charset="0"/>
-              </a:rPr>
-              <a:t>var</a:t>
-            </a:r>
-            <a:r>
-              <a:rPr lang="en-US" sz="2400" dirty="0">
-                <a:solidFill>
-                  <a:srgbClr val="000000"/>
-                </a:solidFill>
-                <a:latin typeface="Cascadia Mono" panose="020B0609020000020004" pitchFamily="49" charset="0"/>
-              </a:rPr>
-              <a:t> employee = </a:t>
-            </a:r>
-            <a:r>
-              <a:rPr lang="en-US" sz="2400" dirty="0" err="1">
-                <a:solidFill>
-                  <a:srgbClr val="000000"/>
-                </a:solidFill>
-                <a:latin typeface="Cascadia Mono" panose="020B0609020000020004" pitchFamily="49" charset="0"/>
-              </a:rPr>
-              <a:t>JsonConvert.DeserializeObject</a:t>
-            </a:r>
-            <a:r>
-              <a:rPr lang="en-US" sz="2400" dirty="0">
-                <a:solidFill>
-                  <a:srgbClr val="000000"/>
-                </a:solidFill>
-                <a:latin typeface="Cascadia Mono" panose="020B0609020000020004" pitchFamily="49" charset="0"/>
-              </a:rPr>
-              <a:t>&lt;Employee&gt;(</a:t>
-            </a:r>
-            <a:r>
-              <a:rPr lang="en-US" sz="2400" dirty="0" err="1">
-                <a:solidFill>
-                  <a:srgbClr val="000000"/>
-                </a:solidFill>
-                <a:latin typeface="Cascadia Mono" panose="020B0609020000020004" pitchFamily="49" charset="0"/>
-              </a:rPr>
-              <a:t>jsonString</a:t>
-            </a:r>
-            <a:r>
-              <a:rPr lang="en-US" sz="2400" dirty="0">
-                <a:solidFill>
-                  <a:srgbClr val="000000"/>
-                </a:solidFill>
-                <a:latin typeface="Cascadia Mono" panose="020B0609020000020004" pitchFamily="49" charset="0"/>
-              </a:rPr>
-              <a:t>);</a:t>
-            </a:r>
-          </a:p>
-          <a:p>
-            <a:pPr algn="just">
-              <a:lnSpc>
-                <a:spcPct val="150000"/>
-              </a:lnSpc>
-            </a:pPr>
-            <a:endParaRPr lang="en-US" sz="2400" dirty="0">
-              <a:solidFill>
-                <a:schemeClr val="tx2">
-                  <a:lumMod val="50000"/>
-                </a:schemeClr>
-              </a:solidFill>
-              <a:latin typeface="Bookman Old Style" panose="02050604050505020204" pitchFamily="18" charset="0"/>
-              <a:cs typeface="Times New Roman" panose="02020603050405020304" pitchFamily="18" charset="0"/>
-            </a:endParaRPr>
-          </a:p>
-        </p:txBody>
-      </p:sp>
-    </p:spTree>
-    <p:extLst>
-      <p:ext uri="{BB962C8B-B14F-4D97-AF65-F5344CB8AC3E}">
-        <p14:creationId xmlns:p14="http://schemas.microsoft.com/office/powerpoint/2010/main" val="3591344126"/>
-      </p:ext>
-    </p:extLst>
-  </p:cSld>
-  <p:clrMapOvr>
-    <a:masterClrMapping/>
-  </p:clrMapOvr>
-  <p:timing>
-    <p:tnLst>
-      <p:par>
-        <p:cTn id="1" dur="indefinite" restart="never" nodeType="tmRoot"/>
-      </p:par>
-    </p:tnLst>
-  </p:timing>
-</p:sld>
-</file>
-
-<file path=ppt/slides/slide11.xml><?xml version="1.0" encoding="utf-8"?>
 <p:sld xmlns:a="http://schemas.openxmlformats.org/drawingml/2006/main" xmlns:r="http://schemas.openxmlformats.org/officeDocument/2006/relationships" xmlns:p="http://schemas.openxmlformats.org/presentationml/2006/main">
   <p:cSld>
     <p:spTree>
@@ -4586,7 +3970,7 @@
 </p:sld>
 </file>
 
-<file path=ppt/slides/slide12.xml><?xml version="1.0" encoding="utf-8"?>
+<file path=ppt/slides/slide11.xml><?xml version="1.0" encoding="utf-8"?>
 <p:sld xmlns:a="http://schemas.openxmlformats.org/drawingml/2006/main" xmlns:r="http://schemas.openxmlformats.org/officeDocument/2006/relationships" xmlns:p="http://schemas.openxmlformats.org/presentationml/2006/main">
   <p:cSld>
     <p:spTree>
@@ -5051,7 +4435,7 @@
 </p:sld>
 </file>
 
-<file path=ppt/slides/slide13.xml><?xml version="1.0" encoding="utf-8"?>
+<file path=ppt/slides/slide12.xml><?xml version="1.0" encoding="utf-8"?>
 <p:sld xmlns:a="http://schemas.openxmlformats.org/drawingml/2006/main" xmlns:r="http://schemas.openxmlformats.org/officeDocument/2006/relationships" xmlns:p="http://schemas.openxmlformats.org/presentationml/2006/main">
   <p:cSld>
     <p:spTree>
@@ -6053,7 +5437,7 @@
 </p:sld>
 </file>
 
-<file path=ppt/slides/slide14.xml><?xml version="1.0" encoding="utf-8"?>
+<file path=ppt/slides/slide13.xml><?xml version="1.0" encoding="utf-8"?>
 <p:sld xmlns:a="http://schemas.openxmlformats.org/drawingml/2006/main" xmlns:r="http://schemas.openxmlformats.org/officeDocument/2006/relationships" xmlns:p="http://schemas.openxmlformats.org/presentationml/2006/main">
   <p:cSld>
     <p:spTree>
@@ -6150,7 +5534,7 @@
 </p:sld>
 </file>
 
-<file path=ppt/slides/slide15.xml><?xml version="1.0" encoding="utf-8"?>
+<file path=ppt/slides/slide14.xml><?xml version="1.0" encoding="utf-8"?>
 <p:sld xmlns:a="http://schemas.openxmlformats.org/drawingml/2006/main" xmlns:r="http://schemas.openxmlformats.org/officeDocument/2006/relationships" xmlns:p="http://schemas.openxmlformats.org/presentationml/2006/main">
   <p:cSld>
     <p:spTree>
@@ -6860,7 +6244,7 @@
 </p:sld>
 </file>
 
-<file path=ppt/slides/slide16.xml><?xml version="1.0" encoding="utf-8"?>
+<file path=ppt/slides/slide15.xml><?xml version="1.0" encoding="utf-8"?>
 <p:sld xmlns:a="http://schemas.openxmlformats.org/drawingml/2006/main" xmlns:r="http://schemas.openxmlformats.org/officeDocument/2006/relationships" xmlns:p="http://schemas.openxmlformats.org/presentationml/2006/main">
   <p:cSld>
     <p:spTree>
@@ -6943,7 +6327,7 @@
 </p:sld>
 </file>
 
-<file path=ppt/slides/slide17.xml><?xml version="1.0" encoding="utf-8"?>
+<file path=ppt/slides/slide16.xml><?xml version="1.0" encoding="utf-8"?>
 <p:sld xmlns:a="http://schemas.openxmlformats.org/drawingml/2006/main" xmlns:r="http://schemas.openxmlformats.org/officeDocument/2006/relationships" xmlns:p="http://schemas.openxmlformats.org/presentationml/2006/main">
   <p:cSld>
     <p:spTree>
@@ -7156,7 +6540,7 @@
 </p:sld>
 </file>
 
-<file path=ppt/slides/slide18.xml><?xml version="1.0" encoding="utf-8"?>
+<file path=ppt/slides/slide17.xml><?xml version="1.0" encoding="utf-8"?>
 <p:sld xmlns:a="http://schemas.openxmlformats.org/drawingml/2006/main" xmlns:r="http://schemas.openxmlformats.org/officeDocument/2006/relationships" xmlns:p="http://schemas.openxmlformats.org/presentationml/2006/main">
   <p:cSld>
     <p:spTree>
@@ -7906,6 +7290,1025 @@
     <p:extLst>
       <p:ext uri="{BB962C8B-B14F-4D97-AF65-F5344CB8AC3E}">
         <p14:creationId xmlns:p14="http://schemas.microsoft.com/office/powerpoint/2010/main" val="16131598"/>
+      </p:ext>
+    </p:extLst>
+  </p:cSld>
+  <p:clrMapOvr>
+    <a:masterClrMapping/>
+  </p:clrMapOvr>
+  <p:timing>
+    <p:tnLst>
+      <p:par>
+        <p:cTn id="1" dur="indefinite" restart="never" nodeType="tmRoot"/>
+      </p:par>
+    </p:tnLst>
+  </p:timing>
+</p:sld>
+</file>
+
+<file path=ppt/slides/slide18.xml><?xml version="1.0" encoding="utf-8"?>
+<p:sld xmlns:a="http://schemas.openxmlformats.org/drawingml/2006/main" xmlns:r="http://schemas.openxmlformats.org/officeDocument/2006/relationships" xmlns:p="http://schemas.openxmlformats.org/presentationml/2006/main">
+  <p:cSld>
+    <p:spTree>
+      <p:nvGrpSpPr>
+        <p:cNvPr id="1" name=""/>
+        <p:cNvGrpSpPr/>
+        <p:nvPr/>
+      </p:nvGrpSpPr>
+      <p:grpSpPr>
+        <a:xfrm>
+          <a:off x="0" y="0"/>
+          <a:ext cx="0" cy="0"/>
+          <a:chOff x="0" y="0"/>
+          <a:chExt cx="0" cy="0"/>
+        </a:xfrm>
+      </p:grpSpPr>
+      <p:sp>
+        <p:nvSpPr>
+          <p:cNvPr id="2" name="Прямоугольник 1"/>
+          <p:cNvSpPr/>
+          <p:nvPr/>
+        </p:nvSpPr>
+        <p:spPr>
+          <a:xfrm>
+            <a:off x="0" y="0"/>
+            <a:ext cx="12192000" cy="7109639"/>
+          </a:xfrm>
+          <a:prstGeom prst="rect">
+            <a:avLst/>
+          </a:prstGeom>
+        </p:spPr>
+        <p:txBody>
+          <a:bodyPr wrap="square">
+            <a:spAutoFit/>
+          </a:bodyPr>
+          <a:lstStyle/>
+          <a:p>
+            <a:r>
+              <a:rPr lang="ru-RU" sz="2400" dirty="0" smtClean="0">
+                <a:solidFill>
+                  <a:srgbClr val="000000"/>
+                </a:solidFill>
+                <a:latin typeface="Cascadia Mono" panose="020B0609020000020004" pitchFamily="49" charset="0"/>
+              </a:rPr>
+              <a:t>    </a:t>
+            </a:r>
+            <a:r>
+              <a:rPr lang="en-US" sz="2400" dirty="0" smtClean="0">
+                <a:solidFill>
+                  <a:srgbClr val="000000"/>
+                </a:solidFill>
+                <a:latin typeface="Cascadia Mono" panose="020B0609020000020004" pitchFamily="49" charset="0"/>
+              </a:rPr>
+              <a:t>[</a:t>
+            </a:r>
+            <a:r>
+              <a:rPr lang="en-US" sz="2400" dirty="0" err="1">
+                <a:solidFill>
+                  <a:srgbClr val="000000"/>
+                </a:solidFill>
+                <a:latin typeface="Cascadia Mono" panose="020B0609020000020004" pitchFamily="49" charset="0"/>
+              </a:rPr>
+              <a:t>Serializable</a:t>
+            </a:r>
+            <a:r>
+              <a:rPr lang="en-US" sz="2400" dirty="0" smtClean="0">
+                <a:solidFill>
+                  <a:srgbClr val="000000"/>
+                </a:solidFill>
+                <a:latin typeface="Cascadia Mono" panose="020B0609020000020004" pitchFamily="49" charset="0"/>
+              </a:rPr>
+              <a:t>] [</a:t>
+            </a:r>
+            <a:r>
+              <a:rPr lang="en-US" sz="2400" dirty="0" err="1">
+                <a:solidFill>
+                  <a:srgbClr val="000000"/>
+                </a:solidFill>
+                <a:latin typeface="Cascadia Mono" panose="020B0609020000020004" pitchFamily="49" charset="0"/>
+              </a:rPr>
+              <a:t>DataContract</a:t>
+            </a:r>
+            <a:r>
+              <a:rPr lang="en-US" sz="2400" dirty="0">
+                <a:solidFill>
+                  <a:srgbClr val="000000"/>
+                </a:solidFill>
+                <a:latin typeface="Cascadia Mono" panose="020B0609020000020004" pitchFamily="49" charset="0"/>
+              </a:rPr>
+              <a:t>]</a:t>
+            </a:r>
+          </a:p>
+          <a:p>
+            <a:r>
+              <a:rPr lang="en-US" sz="2400" dirty="0">
+                <a:solidFill>
+                  <a:srgbClr val="000000"/>
+                </a:solidFill>
+                <a:latin typeface="Cascadia Mono" panose="020B0609020000020004" pitchFamily="49" charset="0"/>
+              </a:rPr>
+              <a:t>    </a:t>
+            </a:r>
+            <a:r>
+              <a:rPr lang="en-US" sz="2400" dirty="0">
+                <a:solidFill>
+                  <a:srgbClr val="0000FF"/>
+                </a:solidFill>
+                <a:latin typeface="Cascadia Mono" panose="020B0609020000020004" pitchFamily="49" charset="0"/>
+              </a:rPr>
+              <a:t>public</a:t>
+            </a:r>
+            <a:r>
+              <a:rPr lang="en-US" sz="2400" dirty="0">
+                <a:solidFill>
+                  <a:srgbClr val="000000"/>
+                </a:solidFill>
+                <a:latin typeface="Cascadia Mono" panose="020B0609020000020004" pitchFamily="49" charset="0"/>
+              </a:rPr>
+              <a:t> </a:t>
+            </a:r>
+            <a:r>
+              <a:rPr lang="en-US" sz="2400" dirty="0">
+                <a:solidFill>
+                  <a:srgbClr val="0000FF"/>
+                </a:solidFill>
+                <a:latin typeface="Cascadia Mono" panose="020B0609020000020004" pitchFamily="49" charset="0"/>
+              </a:rPr>
+              <a:t>class</a:t>
+            </a:r>
+            <a:r>
+              <a:rPr lang="en-US" sz="2400" dirty="0">
+                <a:solidFill>
+                  <a:srgbClr val="000000"/>
+                </a:solidFill>
+                <a:latin typeface="Cascadia Mono" panose="020B0609020000020004" pitchFamily="49" charset="0"/>
+              </a:rPr>
+              <a:t> </a:t>
+            </a:r>
+            <a:r>
+              <a:rPr lang="en-US" sz="2400" dirty="0">
+                <a:solidFill>
+                  <a:srgbClr val="2B91AF"/>
+                </a:solidFill>
+                <a:latin typeface="Cascadia Mono" panose="020B0609020000020004" pitchFamily="49" charset="0"/>
+              </a:rPr>
+              <a:t>Employee</a:t>
+            </a:r>
+            <a:endParaRPr lang="en-US" sz="2400" dirty="0">
+              <a:solidFill>
+                <a:srgbClr val="000000"/>
+              </a:solidFill>
+              <a:latin typeface="Cascadia Mono" panose="020B0609020000020004" pitchFamily="49" charset="0"/>
+            </a:endParaRPr>
+          </a:p>
+          <a:p>
+            <a:r>
+              <a:rPr lang="ru-RU" sz="2400" dirty="0">
+                <a:solidFill>
+                  <a:srgbClr val="000000"/>
+                </a:solidFill>
+                <a:latin typeface="Cascadia Mono" panose="020B0609020000020004" pitchFamily="49" charset="0"/>
+              </a:rPr>
+              <a:t>    {</a:t>
+            </a:r>
+          </a:p>
+          <a:p>
+            <a:r>
+              <a:rPr lang="en-US" sz="2400" dirty="0">
+                <a:solidFill>
+                  <a:srgbClr val="000000"/>
+                </a:solidFill>
+                <a:latin typeface="Cascadia Mono" panose="020B0609020000020004" pitchFamily="49" charset="0"/>
+              </a:rPr>
+              <a:t>        [</a:t>
+            </a:r>
+            <a:r>
+              <a:rPr lang="en-US" sz="2400" dirty="0" err="1">
+                <a:solidFill>
+                  <a:srgbClr val="000000"/>
+                </a:solidFill>
+                <a:latin typeface="Cascadia Mono" panose="020B0609020000020004" pitchFamily="49" charset="0"/>
+              </a:rPr>
+              <a:t>ReadOnly</a:t>
+            </a:r>
+            <a:r>
+              <a:rPr lang="en-US" sz="2400" dirty="0">
+                <a:solidFill>
+                  <a:srgbClr val="000000"/>
+                </a:solidFill>
+                <a:latin typeface="Cascadia Mono" panose="020B0609020000020004" pitchFamily="49" charset="0"/>
+              </a:rPr>
+              <a:t>(</a:t>
+            </a:r>
+            <a:r>
+              <a:rPr lang="en-US" sz="2400" dirty="0">
+                <a:solidFill>
+                  <a:srgbClr val="0000FF"/>
+                </a:solidFill>
+                <a:latin typeface="Cascadia Mono" panose="020B0609020000020004" pitchFamily="49" charset="0"/>
+              </a:rPr>
+              <a:t>false</a:t>
+            </a:r>
+            <a:r>
+              <a:rPr lang="en-US" sz="2400" dirty="0">
+                <a:solidFill>
+                  <a:srgbClr val="000000"/>
+                </a:solidFill>
+                <a:latin typeface="Cascadia Mono" panose="020B0609020000020004" pitchFamily="49" charset="0"/>
+              </a:rPr>
+              <a:t>)]</a:t>
+            </a:r>
+          </a:p>
+          <a:p>
+            <a:r>
+              <a:rPr lang="en-US" sz="2400" dirty="0">
+                <a:solidFill>
+                  <a:srgbClr val="000000"/>
+                </a:solidFill>
+                <a:latin typeface="Cascadia Mono" panose="020B0609020000020004" pitchFamily="49" charset="0"/>
+              </a:rPr>
+              <a:t>        [</a:t>
+            </a:r>
+            <a:r>
+              <a:rPr lang="en-US" sz="2400" dirty="0" err="1">
+                <a:solidFill>
+                  <a:srgbClr val="000000"/>
+                </a:solidFill>
+                <a:latin typeface="Cascadia Mono" panose="020B0609020000020004" pitchFamily="49" charset="0"/>
+              </a:rPr>
+              <a:t>Browsable</a:t>
+            </a:r>
+            <a:r>
+              <a:rPr lang="en-US" sz="2400" dirty="0">
+                <a:solidFill>
+                  <a:srgbClr val="000000"/>
+                </a:solidFill>
+                <a:latin typeface="Cascadia Mono" panose="020B0609020000020004" pitchFamily="49" charset="0"/>
+              </a:rPr>
+              <a:t>(</a:t>
+            </a:r>
+            <a:r>
+              <a:rPr lang="en-US" sz="2400" dirty="0">
+                <a:solidFill>
+                  <a:srgbClr val="0000FF"/>
+                </a:solidFill>
+                <a:latin typeface="Cascadia Mono" panose="020B0609020000020004" pitchFamily="49" charset="0"/>
+              </a:rPr>
+              <a:t>true</a:t>
+            </a:r>
+            <a:r>
+              <a:rPr lang="en-US" sz="2400" dirty="0">
+                <a:solidFill>
+                  <a:srgbClr val="000000"/>
+                </a:solidFill>
+                <a:latin typeface="Cascadia Mono" panose="020B0609020000020004" pitchFamily="49" charset="0"/>
+              </a:rPr>
+              <a:t>)]</a:t>
+            </a:r>
+          </a:p>
+          <a:p>
+            <a:r>
+              <a:rPr lang="en-US" sz="2400" dirty="0">
+                <a:solidFill>
+                  <a:srgbClr val="000000"/>
+                </a:solidFill>
+                <a:latin typeface="Cascadia Mono" panose="020B0609020000020004" pitchFamily="49" charset="0"/>
+              </a:rPr>
+              <a:t>        [Category(</a:t>
+            </a:r>
+            <a:r>
+              <a:rPr lang="en-US" sz="2400" dirty="0">
+                <a:solidFill>
+                  <a:srgbClr val="A31515"/>
+                </a:solidFill>
+                <a:latin typeface="Cascadia Mono" panose="020B0609020000020004" pitchFamily="49" charset="0"/>
+              </a:rPr>
+              <a:t>"</a:t>
+            </a:r>
+            <a:r>
+              <a:rPr lang="ru-RU" sz="2400" dirty="0">
+                <a:solidFill>
+                  <a:srgbClr val="A31515"/>
+                </a:solidFill>
+                <a:latin typeface="Cascadia Mono" panose="020B0609020000020004" pitchFamily="49" charset="0"/>
+              </a:rPr>
+              <a:t>ФИО"</a:t>
+            </a:r>
+            <a:r>
+              <a:rPr lang="ru-RU" sz="2400" dirty="0">
+                <a:solidFill>
+                  <a:srgbClr val="000000"/>
+                </a:solidFill>
+                <a:latin typeface="Cascadia Mono" panose="020B0609020000020004" pitchFamily="49" charset="0"/>
+              </a:rPr>
+              <a:t>)]</a:t>
+            </a:r>
+          </a:p>
+          <a:p>
+            <a:r>
+              <a:rPr lang="ru-RU" sz="2400" dirty="0">
+                <a:solidFill>
+                  <a:srgbClr val="000000"/>
+                </a:solidFill>
+                <a:latin typeface="Cascadia Mono" panose="020B0609020000020004" pitchFamily="49" charset="0"/>
+              </a:rPr>
+              <a:t>        [</a:t>
+            </a:r>
+            <a:r>
+              <a:rPr lang="ru-RU" sz="2400" dirty="0" err="1">
+                <a:solidFill>
+                  <a:srgbClr val="000000"/>
+                </a:solidFill>
+                <a:latin typeface="Cascadia Mono" panose="020B0609020000020004" pitchFamily="49" charset="0"/>
+              </a:rPr>
+              <a:t>Description</a:t>
+            </a:r>
+            <a:r>
+              <a:rPr lang="ru-RU" sz="2400" dirty="0">
+                <a:solidFill>
+                  <a:srgbClr val="000000"/>
+                </a:solidFill>
+                <a:latin typeface="Cascadia Mono" panose="020B0609020000020004" pitchFamily="49" charset="0"/>
+              </a:rPr>
+              <a:t>(</a:t>
+            </a:r>
+            <a:r>
+              <a:rPr lang="ru-RU" sz="2400" dirty="0">
+                <a:solidFill>
+                  <a:srgbClr val="A31515"/>
+                </a:solidFill>
+                <a:latin typeface="Cascadia Mono" panose="020B0609020000020004" pitchFamily="49" charset="0"/>
+              </a:rPr>
+              <a:t>"Имя, используйте только буквы"</a:t>
+            </a:r>
+            <a:r>
+              <a:rPr lang="ru-RU" sz="2400" dirty="0">
+                <a:solidFill>
+                  <a:srgbClr val="000000"/>
+                </a:solidFill>
+                <a:latin typeface="Cascadia Mono" panose="020B0609020000020004" pitchFamily="49" charset="0"/>
+              </a:rPr>
+              <a:t>)]</a:t>
+            </a:r>
+          </a:p>
+          <a:p>
+            <a:r>
+              <a:rPr lang="en-US" sz="2400" dirty="0">
+                <a:solidFill>
+                  <a:srgbClr val="000000"/>
+                </a:solidFill>
+                <a:latin typeface="Cascadia Mono" panose="020B0609020000020004" pitchFamily="49" charset="0"/>
+              </a:rPr>
+              <a:t>        [</a:t>
+            </a:r>
+            <a:r>
+              <a:rPr lang="en-US" sz="2400" dirty="0" err="1">
+                <a:solidFill>
+                  <a:srgbClr val="000000"/>
+                </a:solidFill>
+                <a:latin typeface="Cascadia Mono" panose="020B0609020000020004" pitchFamily="49" charset="0"/>
+              </a:rPr>
+              <a:t>DisplayName</a:t>
+            </a:r>
+            <a:r>
+              <a:rPr lang="en-US" sz="2400" dirty="0">
+                <a:solidFill>
+                  <a:srgbClr val="000000"/>
+                </a:solidFill>
+                <a:latin typeface="Cascadia Mono" panose="020B0609020000020004" pitchFamily="49" charset="0"/>
+              </a:rPr>
+              <a:t>(</a:t>
+            </a:r>
+            <a:r>
+              <a:rPr lang="en-US" sz="2400" dirty="0">
+                <a:solidFill>
+                  <a:srgbClr val="A31515"/>
+                </a:solidFill>
+                <a:latin typeface="Cascadia Mono" panose="020B0609020000020004" pitchFamily="49" charset="0"/>
+              </a:rPr>
+              <a:t>"</a:t>
+            </a:r>
+            <a:r>
+              <a:rPr lang="ru-RU" sz="2400" dirty="0">
+                <a:solidFill>
+                  <a:srgbClr val="A31515"/>
+                </a:solidFill>
+                <a:latin typeface="Cascadia Mono" panose="020B0609020000020004" pitchFamily="49" charset="0"/>
+              </a:rPr>
+              <a:t>Имя"</a:t>
+            </a:r>
+            <a:r>
+              <a:rPr lang="ru-RU" sz="2400" dirty="0">
+                <a:solidFill>
+                  <a:srgbClr val="000000"/>
+                </a:solidFill>
+                <a:latin typeface="Cascadia Mono" panose="020B0609020000020004" pitchFamily="49" charset="0"/>
+              </a:rPr>
+              <a:t>)]</a:t>
+            </a:r>
+          </a:p>
+          <a:p>
+            <a:r>
+              <a:rPr lang="en-US" sz="2400" dirty="0">
+                <a:solidFill>
+                  <a:srgbClr val="000000"/>
+                </a:solidFill>
+                <a:latin typeface="Cascadia Mono" panose="020B0609020000020004" pitchFamily="49" charset="0"/>
+              </a:rPr>
+              <a:t>        [</a:t>
+            </a:r>
+            <a:r>
+              <a:rPr lang="en-US" sz="2400" dirty="0" err="1">
+                <a:solidFill>
+                  <a:srgbClr val="000000"/>
+                </a:solidFill>
+                <a:latin typeface="Cascadia Mono" panose="020B0609020000020004" pitchFamily="49" charset="0"/>
+              </a:rPr>
+              <a:t>DataMember</a:t>
+            </a:r>
+            <a:r>
+              <a:rPr lang="en-US" sz="2400" dirty="0">
+                <a:solidFill>
+                  <a:srgbClr val="000000"/>
+                </a:solidFill>
+                <a:latin typeface="Cascadia Mono" panose="020B0609020000020004" pitchFamily="49" charset="0"/>
+              </a:rPr>
+              <a:t>(Name = </a:t>
+            </a:r>
+            <a:r>
+              <a:rPr lang="en-US" sz="2400" dirty="0">
+                <a:solidFill>
+                  <a:srgbClr val="A31515"/>
+                </a:solidFill>
+                <a:latin typeface="Cascadia Mono" panose="020B0609020000020004" pitchFamily="49" charset="0"/>
+              </a:rPr>
+              <a:t>"</a:t>
+            </a:r>
+            <a:r>
+              <a:rPr lang="ru-RU" sz="2400" dirty="0">
+                <a:solidFill>
+                  <a:srgbClr val="A31515"/>
+                </a:solidFill>
+                <a:latin typeface="Cascadia Mono" panose="020B0609020000020004" pitchFamily="49" charset="0"/>
+              </a:rPr>
+              <a:t>Имя"</a:t>
+            </a:r>
+            <a:r>
+              <a:rPr lang="ru-RU" sz="2400" dirty="0">
+                <a:solidFill>
+                  <a:srgbClr val="000000"/>
+                </a:solidFill>
+                <a:latin typeface="Cascadia Mono" panose="020B0609020000020004" pitchFamily="49" charset="0"/>
+              </a:rPr>
+              <a:t>)]</a:t>
+            </a:r>
+          </a:p>
+          <a:p>
+            <a:r>
+              <a:rPr lang="en-US" sz="2400" dirty="0">
+                <a:solidFill>
+                  <a:srgbClr val="000000"/>
+                </a:solidFill>
+                <a:latin typeface="Cascadia Mono" panose="020B0609020000020004" pitchFamily="49" charset="0"/>
+              </a:rPr>
+              <a:t>        </a:t>
+            </a:r>
+            <a:r>
+              <a:rPr lang="en-US" sz="2400" dirty="0">
+                <a:solidFill>
+                  <a:srgbClr val="0000FF"/>
+                </a:solidFill>
+                <a:latin typeface="Cascadia Mono" panose="020B0609020000020004" pitchFamily="49" charset="0"/>
+              </a:rPr>
+              <a:t>public</a:t>
+            </a:r>
+            <a:r>
+              <a:rPr lang="en-US" sz="2400" dirty="0">
+                <a:solidFill>
+                  <a:srgbClr val="000000"/>
+                </a:solidFill>
+                <a:latin typeface="Cascadia Mono" panose="020B0609020000020004" pitchFamily="49" charset="0"/>
+              </a:rPr>
+              <a:t> </a:t>
+            </a:r>
+            <a:r>
+              <a:rPr lang="en-US" sz="2400" dirty="0">
+                <a:solidFill>
+                  <a:srgbClr val="0000FF"/>
+                </a:solidFill>
+                <a:latin typeface="Cascadia Mono" panose="020B0609020000020004" pitchFamily="49" charset="0"/>
+              </a:rPr>
+              <a:t>string</a:t>
+            </a:r>
+            <a:r>
+              <a:rPr lang="en-US" sz="2400" dirty="0">
+                <a:solidFill>
+                  <a:srgbClr val="000000"/>
+                </a:solidFill>
+                <a:latin typeface="Cascadia Mono" panose="020B0609020000020004" pitchFamily="49" charset="0"/>
+              </a:rPr>
+              <a:t> </a:t>
+            </a:r>
+            <a:r>
+              <a:rPr lang="en-US" sz="2400" dirty="0" err="1">
+                <a:solidFill>
+                  <a:srgbClr val="000000"/>
+                </a:solidFill>
+                <a:latin typeface="Cascadia Mono" panose="020B0609020000020004" pitchFamily="49" charset="0"/>
+              </a:rPr>
+              <a:t>FirstName</a:t>
+            </a:r>
+            <a:r>
+              <a:rPr lang="en-US" sz="2400" dirty="0">
+                <a:solidFill>
+                  <a:srgbClr val="000000"/>
+                </a:solidFill>
+                <a:latin typeface="Cascadia Mono" panose="020B0609020000020004" pitchFamily="49" charset="0"/>
+              </a:rPr>
+              <a:t> { </a:t>
+            </a:r>
+            <a:r>
+              <a:rPr lang="en-US" sz="2400" dirty="0">
+                <a:solidFill>
+                  <a:srgbClr val="0000FF"/>
+                </a:solidFill>
+                <a:latin typeface="Cascadia Mono" panose="020B0609020000020004" pitchFamily="49" charset="0"/>
+              </a:rPr>
+              <a:t>get</a:t>
+            </a:r>
+            <a:r>
+              <a:rPr lang="en-US" sz="2400" dirty="0">
+                <a:solidFill>
+                  <a:srgbClr val="000000"/>
+                </a:solidFill>
+                <a:latin typeface="Cascadia Mono" panose="020B0609020000020004" pitchFamily="49" charset="0"/>
+              </a:rPr>
+              <a:t>; </a:t>
+            </a:r>
+            <a:r>
+              <a:rPr lang="en-US" sz="2400" dirty="0">
+                <a:solidFill>
+                  <a:srgbClr val="0000FF"/>
+                </a:solidFill>
+                <a:latin typeface="Cascadia Mono" panose="020B0609020000020004" pitchFamily="49" charset="0"/>
+              </a:rPr>
+              <a:t>set</a:t>
+            </a:r>
+            <a:r>
+              <a:rPr lang="en-US" sz="2400" dirty="0">
+                <a:solidFill>
+                  <a:srgbClr val="000000"/>
+                </a:solidFill>
+                <a:latin typeface="Cascadia Mono" panose="020B0609020000020004" pitchFamily="49" charset="0"/>
+              </a:rPr>
+              <a:t>; } = </a:t>
+            </a:r>
+            <a:r>
+              <a:rPr lang="en-US" sz="2400" dirty="0">
+                <a:solidFill>
+                  <a:srgbClr val="A31515"/>
+                </a:solidFill>
+                <a:latin typeface="Cascadia Mono" panose="020B0609020000020004" pitchFamily="49" charset="0"/>
+              </a:rPr>
+              <a:t>""</a:t>
+            </a:r>
+            <a:r>
+              <a:rPr lang="en-US" sz="2400" dirty="0">
+                <a:solidFill>
+                  <a:srgbClr val="000000"/>
+                </a:solidFill>
+                <a:latin typeface="Cascadia Mono" panose="020B0609020000020004" pitchFamily="49" charset="0"/>
+              </a:rPr>
+              <a:t>;</a:t>
+            </a:r>
+          </a:p>
+          <a:p>
+            <a:endParaRPr lang="ru-RU" sz="2400" dirty="0">
+              <a:solidFill>
+                <a:srgbClr val="000000"/>
+              </a:solidFill>
+              <a:latin typeface="Cascadia Mono" panose="020B0609020000020004" pitchFamily="49" charset="0"/>
+            </a:endParaRPr>
+          </a:p>
+          <a:p>
+            <a:r>
+              <a:rPr lang="en-US" sz="2400" dirty="0">
+                <a:solidFill>
+                  <a:srgbClr val="000000"/>
+                </a:solidFill>
+                <a:latin typeface="Cascadia Mono" panose="020B0609020000020004" pitchFamily="49" charset="0"/>
+              </a:rPr>
+              <a:t>        [</a:t>
+            </a:r>
+            <a:r>
+              <a:rPr lang="en-US" sz="2400" dirty="0" err="1">
+                <a:solidFill>
+                  <a:srgbClr val="000000"/>
+                </a:solidFill>
+                <a:latin typeface="Cascadia Mono" panose="020B0609020000020004" pitchFamily="49" charset="0"/>
+              </a:rPr>
+              <a:t>ReadOnly</a:t>
+            </a:r>
+            <a:r>
+              <a:rPr lang="en-US" sz="2400" dirty="0">
+                <a:solidFill>
+                  <a:srgbClr val="000000"/>
+                </a:solidFill>
+                <a:latin typeface="Cascadia Mono" panose="020B0609020000020004" pitchFamily="49" charset="0"/>
+              </a:rPr>
+              <a:t>(</a:t>
+            </a:r>
+            <a:r>
+              <a:rPr lang="en-US" sz="2400" dirty="0">
+                <a:solidFill>
+                  <a:srgbClr val="0000FF"/>
+                </a:solidFill>
+                <a:latin typeface="Cascadia Mono" panose="020B0609020000020004" pitchFamily="49" charset="0"/>
+              </a:rPr>
+              <a:t>false</a:t>
+            </a:r>
+            <a:r>
+              <a:rPr lang="en-US" sz="2400" dirty="0">
+                <a:solidFill>
+                  <a:srgbClr val="000000"/>
+                </a:solidFill>
+                <a:latin typeface="Cascadia Mono" panose="020B0609020000020004" pitchFamily="49" charset="0"/>
+              </a:rPr>
+              <a:t>)]</a:t>
+            </a:r>
+          </a:p>
+          <a:p>
+            <a:r>
+              <a:rPr lang="en-US" sz="2400" dirty="0">
+                <a:solidFill>
+                  <a:srgbClr val="000000"/>
+                </a:solidFill>
+                <a:latin typeface="Cascadia Mono" panose="020B0609020000020004" pitchFamily="49" charset="0"/>
+              </a:rPr>
+              <a:t>        [</a:t>
+            </a:r>
+            <a:r>
+              <a:rPr lang="en-US" sz="2400" dirty="0" err="1">
+                <a:solidFill>
+                  <a:srgbClr val="000000"/>
+                </a:solidFill>
+                <a:latin typeface="Cascadia Mono" panose="020B0609020000020004" pitchFamily="49" charset="0"/>
+              </a:rPr>
+              <a:t>Browsable</a:t>
+            </a:r>
+            <a:r>
+              <a:rPr lang="en-US" sz="2400" dirty="0">
+                <a:solidFill>
+                  <a:srgbClr val="000000"/>
+                </a:solidFill>
+                <a:latin typeface="Cascadia Mono" panose="020B0609020000020004" pitchFamily="49" charset="0"/>
+              </a:rPr>
+              <a:t>(</a:t>
+            </a:r>
+            <a:r>
+              <a:rPr lang="en-US" sz="2400" dirty="0">
+                <a:solidFill>
+                  <a:srgbClr val="0000FF"/>
+                </a:solidFill>
+                <a:latin typeface="Cascadia Mono" panose="020B0609020000020004" pitchFamily="49" charset="0"/>
+              </a:rPr>
+              <a:t>true</a:t>
+            </a:r>
+            <a:r>
+              <a:rPr lang="en-US" sz="2400" dirty="0">
+                <a:solidFill>
+                  <a:srgbClr val="000000"/>
+                </a:solidFill>
+                <a:latin typeface="Cascadia Mono" panose="020B0609020000020004" pitchFamily="49" charset="0"/>
+              </a:rPr>
+              <a:t>)]</a:t>
+            </a:r>
+          </a:p>
+          <a:p>
+            <a:r>
+              <a:rPr lang="en-US" sz="2400" dirty="0">
+                <a:solidFill>
+                  <a:srgbClr val="000000"/>
+                </a:solidFill>
+                <a:latin typeface="Cascadia Mono" panose="020B0609020000020004" pitchFamily="49" charset="0"/>
+              </a:rPr>
+              <a:t>        [Category(</a:t>
+            </a:r>
+            <a:r>
+              <a:rPr lang="en-US" sz="2400" dirty="0">
+                <a:solidFill>
+                  <a:srgbClr val="A31515"/>
+                </a:solidFill>
+                <a:latin typeface="Cascadia Mono" panose="020B0609020000020004" pitchFamily="49" charset="0"/>
+              </a:rPr>
+              <a:t>"</a:t>
+            </a:r>
+            <a:r>
+              <a:rPr lang="ru-RU" sz="2400" dirty="0">
+                <a:solidFill>
+                  <a:srgbClr val="A31515"/>
+                </a:solidFill>
+                <a:latin typeface="Cascadia Mono" panose="020B0609020000020004" pitchFamily="49" charset="0"/>
+              </a:rPr>
+              <a:t>ФИО"</a:t>
+            </a:r>
+            <a:r>
+              <a:rPr lang="ru-RU" sz="2400" dirty="0">
+                <a:solidFill>
+                  <a:srgbClr val="000000"/>
+                </a:solidFill>
+                <a:latin typeface="Cascadia Mono" panose="020B0609020000020004" pitchFamily="49" charset="0"/>
+              </a:rPr>
+              <a:t>)]</a:t>
+            </a:r>
+          </a:p>
+          <a:p>
+            <a:r>
+              <a:rPr lang="ru-RU" sz="2400" dirty="0">
+                <a:solidFill>
+                  <a:srgbClr val="000000"/>
+                </a:solidFill>
+                <a:latin typeface="Cascadia Mono" panose="020B0609020000020004" pitchFamily="49" charset="0"/>
+              </a:rPr>
+              <a:t>        [</a:t>
+            </a:r>
+            <a:r>
+              <a:rPr lang="ru-RU" sz="2400" dirty="0" err="1">
+                <a:solidFill>
+                  <a:srgbClr val="000000"/>
+                </a:solidFill>
+                <a:latin typeface="Cascadia Mono" panose="020B0609020000020004" pitchFamily="49" charset="0"/>
+              </a:rPr>
+              <a:t>Description</a:t>
+            </a:r>
+            <a:r>
+              <a:rPr lang="ru-RU" sz="2400" dirty="0">
+                <a:solidFill>
+                  <a:srgbClr val="000000"/>
+                </a:solidFill>
+                <a:latin typeface="Cascadia Mono" panose="020B0609020000020004" pitchFamily="49" charset="0"/>
+              </a:rPr>
+              <a:t>(</a:t>
+            </a:r>
+            <a:r>
+              <a:rPr lang="ru-RU" sz="2400" dirty="0">
+                <a:solidFill>
+                  <a:srgbClr val="A31515"/>
+                </a:solidFill>
+                <a:latin typeface="Cascadia Mono" panose="020B0609020000020004" pitchFamily="49" charset="0"/>
+              </a:rPr>
+              <a:t>"Фамилия, используйте только буквы"</a:t>
+            </a:r>
+            <a:r>
+              <a:rPr lang="ru-RU" sz="2400" dirty="0">
+                <a:solidFill>
+                  <a:srgbClr val="000000"/>
+                </a:solidFill>
+                <a:latin typeface="Cascadia Mono" panose="020B0609020000020004" pitchFamily="49" charset="0"/>
+              </a:rPr>
+              <a:t>)]</a:t>
+            </a:r>
+          </a:p>
+          <a:p>
+            <a:r>
+              <a:rPr lang="en-US" sz="2400" dirty="0">
+                <a:solidFill>
+                  <a:srgbClr val="000000"/>
+                </a:solidFill>
+                <a:latin typeface="Cascadia Mono" panose="020B0609020000020004" pitchFamily="49" charset="0"/>
+              </a:rPr>
+              <a:t>        [</a:t>
+            </a:r>
+            <a:r>
+              <a:rPr lang="en-US" sz="2400" dirty="0" err="1">
+                <a:solidFill>
+                  <a:srgbClr val="000000"/>
+                </a:solidFill>
+                <a:latin typeface="Cascadia Mono" panose="020B0609020000020004" pitchFamily="49" charset="0"/>
+              </a:rPr>
+              <a:t>DisplayName</a:t>
+            </a:r>
+            <a:r>
+              <a:rPr lang="en-US" sz="2400" dirty="0">
+                <a:solidFill>
+                  <a:srgbClr val="000000"/>
+                </a:solidFill>
+                <a:latin typeface="Cascadia Mono" panose="020B0609020000020004" pitchFamily="49" charset="0"/>
+              </a:rPr>
+              <a:t>(</a:t>
+            </a:r>
+            <a:r>
+              <a:rPr lang="en-US" sz="2400" dirty="0">
+                <a:solidFill>
+                  <a:srgbClr val="A31515"/>
+                </a:solidFill>
+                <a:latin typeface="Cascadia Mono" panose="020B0609020000020004" pitchFamily="49" charset="0"/>
+              </a:rPr>
+              <a:t>"</a:t>
+            </a:r>
+            <a:r>
+              <a:rPr lang="ru-RU" sz="2400" dirty="0">
+                <a:solidFill>
+                  <a:srgbClr val="A31515"/>
+                </a:solidFill>
+                <a:latin typeface="Cascadia Mono" panose="020B0609020000020004" pitchFamily="49" charset="0"/>
+              </a:rPr>
+              <a:t>Фамилия"</a:t>
+            </a:r>
+            <a:r>
+              <a:rPr lang="ru-RU" sz="2400" dirty="0">
+                <a:solidFill>
+                  <a:srgbClr val="000000"/>
+                </a:solidFill>
+                <a:latin typeface="Cascadia Mono" panose="020B0609020000020004" pitchFamily="49" charset="0"/>
+              </a:rPr>
+              <a:t>)]</a:t>
+            </a:r>
+          </a:p>
+          <a:p>
+            <a:r>
+              <a:rPr lang="en-US" sz="2400" dirty="0">
+                <a:solidFill>
+                  <a:srgbClr val="000000"/>
+                </a:solidFill>
+                <a:latin typeface="Cascadia Mono" panose="020B0609020000020004" pitchFamily="49" charset="0"/>
+              </a:rPr>
+              <a:t>        [</a:t>
+            </a:r>
+            <a:r>
+              <a:rPr lang="en-US" sz="2400" dirty="0" err="1">
+                <a:solidFill>
+                  <a:srgbClr val="000000"/>
+                </a:solidFill>
+                <a:latin typeface="Cascadia Mono" panose="020B0609020000020004" pitchFamily="49" charset="0"/>
+              </a:rPr>
+              <a:t>DataMember</a:t>
+            </a:r>
+            <a:r>
+              <a:rPr lang="en-US" sz="2400" dirty="0">
+                <a:solidFill>
+                  <a:srgbClr val="000000"/>
+                </a:solidFill>
+                <a:latin typeface="Cascadia Mono" panose="020B0609020000020004" pitchFamily="49" charset="0"/>
+              </a:rPr>
+              <a:t>(Name = </a:t>
+            </a:r>
+            <a:r>
+              <a:rPr lang="en-US" sz="2400" dirty="0">
+                <a:solidFill>
+                  <a:srgbClr val="A31515"/>
+                </a:solidFill>
+                <a:latin typeface="Cascadia Mono" panose="020B0609020000020004" pitchFamily="49" charset="0"/>
+              </a:rPr>
+              <a:t>"</a:t>
+            </a:r>
+            <a:r>
+              <a:rPr lang="ru-RU" sz="2400" dirty="0">
+                <a:solidFill>
+                  <a:srgbClr val="A31515"/>
+                </a:solidFill>
+                <a:latin typeface="Cascadia Mono" panose="020B0609020000020004" pitchFamily="49" charset="0"/>
+              </a:rPr>
+              <a:t>Фамилия"</a:t>
+            </a:r>
+            <a:r>
+              <a:rPr lang="ru-RU" sz="2400" dirty="0">
+                <a:solidFill>
+                  <a:srgbClr val="000000"/>
+                </a:solidFill>
+                <a:latin typeface="Cascadia Mono" panose="020B0609020000020004" pitchFamily="49" charset="0"/>
+              </a:rPr>
+              <a:t>)]</a:t>
+            </a:r>
+          </a:p>
+          <a:p>
+            <a:r>
+              <a:rPr lang="en-US" sz="2400" dirty="0">
+                <a:solidFill>
+                  <a:srgbClr val="000000"/>
+                </a:solidFill>
+                <a:latin typeface="Cascadia Mono" panose="020B0609020000020004" pitchFamily="49" charset="0"/>
+              </a:rPr>
+              <a:t>        </a:t>
+            </a:r>
+            <a:r>
+              <a:rPr lang="en-US" sz="2400" dirty="0">
+                <a:solidFill>
+                  <a:srgbClr val="0000FF"/>
+                </a:solidFill>
+                <a:latin typeface="Cascadia Mono" panose="020B0609020000020004" pitchFamily="49" charset="0"/>
+              </a:rPr>
+              <a:t>public</a:t>
+            </a:r>
+            <a:r>
+              <a:rPr lang="en-US" sz="2400" dirty="0">
+                <a:solidFill>
+                  <a:srgbClr val="000000"/>
+                </a:solidFill>
+                <a:latin typeface="Cascadia Mono" panose="020B0609020000020004" pitchFamily="49" charset="0"/>
+              </a:rPr>
+              <a:t> </a:t>
+            </a:r>
+            <a:r>
+              <a:rPr lang="en-US" sz="2400" dirty="0">
+                <a:solidFill>
+                  <a:srgbClr val="0000FF"/>
+                </a:solidFill>
+                <a:latin typeface="Cascadia Mono" panose="020B0609020000020004" pitchFamily="49" charset="0"/>
+              </a:rPr>
+              <a:t>string</a:t>
+            </a:r>
+            <a:r>
+              <a:rPr lang="en-US" sz="2400" dirty="0">
+                <a:solidFill>
+                  <a:srgbClr val="000000"/>
+                </a:solidFill>
+                <a:latin typeface="Cascadia Mono" panose="020B0609020000020004" pitchFamily="49" charset="0"/>
+              </a:rPr>
+              <a:t> </a:t>
+            </a:r>
+            <a:r>
+              <a:rPr lang="en-US" sz="2400" dirty="0" err="1">
+                <a:solidFill>
+                  <a:srgbClr val="000000"/>
+                </a:solidFill>
+                <a:latin typeface="Cascadia Mono" panose="020B0609020000020004" pitchFamily="49" charset="0"/>
+              </a:rPr>
+              <a:t>LastName</a:t>
+            </a:r>
+            <a:r>
+              <a:rPr lang="en-US" sz="2400" dirty="0">
+                <a:solidFill>
+                  <a:srgbClr val="000000"/>
+                </a:solidFill>
+                <a:latin typeface="Cascadia Mono" panose="020B0609020000020004" pitchFamily="49" charset="0"/>
+              </a:rPr>
+              <a:t> { </a:t>
+            </a:r>
+            <a:r>
+              <a:rPr lang="en-US" sz="2400" dirty="0">
+                <a:solidFill>
+                  <a:srgbClr val="0000FF"/>
+                </a:solidFill>
+                <a:latin typeface="Cascadia Mono" panose="020B0609020000020004" pitchFamily="49" charset="0"/>
+              </a:rPr>
+              <a:t>get</a:t>
+            </a:r>
+            <a:r>
+              <a:rPr lang="en-US" sz="2400" dirty="0">
+                <a:solidFill>
+                  <a:srgbClr val="000000"/>
+                </a:solidFill>
+                <a:latin typeface="Cascadia Mono" panose="020B0609020000020004" pitchFamily="49" charset="0"/>
+              </a:rPr>
+              <a:t>; </a:t>
+            </a:r>
+            <a:r>
+              <a:rPr lang="en-US" sz="2400" dirty="0">
+                <a:solidFill>
+                  <a:srgbClr val="0000FF"/>
+                </a:solidFill>
+                <a:latin typeface="Cascadia Mono" panose="020B0609020000020004" pitchFamily="49" charset="0"/>
+              </a:rPr>
+              <a:t>set</a:t>
+            </a:r>
+            <a:r>
+              <a:rPr lang="en-US" sz="2400" dirty="0">
+                <a:solidFill>
+                  <a:srgbClr val="000000"/>
+                </a:solidFill>
+                <a:latin typeface="Cascadia Mono" panose="020B0609020000020004" pitchFamily="49" charset="0"/>
+              </a:rPr>
+              <a:t>; } = </a:t>
+            </a:r>
+            <a:r>
+              <a:rPr lang="en-US" sz="2400" dirty="0">
+                <a:solidFill>
+                  <a:srgbClr val="A31515"/>
+                </a:solidFill>
+                <a:latin typeface="Cascadia Mono" panose="020B0609020000020004" pitchFamily="49" charset="0"/>
+              </a:rPr>
+              <a:t>""</a:t>
+            </a:r>
+            <a:r>
+              <a:rPr lang="en-US" sz="2400" dirty="0">
+                <a:solidFill>
+                  <a:srgbClr val="000000"/>
+                </a:solidFill>
+                <a:latin typeface="Cascadia Mono" panose="020B0609020000020004" pitchFamily="49" charset="0"/>
+              </a:rPr>
+              <a:t>;</a:t>
+            </a:r>
+          </a:p>
+          <a:p>
+            <a:endParaRPr lang="ru-RU" sz="2400" dirty="0"/>
+          </a:p>
+        </p:txBody>
+      </p:sp>
+    </p:spTree>
+    <p:extLst>
+      <p:ext uri="{BB962C8B-B14F-4D97-AF65-F5344CB8AC3E}">
+        <p14:creationId xmlns:p14="http://schemas.microsoft.com/office/powerpoint/2010/main" val="2045774352"/>
       </p:ext>
     </p:extLst>
   </p:cSld>
@@ -7947,8 +8350,8 @@
         </p:nvSpPr>
         <p:spPr>
           <a:xfrm>
-            <a:off x="0" y="0"/>
-            <a:ext cx="12192000" cy="7109639"/>
+            <a:off x="159657" y="0"/>
+            <a:ext cx="12192000" cy="6001643"/>
           </a:xfrm>
           <a:prstGeom prst="rect">
             <a:avLst/>
@@ -7961,14 +8364,193 @@
           <a:lstStyle/>
           <a:p>
             <a:r>
+              <a:rPr lang="en-US" sz="2400" smtClean="0">
+                <a:solidFill>
+                  <a:srgbClr val="000000"/>
+                </a:solidFill>
+                <a:latin typeface="Cascadia Mono" panose="020B0609020000020004" pitchFamily="49" charset="0"/>
+              </a:rPr>
+              <a:t>[</a:t>
+            </a:r>
+            <a:r>
+              <a:rPr lang="en-US" sz="2400" dirty="0" err="1">
+                <a:solidFill>
+                  <a:srgbClr val="000000"/>
+                </a:solidFill>
+                <a:latin typeface="Cascadia Mono" panose="020B0609020000020004" pitchFamily="49" charset="0"/>
+              </a:rPr>
+              <a:t>ReadOnly</a:t>
+            </a:r>
+            <a:r>
+              <a:rPr lang="en-US" sz="2400" dirty="0">
+                <a:solidFill>
+                  <a:srgbClr val="000000"/>
+                </a:solidFill>
+                <a:latin typeface="Cascadia Mono" panose="020B0609020000020004" pitchFamily="49" charset="0"/>
+              </a:rPr>
+              <a:t>(</a:t>
+            </a:r>
+            <a:r>
+              <a:rPr lang="en-US" sz="2400" dirty="0">
+                <a:solidFill>
+                  <a:srgbClr val="0000FF"/>
+                </a:solidFill>
+                <a:latin typeface="Cascadia Mono" panose="020B0609020000020004" pitchFamily="49" charset="0"/>
+              </a:rPr>
+              <a:t>false</a:t>
+            </a:r>
+            <a:r>
+              <a:rPr lang="en-US" sz="2400" dirty="0">
+                <a:solidFill>
+                  <a:srgbClr val="000000"/>
+                </a:solidFill>
+                <a:latin typeface="Cascadia Mono" panose="020B0609020000020004" pitchFamily="49" charset="0"/>
+              </a:rPr>
+              <a:t>)]</a:t>
+            </a:r>
+          </a:p>
+          <a:p>
+            <a:r>
+              <a:rPr lang="en-US" sz="2400" dirty="0" smtClean="0">
+                <a:solidFill>
+                  <a:srgbClr val="000000"/>
+                </a:solidFill>
+                <a:latin typeface="Cascadia Mono" panose="020B0609020000020004" pitchFamily="49" charset="0"/>
+              </a:rPr>
+              <a:t>[</a:t>
+            </a:r>
+            <a:r>
+              <a:rPr lang="en-US" sz="2400" dirty="0" err="1">
+                <a:solidFill>
+                  <a:srgbClr val="000000"/>
+                </a:solidFill>
+                <a:latin typeface="Cascadia Mono" panose="020B0609020000020004" pitchFamily="49" charset="0"/>
+              </a:rPr>
+              <a:t>Browsable</a:t>
+            </a:r>
+            <a:r>
+              <a:rPr lang="en-US" sz="2400" dirty="0">
+                <a:solidFill>
+                  <a:srgbClr val="000000"/>
+                </a:solidFill>
+                <a:latin typeface="Cascadia Mono" panose="020B0609020000020004" pitchFamily="49" charset="0"/>
+              </a:rPr>
+              <a:t>(</a:t>
+            </a:r>
+            <a:r>
+              <a:rPr lang="en-US" sz="2400" dirty="0">
+                <a:solidFill>
+                  <a:srgbClr val="0000FF"/>
+                </a:solidFill>
+                <a:latin typeface="Cascadia Mono" panose="020B0609020000020004" pitchFamily="49" charset="0"/>
+              </a:rPr>
+              <a:t>true</a:t>
+            </a:r>
+            <a:r>
+              <a:rPr lang="en-US" sz="2400" dirty="0">
+                <a:solidFill>
+                  <a:srgbClr val="000000"/>
+                </a:solidFill>
+                <a:latin typeface="Cascadia Mono" panose="020B0609020000020004" pitchFamily="49" charset="0"/>
+              </a:rPr>
+              <a:t>)]</a:t>
+            </a:r>
+          </a:p>
+          <a:p>
+            <a:r>
+              <a:rPr lang="en-US" sz="2400" dirty="0" smtClean="0">
+                <a:solidFill>
+                  <a:srgbClr val="000000"/>
+                </a:solidFill>
+                <a:latin typeface="Cascadia Mono" panose="020B0609020000020004" pitchFamily="49" charset="0"/>
+              </a:rPr>
+              <a:t>[</a:t>
+            </a:r>
+            <a:r>
+              <a:rPr lang="en-US" sz="2400" dirty="0">
+                <a:solidFill>
+                  <a:srgbClr val="000000"/>
+                </a:solidFill>
+                <a:latin typeface="Cascadia Mono" panose="020B0609020000020004" pitchFamily="49" charset="0"/>
+              </a:rPr>
+              <a:t>Category(</a:t>
+            </a:r>
+            <a:r>
+              <a:rPr lang="en-US" sz="2400" dirty="0">
+                <a:solidFill>
+                  <a:srgbClr val="A31515"/>
+                </a:solidFill>
+                <a:latin typeface="Cascadia Mono" panose="020B0609020000020004" pitchFamily="49" charset="0"/>
+              </a:rPr>
+              <a:t>"</a:t>
+            </a:r>
+            <a:r>
+              <a:rPr lang="ru-RU" sz="2400" dirty="0">
+                <a:solidFill>
+                  <a:srgbClr val="A31515"/>
+                </a:solidFill>
+                <a:latin typeface="Cascadia Mono" panose="020B0609020000020004" pitchFamily="49" charset="0"/>
+              </a:rPr>
+              <a:t>Зарплата"</a:t>
+            </a:r>
+            <a:r>
+              <a:rPr lang="ru-RU" sz="2400" dirty="0">
+                <a:solidFill>
+                  <a:srgbClr val="000000"/>
+                </a:solidFill>
+                <a:latin typeface="Cascadia Mono" panose="020B0609020000020004" pitchFamily="49" charset="0"/>
+              </a:rPr>
+              <a:t>)]</a:t>
+            </a:r>
+          </a:p>
+          <a:p>
+            <a:r>
               <a:rPr lang="ru-RU" sz="2400" dirty="0" smtClean="0">
                 <a:solidFill>
                   <a:srgbClr val="000000"/>
                 </a:solidFill>
                 <a:latin typeface="Cascadia Mono" panose="020B0609020000020004" pitchFamily="49" charset="0"/>
               </a:rPr>
-              <a:t>    </a:t>
-            </a:r>
+              <a:t>[</a:t>
+            </a:r>
+            <a:r>
+              <a:rPr lang="ru-RU" sz="2400" dirty="0" err="1">
+                <a:solidFill>
+                  <a:srgbClr val="000000"/>
+                </a:solidFill>
+                <a:latin typeface="Cascadia Mono" panose="020B0609020000020004" pitchFamily="49" charset="0"/>
+              </a:rPr>
+              <a:t>Description</a:t>
+            </a:r>
+            <a:r>
+              <a:rPr lang="ru-RU" sz="2400" dirty="0">
+                <a:solidFill>
+                  <a:srgbClr val="000000"/>
+                </a:solidFill>
+                <a:latin typeface="Cascadia Mono" panose="020B0609020000020004" pitchFamily="49" charset="0"/>
+              </a:rPr>
+              <a:t>(</a:t>
+            </a:r>
+            <a:r>
+              <a:rPr lang="ru-RU" sz="2400" dirty="0">
+                <a:solidFill>
+                  <a:srgbClr val="A31515"/>
+                </a:solidFill>
+                <a:latin typeface="Cascadia Mono" panose="020B0609020000020004" pitchFamily="49" charset="0"/>
+              </a:rPr>
+              <a:t>"Зарплата, используйте только цифры"</a:t>
+            </a:r>
+            <a:r>
+              <a:rPr lang="ru-RU" sz="2400" dirty="0">
+                <a:solidFill>
+                  <a:srgbClr val="000000"/>
+                </a:solidFill>
+                <a:latin typeface="Cascadia Mono" panose="020B0609020000020004" pitchFamily="49" charset="0"/>
+              </a:rPr>
+              <a:t>)]</a:t>
+            </a:r>
+          </a:p>
+          <a:p>
             <a:r>
               <a:rPr lang="en-US" sz="2400" dirty="0" smtClean="0">
                 <a:solidFill>
@@ -7985,8 +8567,46 @@
                 </a:solidFill>
                 <a:latin typeface="Cascadia Mono" panose="020B0609020000020004" pitchFamily="49" charset="0"/>
               </a:rPr>
-              <a:t>Serializable</a:t>
-            </a:r>
+              <a:t>DisplayName</a:t>
+            </a:r>
+            <a:r>
+              <a:rPr lang="en-US" sz="2400" dirty="0">
+                <a:solidFill>
+                  <a:srgbClr val="000000"/>
+                </a:solidFill>
+                <a:latin typeface="Cascadia Mono" panose="020B0609020000020004" pitchFamily="49" charset="0"/>
+              </a:rPr>
+              <a:t>(</a:t>
+            </a:r>
+            <a:r>
+              <a:rPr lang="en-US" sz="2400" dirty="0">
+                <a:solidFill>
+                  <a:srgbClr val="A31515"/>
+                </a:solidFill>
+                <a:latin typeface="Cascadia Mono" panose="020B0609020000020004" pitchFamily="49" charset="0"/>
+              </a:rPr>
+              <a:t>"</a:t>
+            </a:r>
+            <a:r>
+              <a:rPr lang="ru-RU" sz="2400" dirty="0">
+                <a:solidFill>
+                  <a:srgbClr val="A31515"/>
+                </a:solidFill>
+                <a:latin typeface="Cascadia Mono" panose="020B0609020000020004" pitchFamily="49" charset="0"/>
+              </a:rPr>
+              <a:t>Зарплата"</a:t>
+            </a:r>
+            <a:r>
+              <a:rPr lang="ru-RU" sz="2400" dirty="0">
+                <a:solidFill>
+                  <a:srgbClr val="000000"/>
+                </a:solidFill>
+                <a:latin typeface="Cascadia Mono" panose="020B0609020000020004" pitchFamily="49" charset="0"/>
+              </a:rPr>
+              <a:t>)]</a:t>
+            </a:r>
+          </a:p>
+          <a:p>
             <a:r>
               <a:rPr lang="en-US" sz="2400" dirty="0" smtClean="0">
                 <a:solidFill>
@@ -7994,7 +8614,7 @@
                 </a:solidFill>
                 <a:latin typeface="Cascadia Mono" panose="020B0609020000020004" pitchFamily="49" charset="0"/>
               </a:rPr>
-              <a:t>] [</a:t>
+              <a:t>[</a:t>
             </a:r>
             <a:r>
               <a:rPr lang="en-US" sz="2400" dirty="0" err="1">
@@ -8003,30 +8623,48 @@
                 </a:solidFill>
                 <a:latin typeface="Cascadia Mono" panose="020B0609020000020004" pitchFamily="49" charset="0"/>
               </a:rPr>
-              <a:t>DataContract</a:t>
-            </a:r>
-            <a:r>
-              <a:rPr lang="en-US" sz="2400" dirty="0">
-                <a:solidFill>
-                  <a:srgbClr val="000000"/>
-                </a:solidFill>
-                <a:latin typeface="Cascadia Mono" panose="020B0609020000020004" pitchFamily="49" charset="0"/>
-              </a:rPr>
-              <a:t>]</a:t>
-            </a:r>
-          </a:p>
-          <a:p>
-            <a:r>
-              <a:rPr lang="en-US" sz="2400" dirty="0">
-                <a:solidFill>
-                  <a:srgbClr val="000000"/>
-                </a:solidFill>
-                <a:latin typeface="Cascadia Mono" panose="020B0609020000020004" pitchFamily="49" charset="0"/>
-              </a:rPr>
-              <a:t>    </a:t>
-            </a:r>
-            <a:r>
-              <a:rPr lang="en-US" sz="2400" dirty="0">
+              <a:t>DataMember</a:t>
+            </a:r>
+            <a:r>
+              <a:rPr lang="en-US" sz="2400" dirty="0">
+                <a:solidFill>
+                  <a:srgbClr val="000000"/>
+                </a:solidFill>
+                <a:latin typeface="Cascadia Mono" panose="020B0609020000020004" pitchFamily="49" charset="0"/>
+              </a:rPr>
+              <a:t>(Name = </a:t>
+            </a:r>
+            <a:r>
+              <a:rPr lang="en-US" sz="2400" dirty="0">
+                <a:solidFill>
+                  <a:srgbClr val="A31515"/>
+                </a:solidFill>
+                <a:latin typeface="Cascadia Mono" panose="020B0609020000020004" pitchFamily="49" charset="0"/>
+              </a:rPr>
+              <a:t>"</a:t>
+            </a:r>
+            <a:r>
+              <a:rPr lang="ru-RU" sz="2400" dirty="0">
+                <a:solidFill>
+                  <a:srgbClr val="A31515"/>
+                </a:solidFill>
+                <a:latin typeface="Cascadia Mono" panose="020B0609020000020004" pitchFamily="49" charset="0"/>
+              </a:rPr>
+              <a:t>Зарплата"</a:t>
+            </a:r>
+            <a:r>
+              <a:rPr lang="ru-RU" sz="2400" dirty="0">
+                <a:solidFill>
+                  <a:srgbClr val="000000"/>
+                </a:solidFill>
+                <a:latin typeface="Cascadia Mono" panose="020B0609020000020004" pitchFamily="49" charset="0"/>
+              </a:rPr>
+              <a:t>)]</a:t>
+            </a:r>
+          </a:p>
+          <a:p>
+            <a:r>
+              <a:rPr lang="en-US" sz="2400" dirty="0" smtClean="0">
                 <a:solidFill>
                   <a:srgbClr val="0000FF"/>
                 </a:solidFill>
@@ -8035,7 +8673,7 @@
               <a:t>public</a:t>
             </a:r>
             <a:r>
-              <a:rPr lang="en-US" sz="2400" dirty="0">
+              <a:rPr lang="en-US" sz="2400" dirty="0" smtClean="0">
                 <a:solidFill>
                   <a:srgbClr val="000000"/>
                 </a:solidFill>
@@ -8050,71 +8688,16 @@
                 </a:solidFill>
                 <a:latin typeface="Cascadia Mono" panose="020B0609020000020004" pitchFamily="49" charset="0"/>
               </a:rPr>
-              <a:t>class</a:t>
-            </a:r>
-            <a:r>
-              <a:rPr lang="en-US" sz="2400" dirty="0">
-                <a:solidFill>
-                  <a:srgbClr val="000000"/>
-                </a:solidFill>
-                <a:latin typeface="Cascadia Mono" panose="020B0609020000020004" pitchFamily="49" charset="0"/>
-              </a:rPr>
-              <a:t> </a:t>
-            </a:r>
-            <a:r>
-              <a:rPr lang="en-US" sz="2400" dirty="0">
-                <a:solidFill>
-                  <a:srgbClr val="2B91AF"/>
-                </a:solidFill>
-                <a:latin typeface="Cascadia Mono" panose="020B0609020000020004" pitchFamily="49" charset="0"/>
-              </a:rPr>
-              <a:t>Employee</a:t>
-            </a:r>
-            <a:endParaRPr lang="en-US" sz="2400" dirty="0">
-              <a:solidFill>
-                <a:srgbClr val="000000"/>
-              </a:solidFill>
-              <a:latin typeface="Cascadia Mono" panose="020B0609020000020004" pitchFamily="49" charset="0"/>
-            </a:endParaRPr>
-          </a:p>
-          <a:p>
-            <a:r>
-              <a:rPr lang="ru-RU" sz="2400" dirty="0">
-                <a:solidFill>
-                  <a:srgbClr val="000000"/>
-                </a:solidFill>
-                <a:latin typeface="Cascadia Mono" panose="020B0609020000020004" pitchFamily="49" charset="0"/>
-              </a:rPr>
-              <a:t>    {</a:t>
-            </a:r>
-          </a:p>
-          <a:p>
-            <a:r>
-              <a:rPr lang="en-US" sz="2400" dirty="0">
-                <a:solidFill>
-                  <a:srgbClr val="000000"/>
-                </a:solidFill>
-                <a:latin typeface="Cascadia Mono" panose="020B0609020000020004" pitchFamily="49" charset="0"/>
-              </a:rPr>
-              <a:t>        [</a:t>
-            </a:r>
-            <a:r>
-              <a:rPr lang="en-US" sz="2400" dirty="0" err="1">
-                <a:solidFill>
-                  <a:srgbClr val="000000"/>
-                </a:solidFill>
-                <a:latin typeface="Cascadia Mono" panose="020B0609020000020004" pitchFamily="49" charset="0"/>
-              </a:rPr>
-              <a:t>ReadOnly</a:t>
-            </a:r>
-            <a:r>
-              <a:rPr lang="en-US" sz="2400" dirty="0">
-                <a:solidFill>
-                  <a:srgbClr val="000000"/>
-                </a:solidFill>
-                <a:latin typeface="Cascadia Mono" panose="020B0609020000020004" pitchFamily="49" charset="0"/>
-              </a:rPr>
-              <a:t>(</a:t>
+              <a:t>double</a:t>
+            </a:r>
+            <a:r>
+              <a:rPr lang="en-US" sz="2400" dirty="0">
+                <a:solidFill>
+                  <a:srgbClr val="000000"/>
+                </a:solidFill>
+                <a:latin typeface="Cascadia Mono" panose="020B0609020000020004" pitchFamily="49" charset="0"/>
+              </a:rPr>
+              <a:t> Salary { </a:t>
             </a:r>
             <a:r>
               <a:rPr lang="en-US" sz="2400" dirty="0">
@@ -8123,45 +8706,16 @@
                 </a:solidFill>
                 <a:latin typeface="Cascadia Mono" panose="020B0609020000020004" pitchFamily="49" charset="0"/>
               </a:rPr>
-              <a:t>false</a:t>
-            </a:r>
-            <a:r>
-              <a:rPr lang="en-US" sz="2400" dirty="0">
-                <a:solidFill>
-                  <a:srgbClr val="000000"/>
-                </a:solidFill>
-                <a:latin typeface="Cascadia Mono" panose="020B0609020000020004" pitchFamily="49" charset="0"/>
-              </a:rPr>
-              <a:t>)]</a:t>
-            </a:r>
-          </a:p>
-          <a:p>
-            <a:r>
-              <a:rPr lang="en-US" sz="2400" dirty="0">
-                <a:solidFill>
-                  <a:srgbClr val="000000"/>
-                </a:solidFill>
-                <a:latin typeface="Cascadia Mono" panose="020B0609020000020004" pitchFamily="49" charset="0"/>
-              </a:rPr>
-              <a:t>        [</a:t>
-            </a:r>
-            <a:r>
-              <a:rPr lang="en-US" sz="2400" dirty="0" err="1">
-                <a:solidFill>
-                  <a:srgbClr val="000000"/>
-                </a:solidFill>
-                <a:latin typeface="Cascadia Mono" panose="020B0609020000020004" pitchFamily="49" charset="0"/>
-              </a:rPr>
-              <a:t>Browsable</a:t>
-            </a:r>
-            <a:r>
-              <a:rPr lang="en-US" sz="2400" dirty="0">
-                <a:solidFill>
-                  <a:srgbClr val="000000"/>
-                </a:solidFill>
-                <a:latin typeface="Cascadia Mono" panose="020B0609020000020004" pitchFamily="49" charset="0"/>
-              </a:rPr>
-              <a:t>(</a:t>
+              <a:t>get</a:t>
+            </a:r>
+            <a:r>
+              <a:rPr lang="en-US" sz="2400" dirty="0">
+                <a:solidFill>
+                  <a:srgbClr val="000000"/>
+                </a:solidFill>
+                <a:latin typeface="Cascadia Mono" panose="020B0609020000020004" pitchFamily="49" charset="0"/>
+              </a:rPr>
+              <a:t>; </a:t>
             </a:r>
             <a:r>
               <a:rPr lang="en-US" sz="2400" dirty="0">
@@ -8170,304 +8724,6 @@
                 </a:solidFill>
                 <a:latin typeface="Cascadia Mono" panose="020B0609020000020004" pitchFamily="49" charset="0"/>
               </a:rPr>
-              <a:t>true</a:t>
-            </a:r>
-            <a:r>
-              <a:rPr lang="en-US" sz="2400" dirty="0">
-                <a:solidFill>
-                  <a:srgbClr val="000000"/>
-                </a:solidFill>
-                <a:latin typeface="Cascadia Mono" panose="020B0609020000020004" pitchFamily="49" charset="0"/>
-              </a:rPr>
-              <a:t>)]</a:t>
-            </a:r>
-          </a:p>
-          <a:p>
-            <a:r>
-              <a:rPr lang="en-US" sz="2400" dirty="0">
-                <a:solidFill>
-                  <a:srgbClr val="000000"/>
-                </a:solidFill>
-                <a:latin typeface="Cascadia Mono" panose="020B0609020000020004" pitchFamily="49" charset="0"/>
-              </a:rPr>
-              <a:t>        [Category(</a:t>
-            </a:r>
-            <a:r>
-              <a:rPr lang="en-US" sz="2400" dirty="0">
-                <a:solidFill>
-                  <a:srgbClr val="A31515"/>
-                </a:solidFill>
-                <a:latin typeface="Cascadia Mono" panose="020B0609020000020004" pitchFamily="49" charset="0"/>
-              </a:rPr>
-              <a:t>"</a:t>
-            </a:r>
-            <a:r>
-              <a:rPr lang="ru-RU" sz="2400" dirty="0">
-                <a:solidFill>
-                  <a:srgbClr val="A31515"/>
-                </a:solidFill>
-                <a:latin typeface="Cascadia Mono" panose="020B0609020000020004" pitchFamily="49" charset="0"/>
-              </a:rPr>
-              <a:t>ФИО"</a:t>
-            </a:r>
-            <a:r>
-              <a:rPr lang="ru-RU" sz="2400" dirty="0">
-                <a:solidFill>
-                  <a:srgbClr val="000000"/>
-                </a:solidFill>
-                <a:latin typeface="Cascadia Mono" panose="020B0609020000020004" pitchFamily="49" charset="0"/>
-              </a:rPr>
-              <a:t>)]</a:t>
-            </a:r>
-          </a:p>
-          <a:p>
-            <a:r>
-              <a:rPr lang="ru-RU" sz="2400" dirty="0">
-                <a:solidFill>
-                  <a:srgbClr val="000000"/>
-                </a:solidFill>
-                <a:latin typeface="Cascadia Mono" panose="020B0609020000020004" pitchFamily="49" charset="0"/>
-              </a:rPr>
-              <a:t>        [</a:t>
-            </a:r>
-            <a:r>
-              <a:rPr lang="ru-RU" sz="2400" dirty="0" err="1">
-                <a:solidFill>
-                  <a:srgbClr val="000000"/>
-                </a:solidFill>
-                <a:latin typeface="Cascadia Mono" panose="020B0609020000020004" pitchFamily="49" charset="0"/>
-              </a:rPr>
-              <a:t>Description</a:t>
-            </a:r>
-            <a:r>
-              <a:rPr lang="ru-RU" sz="2400" dirty="0">
-                <a:solidFill>
-                  <a:srgbClr val="000000"/>
-                </a:solidFill>
-                <a:latin typeface="Cascadia Mono" panose="020B0609020000020004" pitchFamily="49" charset="0"/>
-              </a:rPr>
-              <a:t>(</a:t>
-            </a:r>
-            <a:r>
-              <a:rPr lang="ru-RU" sz="2400" dirty="0">
-                <a:solidFill>
-                  <a:srgbClr val="A31515"/>
-                </a:solidFill>
-                <a:latin typeface="Cascadia Mono" panose="020B0609020000020004" pitchFamily="49" charset="0"/>
-              </a:rPr>
-              <a:t>"Имя, используйте только буквы"</a:t>
-            </a:r>
-            <a:r>
-              <a:rPr lang="ru-RU" sz="2400" dirty="0">
-                <a:solidFill>
-                  <a:srgbClr val="000000"/>
-                </a:solidFill>
-                <a:latin typeface="Cascadia Mono" panose="020B0609020000020004" pitchFamily="49" charset="0"/>
-              </a:rPr>
-              <a:t>)]</a:t>
-            </a:r>
-          </a:p>
-          <a:p>
-            <a:r>
-              <a:rPr lang="en-US" sz="2400" dirty="0">
-                <a:solidFill>
-                  <a:srgbClr val="000000"/>
-                </a:solidFill>
-                <a:latin typeface="Cascadia Mono" panose="020B0609020000020004" pitchFamily="49" charset="0"/>
-              </a:rPr>
-              <a:t>        [</a:t>
-            </a:r>
-            <a:r>
-              <a:rPr lang="en-US" sz="2400" dirty="0" err="1">
-                <a:solidFill>
-                  <a:srgbClr val="000000"/>
-                </a:solidFill>
-                <a:latin typeface="Cascadia Mono" panose="020B0609020000020004" pitchFamily="49" charset="0"/>
-              </a:rPr>
-              <a:t>DisplayName</a:t>
-            </a:r>
-            <a:r>
-              <a:rPr lang="en-US" sz="2400" dirty="0">
-                <a:solidFill>
-                  <a:srgbClr val="000000"/>
-                </a:solidFill>
-                <a:latin typeface="Cascadia Mono" panose="020B0609020000020004" pitchFamily="49" charset="0"/>
-              </a:rPr>
-              <a:t>(</a:t>
-            </a:r>
-            <a:r>
-              <a:rPr lang="en-US" sz="2400" dirty="0">
-                <a:solidFill>
-                  <a:srgbClr val="A31515"/>
-                </a:solidFill>
-                <a:latin typeface="Cascadia Mono" panose="020B0609020000020004" pitchFamily="49" charset="0"/>
-              </a:rPr>
-              <a:t>"</a:t>
-            </a:r>
-            <a:r>
-              <a:rPr lang="ru-RU" sz="2400" dirty="0">
-                <a:solidFill>
-                  <a:srgbClr val="A31515"/>
-                </a:solidFill>
-                <a:latin typeface="Cascadia Mono" panose="020B0609020000020004" pitchFamily="49" charset="0"/>
-              </a:rPr>
-              <a:t>Имя"</a:t>
-            </a:r>
-            <a:r>
-              <a:rPr lang="ru-RU" sz="2400" dirty="0">
-                <a:solidFill>
-                  <a:srgbClr val="000000"/>
-                </a:solidFill>
-                <a:latin typeface="Cascadia Mono" panose="020B0609020000020004" pitchFamily="49" charset="0"/>
-              </a:rPr>
-              <a:t>)]</a:t>
-            </a:r>
-          </a:p>
-          <a:p>
-            <a:r>
-              <a:rPr lang="en-US" sz="2400" dirty="0">
-                <a:solidFill>
-                  <a:srgbClr val="000000"/>
-                </a:solidFill>
-                <a:latin typeface="Cascadia Mono" panose="020B0609020000020004" pitchFamily="49" charset="0"/>
-              </a:rPr>
-              <a:t>        [</a:t>
-            </a:r>
-            <a:r>
-              <a:rPr lang="en-US" sz="2400" dirty="0" err="1">
-                <a:solidFill>
-                  <a:srgbClr val="000000"/>
-                </a:solidFill>
-                <a:latin typeface="Cascadia Mono" panose="020B0609020000020004" pitchFamily="49" charset="0"/>
-              </a:rPr>
-              <a:t>DataMember</a:t>
-            </a:r>
-            <a:r>
-              <a:rPr lang="en-US" sz="2400" dirty="0">
-                <a:solidFill>
-                  <a:srgbClr val="000000"/>
-                </a:solidFill>
-                <a:latin typeface="Cascadia Mono" panose="020B0609020000020004" pitchFamily="49" charset="0"/>
-              </a:rPr>
-              <a:t>(Name = </a:t>
-            </a:r>
-            <a:r>
-              <a:rPr lang="en-US" sz="2400" dirty="0">
-                <a:solidFill>
-                  <a:srgbClr val="A31515"/>
-                </a:solidFill>
-                <a:latin typeface="Cascadia Mono" panose="020B0609020000020004" pitchFamily="49" charset="0"/>
-              </a:rPr>
-              <a:t>"</a:t>
-            </a:r>
-            <a:r>
-              <a:rPr lang="ru-RU" sz="2400" dirty="0">
-                <a:solidFill>
-                  <a:srgbClr val="A31515"/>
-                </a:solidFill>
-                <a:latin typeface="Cascadia Mono" panose="020B0609020000020004" pitchFamily="49" charset="0"/>
-              </a:rPr>
-              <a:t>Имя"</a:t>
-            </a:r>
-            <a:r>
-              <a:rPr lang="ru-RU" sz="2400" dirty="0">
-                <a:solidFill>
-                  <a:srgbClr val="000000"/>
-                </a:solidFill>
-                <a:latin typeface="Cascadia Mono" panose="020B0609020000020004" pitchFamily="49" charset="0"/>
-              </a:rPr>
-              <a:t>)]</a:t>
-            </a:r>
-          </a:p>
-          <a:p>
-            <a:r>
-              <a:rPr lang="en-US" sz="2400" dirty="0">
-                <a:solidFill>
-                  <a:srgbClr val="000000"/>
-                </a:solidFill>
-                <a:latin typeface="Cascadia Mono" panose="020B0609020000020004" pitchFamily="49" charset="0"/>
-              </a:rPr>
-              <a:t>        </a:t>
-            </a:r>
-            <a:r>
-              <a:rPr lang="en-US" sz="2400" dirty="0">
-                <a:solidFill>
-                  <a:srgbClr val="0000FF"/>
-                </a:solidFill>
-                <a:latin typeface="Cascadia Mono" panose="020B0609020000020004" pitchFamily="49" charset="0"/>
-              </a:rPr>
-              <a:t>public</a:t>
-            </a:r>
-            <a:r>
-              <a:rPr lang="en-US" sz="2400" dirty="0">
-                <a:solidFill>
-                  <a:srgbClr val="000000"/>
-                </a:solidFill>
-                <a:latin typeface="Cascadia Mono" panose="020B0609020000020004" pitchFamily="49" charset="0"/>
-              </a:rPr>
-              <a:t> </a:t>
-            </a:r>
-            <a:r>
-              <a:rPr lang="en-US" sz="2400" dirty="0">
-                <a:solidFill>
-                  <a:srgbClr val="0000FF"/>
-                </a:solidFill>
-                <a:latin typeface="Cascadia Mono" panose="020B0609020000020004" pitchFamily="49" charset="0"/>
-              </a:rPr>
-              <a:t>string</a:t>
-            </a:r>
-            <a:r>
-              <a:rPr lang="en-US" sz="2400" dirty="0">
-                <a:solidFill>
-                  <a:srgbClr val="000000"/>
-                </a:solidFill>
-                <a:latin typeface="Cascadia Mono" panose="020B0609020000020004" pitchFamily="49" charset="0"/>
-              </a:rPr>
-              <a:t> </a:t>
-            </a:r>
-            <a:r>
-              <a:rPr lang="en-US" sz="2400" dirty="0" err="1">
-                <a:solidFill>
-                  <a:srgbClr val="000000"/>
-                </a:solidFill>
-                <a:latin typeface="Cascadia Mono" panose="020B0609020000020004" pitchFamily="49" charset="0"/>
-              </a:rPr>
-              <a:t>FirstName</a:t>
-            </a:r>
-            <a:r>
-              <a:rPr lang="en-US" sz="2400" dirty="0">
-                <a:solidFill>
-                  <a:srgbClr val="000000"/>
-                </a:solidFill>
-                <a:latin typeface="Cascadia Mono" panose="020B0609020000020004" pitchFamily="49" charset="0"/>
-              </a:rPr>
-              <a:t> { </a:t>
-            </a:r>
-            <a:r>
-              <a:rPr lang="en-US" sz="2400" dirty="0">
-                <a:solidFill>
-                  <a:srgbClr val="0000FF"/>
-                </a:solidFill>
-                <a:latin typeface="Cascadia Mono" panose="020B0609020000020004" pitchFamily="49" charset="0"/>
-              </a:rPr>
-              <a:t>get</a:t>
-            </a:r>
-            <a:r>
-              <a:rPr lang="en-US" sz="2400" dirty="0">
-                <a:solidFill>
-                  <a:srgbClr val="000000"/>
-                </a:solidFill>
-                <a:latin typeface="Cascadia Mono" panose="020B0609020000020004" pitchFamily="49" charset="0"/>
-              </a:rPr>
-              <a:t>; </a:t>
-            </a:r>
-            <a:r>
-              <a:rPr lang="en-US" sz="2400" dirty="0">
-                <a:solidFill>
-                  <a:srgbClr val="0000FF"/>
-                </a:solidFill>
-                <a:latin typeface="Cascadia Mono" panose="020B0609020000020004" pitchFamily="49" charset="0"/>
-              </a:rPr>
               <a:t>set</a:t>
             </a:r>
             <a:r>
@@ -8477,25 +8733,7 @@
                 </a:solidFill>
                 <a:latin typeface="Cascadia Mono" panose="020B0609020000020004" pitchFamily="49" charset="0"/>
               </a:rPr>
-              <a:t>; } = </a:t>
-            </a:r>
-            <a:r>
-              <a:rPr lang="en-US" sz="2400" dirty="0">
-                <a:solidFill>
-                  <a:srgbClr val="A31515"/>
-                </a:solidFill>
-                <a:latin typeface="Cascadia Mono" panose="020B0609020000020004" pitchFamily="49" charset="0"/>
-              </a:rPr>
-              <a:t>""</a:t>
-            </a:r>
-            <a:r>
-              <a:rPr lang="en-US" sz="2400" dirty="0">
-                <a:solidFill>
-                  <a:srgbClr val="000000"/>
-                </a:solidFill>
-                <a:latin typeface="Cascadia Mono" panose="020B0609020000020004" pitchFamily="49" charset="0"/>
-              </a:rPr>
-              <a:t>;</a:t>
+              <a:t>; }</a:t>
             </a:r>
           </a:p>
           <a:p>
@@ -8508,13 +8746,13 @@
           </a:p>
           <a:p>
             <a:r>
-              <a:rPr lang="en-US" sz="2400" dirty="0">
-                <a:solidFill>
-                  <a:srgbClr val="000000"/>
-                </a:solidFill>
-                <a:latin typeface="Cascadia Mono" panose="020B0609020000020004" pitchFamily="49" charset="0"/>
-              </a:rPr>
-              <a:t>        [</a:t>
+              <a:rPr lang="en-US" sz="2400" dirty="0" smtClean="0">
+                <a:solidFill>
+                  <a:srgbClr val="000000"/>
+                </a:solidFill>
+                <a:latin typeface="Cascadia Mono" panose="020B0609020000020004" pitchFamily="49" charset="0"/>
+              </a:rPr>
+              <a:t>[</a:t>
             </a:r>
             <a:r>
               <a:rPr lang="en-US" sz="2400" dirty="0" err="1">
@@ -8523,7 +8761,45 @@
                 </a:solidFill>
                 <a:latin typeface="Cascadia Mono" panose="020B0609020000020004" pitchFamily="49" charset="0"/>
               </a:rPr>
-              <a:t>ReadOnly</a:t>
+              <a:t>JsonConstructor</a:t>
+            </a:r>
+            <a:r>
+              <a:rPr lang="en-US" sz="2400" dirty="0">
+                <a:solidFill>
+                  <a:srgbClr val="000000"/>
+                </a:solidFill>
+                <a:latin typeface="Cascadia Mono" panose="020B0609020000020004" pitchFamily="49" charset="0"/>
+              </a:rPr>
+              <a:t>]</a:t>
+            </a:r>
+          </a:p>
+          <a:p>
+            <a:r>
+              <a:rPr lang="en-US" sz="2400" dirty="0" smtClean="0">
+                <a:solidFill>
+                  <a:srgbClr val="0000FF"/>
+                </a:solidFill>
+                <a:latin typeface="Cascadia Mono" panose="020B0609020000020004" pitchFamily="49" charset="0"/>
+              </a:rPr>
+              <a:t>public</a:t>
+            </a:r>
+            <a:r>
+              <a:rPr lang="en-US" sz="2400" dirty="0" smtClean="0">
+                <a:solidFill>
+                  <a:srgbClr val="000000"/>
+                </a:solidFill>
+                <a:latin typeface="Cascadia Mono" panose="020B0609020000020004" pitchFamily="49" charset="0"/>
+              </a:rPr>
+              <a:t> </a:t>
+            </a:r>
+            <a:r>
+              <a:rPr lang="en-US" sz="2400" dirty="0">
+                <a:solidFill>
+                  <a:srgbClr val="2B91AF"/>
+                </a:solidFill>
+                <a:latin typeface="Cascadia Mono" panose="020B0609020000020004" pitchFamily="49" charset="0"/>
+              </a:rPr>
+              <a:t>Employee</a:t>
             </a:r>
             <a:r>
               <a:rPr lang="en-US" sz="2400" dirty="0">
@@ -8541,27 +8817,16 @@
                 </a:solidFill>
                 <a:latin typeface="Cascadia Mono" panose="020B0609020000020004" pitchFamily="49" charset="0"/>
               </a:rPr>
-              <a:t>false</a:t>
-            </a:r>
-            <a:r>
-              <a:rPr lang="en-US" sz="2400" dirty="0">
-                <a:solidFill>
-                  <a:srgbClr val="000000"/>
-                </a:solidFill>
-                <a:latin typeface="Cascadia Mono" panose="020B0609020000020004" pitchFamily="49" charset="0"/>
-              </a:rPr>
-              <a:t>)]</a:t>
-            </a:r>
-          </a:p>
-          <a:p>
-            <a:r>
-              <a:rPr lang="en-US" sz="2400" dirty="0">
-                <a:solidFill>
-                  <a:srgbClr val="000000"/>
-                </a:solidFill>
-                <a:latin typeface="Cascadia Mono" panose="020B0609020000020004" pitchFamily="49" charset="0"/>
-              </a:rPr>
-              <a:t>        [</a:t>
+              <a:t>string</a:t>
+            </a:r>
+            <a:r>
+              <a:rPr lang="en-US" sz="2400" dirty="0">
+                <a:solidFill>
+                  <a:srgbClr val="000000"/>
+                </a:solidFill>
+                <a:latin typeface="Cascadia Mono" panose="020B0609020000020004" pitchFamily="49" charset="0"/>
+              </a:rPr>
+              <a:t> </a:t>
             </a:r>
             <a:r>
               <a:rPr lang="en-US" sz="2400" dirty="0" err="1">
@@ -8570,16 +8835,16 @@
                 </a:solidFill>
                 <a:latin typeface="Cascadia Mono" panose="020B0609020000020004" pitchFamily="49" charset="0"/>
               </a:rPr>
-              <a:t>Browsable</a:t>
-            </a:r>
-            <a:r>
-              <a:rPr lang="en-US" sz="2400" dirty="0">
-                <a:solidFill>
-                  <a:srgbClr val="000000"/>
-                </a:solidFill>
-                <a:latin typeface="Cascadia Mono" panose="020B0609020000020004" pitchFamily="49" charset="0"/>
-              </a:rPr>
-              <a:t>(</a:t>
+              <a:t>firstName</a:t>
+            </a:r>
+            <a:r>
+              <a:rPr lang="en-US" sz="2400" dirty="0">
+                <a:solidFill>
+                  <a:srgbClr val="000000"/>
+                </a:solidFill>
+                <a:latin typeface="Cascadia Mono" panose="020B0609020000020004" pitchFamily="49" charset="0"/>
+              </a:rPr>
+              <a:t>, </a:t>
             </a:r>
             <a:r>
               <a:rPr lang="en-US" sz="2400" dirty="0">
@@ -8588,112 +8853,16 @@
                 </a:solidFill>
                 <a:latin typeface="Cascadia Mono" panose="020B0609020000020004" pitchFamily="49" charset="0"/>
               </a:rPr>
-              <a:t>true</a:t>
-            </a:r>
-            <a:r>
-              <a:rPr lang="en-US" sz="2400" dirty="0">
-                <a:solidFill>
-                  <a:srgbClr val="000000"/>
-                </a:solidFill>
-                <a:latin typeface="Cascadia Mono" panose="020B0609020000020004" pitchFamily="49" charset="0"/>
-              </a:rPr>
-              <a:t>)]</a:t>
-            </a:r>
-          </a:p>
-          <a:p>
-            <a:r>
-              <a:rPr lang="en-US" sz="2400" dirty="0">
-                <a:solidFill>
-                  <a:srgbClr val="000000"/>
-                </a:solidFill>
-                <a:latin typeface="Cascadia Mono" panose="020B0609020000020004" pitchFamily="49" charset="0"/>
-              </a:rPr>
-              <a:t>        [Category(</a:t>
-            </a:r>
-            <a:r>
-              <a:rPr lang="en-US" sz="2400" dirty="0">
-                <a:solidFill>
-                  <a:srgbClr val="A31515"/>
-                </a:solidFill>
-                <a:latin typeface="Cascadia Mono" panose="020B0609020000020004" pitchFamily="49" charset="0"/>
-              </a:rPr>
-              <a:t>"</a:t>
-            </a:r>
-            <a:r>
-              <a:rPr lang="ru-RU" sz="2400" dirty="0">
-                <a:solidFill>
-                  <a:srgbClr val="A31515"/>
-                </a:solidFill>
-                <a:latin typeface="Cascadia Mono" panose="020B0609020000020004" pitchFamily="49" charset="0"/>
-              </a:rPr>
-              <a:t>ФИО"</a:t>
-            </a:r>
-            <a:r>
-              <a:rPr lang="ru-RU" sz="2400" dirty="0">
-                <a:solidFill>
-                  <a:srgbClr val="000000"/>
-                </a:solidFill>
-                <a:latin typeface="Cascadia Mono" panose="020B0609020000020004" pitchFamily="49" charset="0"/>
-              </a:rPr>
-              <a:t>)]</a:t>
-            </a:r>
-          </a:p>
-          <a:p>
-            <a:r>
-              <a:rPr lang="ru-RU" sz="2400" dirty="0">
-                <a:solidFill>
-                  <a:srgbClr val="000000"/>
-                </a:solidFill>
-                <a:latin typeface="Cascadia Mono" panose="020B0609020000020004" pitchFamily="49" charset="0"/>
-              </a:rPr>
-              <a:t>        [</a:t>
-            </a:r>
-            <a:r>
-              <a:rPr lang="ru-RU" sz="2400" dirty="0" err="1">
-                <a:solidFill>
-                  <a:srgbClr val="000000"/>
-                </a:solidFill>
-                <a:latin typeface="Cascadia Mono" panose="020B0609020000020004" pitchFamily="49" charset="0"/>
-              </a:rPr>
-              <a:t>Description</a:t>
-            </a:r>
-            <a:r>
-              <a:rPr lang="ru-RU" sz="2400" dirty="0">
-                <a:solidFill>
-                  <a:srgbClr val="000000"/>
-                </a:solidFill>
-                <a:latin typeface="Cascadia Mono" panose="020B0609020000020004" pitchFamily="49" charset="0"/>
-              </a:rPr>
-              <a:t>(</a:t>
-            </a:r>
-            <a:r>
-              <a:rPr lang="ru-RU" sz="2400" dirty="0">
-                <a:solidFill>
-                  <a:srgbClr val="A31515"/>
-                </a:solidFill>
-                <a:latin typeface="Cascadia Mono" panose="020B0609020000020004" pitchFamily="49" charset="0"/>
-              </a:rPr>
-              <a:t>"Фамилия, используйте только буквы"</a:t>
-            </a:r>
-            <a:r>
-              <a:rPr lang="ru-RU" sz="2400" dirty="0">
-                <a:solidFill>
-                  <a:srgbClr val="000000"/>
-                </a:solidFill>
-                <a:latin typeface="Cascadia Mono" panose="020B0609020000020004" pitchFamily="49" charset="0"/>
-              </a:rPr>
-              <a:t>)]</a:t>
-            </a:r>
-          </a:p>
-          <a:p>
-            <a:r>
-              <a:rPr lang="en-US" sz="2400" dirty="0">
-                <a:solidFill>
-                  <a:srgbClr val="000000"/>
-                </a:solidFill>
-                <a:latin typeface="Cascadia Mono" panose="020B0609020000020004" pitchFamily="49" charset="0"/>
-              </a:rPr>
-              <a:t>        [</a:t>
+              <a:t>string</a:t>
+            </a:r>
+            <a:r>
+              <a:rPr lang="en-US" sz="2400" dirty="0">
+                <a:solidFill>
+                  <a:srgbClr val="000000"/>
+                </a:solidFill>
+                <a:latin typeface="Cascadia Mono" panose="020B0609020000020004" pitchFamily="49" charset="0"/>
+              </a:rPr>
+              <a:t> </a:t>
             </a:r>
             <a:r>
               <a:rPr lang="en-US" sz="2400" dirty="0" err="1">
@@ -8702,54 +8871,98 @@
                 </a:solidFill>
                 <a:latin typeface="Cascadia Mono" panose="020B0609020000020004" pitchFamily="49" charset="0"/>
               </a:rPr>
-              <a:t>DisplayName</a:t>
-            </a:r>
-            <a:r>
-              <a:rPr lang="en-US" sz="2400" dirty="0">
-                <a:solidFill>
-                  <a:srgbClr val="000000"/>
-                </a:solidFill>
-                <a:latin typeface="Cascadia Mono" panose="020B0609020000020004" pitchFamily="49" charset="0"/>
-              </a:rPr>
-              <a:t>(</a:t>
-            </a:r>
-            <a:r>
-              <a:rPr lang="en-US" sz="2400" dirty="0">
-                <a:solidFill>
-                  <a:srgbClr val="A31515"/>
-                </a:solidFill>
-                <a:latin typeface="Cascadia Mono" panose="020B0609020000020004" pitchFamily="49" charset="0"/>
-              </a:rPr>
-              <a:t>"</a:t>
-            </a:r>
-            <a:r>
-              <a:rPr lang="ru-RU" sz="2400" dirty="0">
-                <a:solidFill>
-                  <a:srgbClr val="A31515"/>
-                </a:solidFill>
-                <a:latin typeface="Cascadia Mono" panose="020B0609020000020004" pitchFamily="49" charset="0"/>
-              </a:rPr>
-              <a:t>Фамилия"</a:t>
-            </a:r>
-            <a:r>
-              <a:rPr lang="ru-RU" sz="2400" dirty="0">
-                <a:solidFill>
-                  <a:srgbClr val="000000"/>
-                </a:solidFill>
-                <a:latin typeface="Cascadia Mono" panose="020B0609020000020004" pitchFamily="49" charset="0"/>
-              </a:rPr>
-              <a:t>)]</a:t>
-            </a:r>
-          </a:p>
-          <a:p>
-            <a:r>
-              <a:rPr lang="en-US" sz="2400" dirty="0">
-                <a:solidFill>
-                  <a:srgbClr val="000000"/>
-                </a:solidFill>
-                <a:latin typeface="Cascadia Mono" panose="020B0609020000020004" pitchFamily="49" charset="0"/>
-              </a:rPr>
-              <a:t>        [</a:t>
+              <a:t>lastName</a:t>
+            </a:r>
+            <a:r>
+              <a:rPr lang="en-US" sz="2400" dirty="0">
+                <a:solidFill>
+                  <a:srgbClr val="000000"/>
+                </a:solidFill>
+                <a:latin typeface="Cascadia Mono" panose="020B0609020000020004" pitchFamily="49" charset="0"/>
+              </a:rPr>
+              <a:t>, </a:t>
+            </a:r>
+            <a:r>
+              <a:rPr lang="en-US" sz="2400" dirty="0">
+                <a:solidFill>
+                  <a:srgbClr val="0000FF"/>
+                </a:solidFill>
+                <a:latin typeface="Cascadia Mono" panose="020B0609020000020004" pitchFamily="49" charset="0"/>
+              </a:rPr>
+              <a:t>double</a:t>
+            </a:r>
+            <a:r>
+              <a:rPr lang="en-US" sz="2400" dirty="0">
+                <a:solidFill>
+                  <a:srgbClr val="000000"/>
+                </a:solidFill>
+                <a:latin typeface="Cascadia Mono" panose="020B0609020000020004" pitchFamily="49" charset="0"/>
+              </a:rPr>
+              <a:t> salary)</a:t>
+            </a:r>
+          </a:p>
+          <a:p>
+            <a:r>
+              <a:rPr lang="en-US" sz="2400" dirty="0" smtClean="0">
+                <a:solidFill>
+                  <a:srgbClr val="000000"/>
+                </a:solidFill>
+                <a:latin typeface="Cascadia Mono" panose="020B0609020000020004" pitchFamily="49" charset="0"/>
+              </a:rPr>
+              <a:t>	</a:t>
+            </a:r>
+            <a:r>
+              <a:rPr lang="ru-RU" sz="2400" dirty="0" smtClean="0">
+                <a:solidFill>
+                  <a:srgbClr val="000000"/>
+                </a:solidFill>
+                <a:latin typeface="Cascadia Mono" panose="020B0609020000020004" pitchFamily="49" charset="0"/>
+              </a:rPr>
+              <a:t>{</a:t>
+            </a:r>
+            <a:endParaRPr lang="ru-RU" sz="2400" dirty="0">
+              <a:solidFill>
+                <a:srgbClr val="000000"/>
+              </a:solidFill>
+              <a:latin typeface="Cascadia Mono" panose="020B0609020000020004" pitchFamily="49" charset="0"/>
+            </a:endParaRPr>
+          </a:p>
+          <a:p>
+            <a:r>
+              <a:rPr lang="en-US" sz="2400" dirty="0" smtClean="0">
+                <a:solidFill>
+                  <a:srgbClr val="000000"/>
+                </a:solidFill>
+                <a:latin typeface="Cascadia Mono" panose="020B0609020000020004" pitchFamily="49" charset="0"/>
+              </a:rPr>
+              <a:t>		</a:t>
+            </a:r>
+            <a:r>
+              <a:rPr lang="en-US" sz="2400" dirty="0" err="1" smtClean="0">
+                <a:solidFill>
+                  <a:srgbClr val="000000"/>
+                </a:solidFill>
+                <a:latin typeface="Cascadia Mono" panose="020B0609020000020004" pitchFamily="49" charset="0"/>
+              </a:rPr>
+              <a:t>FirstName</a:t>
+            </a:r>
+            <a:r>
+              <a:rPr lang="en-US" sz="2400" dirty="0" smtClean="0">
+                <a:solidFill>
+                  <a:srgbClr val="000000"/>
+                </a:solidFill>
+                <a:latin typeface="Cascadia Mono" panose="020B0609020000020004" pitchFamily="49" charset="0"/>
+              </a:rPr>
+              <a:t> </a:t>
+            </a:r>
+            <a:r>
+              <a:rPr lang="en-US" sz="2400" dirty="0">
+                <a:solidFill>
+                  <a:srgbClr val="000000"/>
+                </a:solidFill>
+                <a:latin typeface="Cascadia Mono" panose="020B0609020000020004" pitchFamily="49" charset="0"/>
+              </a:rPr>
+              <a:t>= </a:t>
             </a:r>
             <a:r>
               <a:rPr lang="en-US" sz="2400" dirty="0" err="1">
@@ -8758,66 +8971,39 @@
                 </a:solidFill>
                 <a:latin typeface="Cascadia Mono" panose="020B0609020000020004" pitchFamily="49" charset="0"/>
               </a:rPr>
-              <a:t>DataMember</a:t>
-            </a:r>
-            <a:r>
-              <a:rPr lang="en-US" sz="2400" dirty="0">
-                <a:solidFill>
-                  <a:srgbClr val="000000"/>
-                </a:solidFill>
-                <a:latin typeface="Cascadia Mono" panose="020B0609020000020004" pitchFamily="49" charset="0"/>
-              </a:rPr>
-              <a:t>(Name = </a:t>
-            </a:r>
-            <a:r>
-              <a:rPr lang="en-US" sz="2400" dirty="0">
-                <a:solidFill>
-                  <a:srgbClr val="A31515"/>
-                </a:solidFill>
-                <a:latin typeface="Cascadia Mono" panose="020B0609020000020004" pitchFamily="49" charset="0"/>
-              </a:rPr>
-              <a:t>"</a:t>
-            </a:r>
-            <a:r>
-              <a:rPr lang="ru-RU" sz="2400" dirty="0">
-                <a:solidFill>
-                  <a:srgbClr val="A31515"/>
-                </a:solidFill>
-                <a:latin typeface="Cascadia Mono" panose="020B0609020000020004" pitchFamily="49" charset="0"/>
-              </a:rPr>
-              <a:t>Фамилия"</a:t>
-            </a:r>
-            <a:r>
-              <a:rPr lang="ru-RU" sz="2400" dirty="0">
-                <a:solidFill>
-                  <a:srgbClr val="000000"/>
-                </a:solidFill>
-                <a:latin typeface="Cascadia Mono" panose="020B0609020000020004" pitchFamily="49" charset="0"/>
-              </a:rPr>
-              <a:t>)]</a:t>
-            </a:r>
-          </a:p>
-          <a:p>
-            <a:r>
-              <a:rPr lang="en-US" sz="2400" dirty="0">
-                <a:solidFill>
-                  <a:srgbClr val="000000"/>
-                </a:solidFill>
-                <a:latin typeface="Cascadia Mono" panose="020B0609020000020004" pitchFamily="49" charset="0"/>
-              </a:rPr>
-              <a:t>        </a:t>
-            </a:r>
-            <a:r>
-              <a:rPr lang="en-US" sz="2400" dirty="0">
-                <a:solidFill>
-                  <a:srgbClr val="0000FF"/>
-                </a:solidFill>
-                <a:latin typeface="Cascadia Mono" panose="020B0609020000020004" pitchFamily="49" charset="0"/>
-              </a:rPr>
-              <a:t>public</a:t>
-            </a:r>
-            <a:r>
-              <a:rPr lang="en-US" sz="2400" dirty="0">
+              <a:t>firstName</a:t>
+            </a:r>
+            <a:r>
+              <a:rPr lang="en-US" sz="2400" dirty="0">
+                <a:solidFill>
+                  <a:srgbClr val="000000"/>
+                </a:solidFill>
+                <a:latin typeface="Cascadia Mono" panose="020B0609020000020004" pitchFamily="49" charset="0"/>
+              </a:rPr>
+              <a:t>;</a:t>
+            </a:r>
+          </a:p>
+          <a:p>
+            <a:r>
+              <a:rPr lang="en-US" sz="2400" dirty="0" smtClean="0">
+                <a:solidFill>
+                  <a:srgbClr val="000000"/>
+                </a:solidFill>
+                <a:latin typeface="Cascadia Mono" panose="020B0609020000020004" pitchFamily="49" charset="0"/>
+              </a:rPr>
+              <a:t>		</a:t>
+            </a:r>
+            <a:r>
+              <a:rPr lang="en-US" sz="2400" dirty="0" err="1" smtClean="0">
+                <a:solidFill>
+                  <a:srgbClr val="000000"/>
+                </a:solidFill>
+                <a:latin typeface="Cascadia Mono" panose="020B0609020000020004" pitchFamily="49" charset="0"/>
+              </a:rPr>
+              <a:t>LastName</a:t>
+            </a:r>
+            <a:r>
+              <a:rPr lang="en-US" sz="2400" dirty="0" smtClean="0">
                 <a:solidFill>
                   <a:srgbClr val="000000"/>
                 </a:solidFill>
@@ -8828,20 +9014,11 @@
             <a:r>
               <a:rPr lang="en-US" sz="2400" dirty="0">
                 <a:solidFill>
-                  <a:srgbClr val="0000FF"/>
-                </a:solidFill>
-                <a:latin typeface="Cascadia Mono" panose="020B0609020000020004" pitchFamily="49" charset="0"/>
-              </a:rPr>
-              <a:t>string</a:t>
-            </a:r>
-            <a:r>
-              <a:rPr lang="en-US" sz="2400" dirty="0">
-                <a:solidFill>
-                  <a:srgbClr val="000000"/>
-                </a:solidFill>
-                <a:latin typeface="Cascadia Mono" panose="020B0609020000020004" pitchFamily="49" charset="0"/>
-              </a:rPr>
-              <a:t> </a:t>
+                  <a:srgbClr val="000000"/>
+                </a:solidFill>
+                <a:latin typeface="Cascadia Mono" panose="020B0609020000020004" pitchFamily="49" charset="0"/>
+              </a:rPr>
+              <a:t>= </a:t>
             </a:r>
             <a:r>
               <a:rPr lang="en-US" sz="2400" dirty="0" err="1">
@@ -8850,61 +9027,7 @@
                 </a:solidFill>
                 <a:latin typeface="Cascadia Mono" panose="020B0609020000020004" pitchFamily="49" charset="0"/>
               </a:rPr>
-              <a:t>LastName</a:t>
-            </a:r>
-            <a:r>
-              <a:rPr lang="en-US" sz="2400" dirty="0">
-                <a:solidFill>
-                  <a:srgbClr val="000000"/>
-                </a:solidFill>
-                <a:latin typeface="Cascadia Mono" panose="020B0609020000020004" pitchFamily="49" charset="0"/>
-              </a:rPr>
-              <a:t> { </a:t>
-            </a:r>
-            <a:r>
-              <a:rPr lang="en-US" sz="2400" dirty="0">
-                <a:solidFill>
-                  <a:srgbClr val="0000FF"/>
-                </a:solidFill>
-                <a:latin typeface="Cascadia Mono" panose="020B0609020000020004" pitchFamily="49" charset="0"/>
-              </a:rPr>
-              <a:t>get</a:t>
-            </a:r>
-            <a:r>
-              <a:rPr lang="en-US" sz="2400" dirty="0">
-                <a:solidFill>
-                  <a:srgbClr val="000000"/>
-                </a:solidFill>
-                <a:latin typeface="Cascadia Mono" panose="020B0609020000020004" pitchFamily="49" charset="0"/>
-              </a:rPr>
-              <a:t>; </a:t>
-            </a:r>
-            <a:r>
-              <a:rPr lang="en-US" sz="2400" dirty="0">
-                <a:solidFill>
-                  <a:srgbClr val="0000FF"/>
-                </a:solidFill>
-                <a:latin typeface="Cascadia Mono" panose="020B0609020000020004" pitchFamily="49" charset="0"/>
-              </a:rPr>
-              <a:t>set</a:t>
-            </a:r>
-            <a:r>
-              <a:rPr lang="en-US" sz="2400" dirty="0">
-                <a:solidFill>
-                  <a:srgbClr val="000000"/>
-                </a:solidFill>
-                <a:latin typeface="Cascadia Mono" panose="020B0609020000020004" pitchFamily="49" charset="0"/>
-              </a:rPr>
-              <a:t>; } = </a:t>
-            </a:r>
-            <a:r>
-              <a:rPr lang="en-US" sz="2400" dirty="0">
-                <a:solidFill>
-                  <a:srgbClr val="A31515"/>
-                </a:solidFill>
-                <a:latin typeface="Cascadia Mono" panose="020B0609020000020004" pitchFamily="49" charset="0"/>
-              </a:rPr>
-              <a:t>""</a:t>
+              <a:t>lastName</a:t>
             </a:r>
             <a:r>
               <a:rPr lang="en-US" sz="2400" dirty="0">
@@ -8917,6 +9040,61 @@
             </a:r>
           </a:p>
           <a:p>
+            <a:r>
+              <a:rPr lang="en-US" sz="2400" dirty="0" smtClean="0">
+                <a:solidFill>
+                  <a:srgbClr val="000000"/>
+                </a:solidFill>
+                <a:latin typeface="Cascadia Mono" panose="020B0609020000020004" pitchFamily="49" charset="0"/>
+              </a:rPr>
+              <a:t>		Salary </a:t>
+            </a:r>
+            <a:r>
+              <a:rPr lang="en-US" sz="2400" dirty="0">
+                <a:solidFill>
+                  <a:srgbClr val="000000"/>
+                </a:solidFill>
+                <a:latin typeface="Cascadia Mono" panose="020B0609020000020004" pitchFamily="49" charset="0"/>
+              </a:rPr>
+              <a:t>= salary;</a:t>
+            </a:r>
+          </a:p>
+          <a:p>
+            <a:r>
+              <a:rPr lang="en-US" sz="2400" dirty="0" smtClean="0">
+                <a:solidFill>
+                  <a:srgbClr val="000000"/>
+                </a:solidFill>
+                <a:latin typeface="Cascadia Mono" panose="020B0609020000020004" pitchFamily="49" charset="0"/>
+              </a:rPr>
+              <a:t>	</a:t>
+            </a:r>
+            <a:r>
+              <a:rPr lang="ru-RU" sz="2400" dirty="0" smtClean="0">
+                <a:solidFill>
+                  <a:srgbClr val="000000"/>
+                </a:solidFill>
+                <a:latin typeface="Cascadia Mono" panose="020B0609020000020004" pitchFamily="49" charset="0"/>
+              </a:rPr>
+              <a:t>}</a:t>
+            </a:r>
+            <a:endParaRPr lang="ru-RU" sz="2400" dirty="0">
+              <a:solidFill>
+                <a:srgbClr val="000000"/>
+              </a:solidFill>
+              <a:latin typeface="Cascadia Mono" panose="020B0609020000020004" pitchFamily="49" charset="0"/>
+            </a:endParaRPr>
+          </a:p>
+          <a:p>
+            <a:r>
+              <a:rPr lang="ru-RU" sz="2400" dirty="0" smtClean="0">
+                <a:solidFill>
+                  <a:srgbClr val="000000"/>
+                </a:solidFill>
+                <a:latin typeface="Cascadia Mono" panose="020B0609020000020004" pitchFamily="49" charset="0"/>
+              </a:rPr>
+              <a:t>}</a:t>
+            </a:r>
             <a:endParaRPr lang="ru-RU" sz="2400" dirty="0"/>
           </a:p>
         </p:txBody>
@@ -8924,7 +9102,7 @@
     </p:spTree>
     <p:extLst>
       <p:ext uri="{BB962C8B-B14F-4D97-AF65-F5344CB8AC3E}">
-        <p14:creationId xmlns:p14="http://schemas.microsoft.com/office/powerpoint/2010/main" val="2045774352"/>
+        <p14:creationId xmlns:p14="http://schemas.microsoft.com/office/powerpoint/2010/main" val="1390049762"/>
       </p:ext>
     </p:extLst>
   </p:cSld>
@@ -9011,7 +9189,7 @@
                 <a:latin typeface="Bookman Old Style" panose="02050604050505020204" pitchFamily="18" charset="0"/>
                 <a:cs typeface="Times New Roman" panose="02020603050405020304" pitchFamily="18" charset="0"/>
               </a:rPr>
-              <a:t>Диапазон</a:t>
+              <a:t>Дата и время</a:t>
             </a:r>
             <a:endParaRPr lang="ru-RU" sz="2800" b="1" dirty="0">
               <a:latin typeface="Bookman Old Style" panose="02050604050505020204" pitchFamily="18" charset="0"/>
@@ -9029,7 +9207,7 @@
         <p:spPr>
           <a:xfrm>
             <a:off x="0" y="691338"/>
-            <a:ext cx="12192000" cy="6001643"/>
+            <a:ext cx="12192000" cy="5632311"/>
           </a:xfrm>
           <a:prstGeom prst="rect">
             <a:avLst/>
@@ -9047,105 +9225,21 @@
                 <a:latin typeface="Bookman Old Style" panose="02050604050505020204" pitchFamily="18" charset="0"/>
                 <a:cs typeface="Times New Roman" panose="02020603050405020304" pitchFamily="18" charset="0"/>
               </a:rPr>
-              <a:t>В </a:t>
-            </a:r>
-            <a:r>
-              <a:rPr lang="ru-RU" sz="2400" b="1" dirty="0">
-                <a:latin typeface="Bookman Old Style" panose="02050604050505020204" pitchFamily="18" charset="0"/>
-                <a:cs typeface="Times New Roman" panose="02020603050405020304" pitchFamily="18" charset="0"/>
-              </a:rPr>
-              <a:t>C# 8.0 </a:t>
+              <a:t>Для работы с датами и временем в .NET предназначена структура </a:t>
+            </a:r>
+            <a:r>
+              <a:rPr lang="ru-RU" sz="2400" b="1" dirty="0" err="1">
+                <a:latin typeface="Bookman Old Style" panose="02050604050505020204" pitchFamily="18" charset="0"/>
+                <a:cs typeface="Times New Roman" panose="02020603050405020304" pitchFamily="18" charset="0"/>
+              </a:rPr>
+              <a:t>DateTime</a:t>
             </a:r>
             <a:r>
               <a:rPr lang="ru-RU" sz="2400" dirty="0">
                 <a:latin typeface="Bookman Old Style" panose="02050604050505020204" pitchFamily="18" charset="0"/>
                 <a:cs typeface="Times New Roman" panose="02020603050405020304" pitchFamily="18" charset="0"/>
               </a:rPr>
-              <a:t>была добавлена новая функциональность - индексы и диапазоны, которые упрощают получение из массивов </a:t>
-            </a:r>
-            <a:r>
-              <a:rPr lang="ru-RU" sz="2400" dirty="0" err="1">
-                <a:latin typeface="Bookman Old Style" panose="02050604050505020204" pitchFamily="18" charset="0"/>
-                <a:cs typeface="Times New Roman" panose="02020603050405020304" pitchFamily="18" charset="0"/>
-              </a:rPr>
-              <a:t>подмассивов</a:t>
-            </a:r>
-            <a:r>
-              <a:rPr lang="ru-RU" sz="2400" dirty="0">
-                <a:latin typeface="Bookman Old Style" panose="02050604050505020204" pitchFamily="18" charset="0"/>
-                <a:cs typeface="Times New Roman" panose="02020603050405020304" pitchFamily="18" charset="0"/>
-              </a:rPr>
-              <a:t>. Для этого в </a:t>
-            </a:r>
-            <a:r>
-              <a:rPr lang="ru-RU" sz="2400" b="1" dirty="0">
-                <a:latin typeface="Bookman Old Style" panose="02050604050505020204" pitchFamily="18" charset="0"/>
-                <a:cs typeface="Times New Roman" panose="02020603050405020304" pitchFamily="18" charset="0"/>
-              </a:rPr>
-              <a:t>C# </a:t>
-            </a:r>
-            <a:r>
-              <a:rPr lang="ru-RU" sz="2400" dirty="0">
-                <a:latin typeface="Bookman Old Style" panose="02050604050505020204" pitchFamily="18" charset="0"/>
-                <a:cs typeface="Times New Roman" panose="02020603050405020304" pitchFamily="18" charset="0"/>
-              </a:rPr>
-              <a:t>есть два типа: </a:t>
-            </a:r>
-            <a:r>
-              <a:rPr lang="ru-RU" sz="2400" b="1" dirty="0" err="1">
-                <a:latin typeface="Bookman Old Style" panose="02050604050505020204" pitchFamily="18" charset="0"/>
-                <a:cs typeface="Times New Roman" panose="02020603050405020304" pitchFamily="18" charset="0"/>
-              </a:rPr>
-              <a:t>System.Range</a:t>
-            </a:r>
-            <a:r>
-              <a:rPr lang="ru-RU" sz="2400" dirty="0">
-                <a:latin typeface="Bookman Old Style" panose="02050604050505020204" pitchFamily="18" charset="0"/>
-                <a:cs typeface="Times New Roman" panose="02020603050405020304" pitchFamily="18" charset="0"/>
-              </a:rPr>
-              <a:t> и </a:t>
-            </a:r>
-            <a:r>
-              <a:rPr lang="ru-RU" sz="2400" b="1" dirty="0" err="1">
-                <a:latin typeface="Bookman Old Style" panose="02050604050505020204" pitchFamily="18" charset="0"/>
-                <a:cs typeface="Times New Roman" panose="02020603050405020304" pitchFamily="18" charset="0"/>
-              </a:rPr>
-              <a:t>System.Index</a:t>
-            </a:r>
-            <a:r>
-              <a:rPr lang="ru-RU" sz="2400" dirty="0">
-                <a:latin typeface="Bookman Old Style" panose="02050604050505020204" pitchFamily="18" charset="0"/>
-                <a:cs typeface="Times New Roman" panose="02020603050405020304" pitchFamily="18" charset="0"/>
-              </a:rPr>
-              <a:t>. Оба типа являются структурами. Тип </a:t>
-            </a:r>
-            <a:r>
-              <a:rPr lang="ru-RU" sz="2400" b="1" dirty="0" err="1">
-                <a:latin typeface="Bookman Old Style" panose="02050604050505020204" pitchFamily="18" charset="0"/>
-                <a:cs typeface="Times New Roman" panose="02020603050405020304" pitchFamily="18" charset="0"/>
-              </a:rPr>
-              <a:t>Range</a:t>
-            </a:r>
-            <a:r>
-              <a:rPr lang="ru-RU" sz="2400" dirty="0">
-                <a:latin typeface="Bookman Old Style" panose="02050604050505020204" pitchFamily="18" charset="0"/>
-                <a:cs typeface="Times New Roman" panose="02020603050405020304" pitchFamily="18" charset="0"/>
-              </a:rPr>
-              <a:t> представляет некоторый диапазон значений в некоторой последовательность, а тип </a:t>
-            </a:r>
-            <a:r>
-              <a:rPr lang="ru-RU" sz="2400" b="1" dirty="0" err="1">
-                <a:latin typeface="Bookman Old Style" panose="02050604050505020204" pitchFamily="18" charset="0"/>
-                <a:cs typeface="Times New Roman" panose="02020603050405020304" pitchFamily="18" charset="0"/>
-              </a:rPr>
-              <a:t>Index</a:t>
-            </a:r>
-            <a:r>
-              <a:rPr lang="ru-RU" sz="2400" dirty="0">
-                <a:latin typeface="Bookman Old Style" panose="02050604050505020204" pitchFamily="18" charset="0"/>
-                <a:cs typeface="Times New Roman" panose="02020603050405020304" pitchFamily="18" charset="0"/>
-              </a:rPr>
-              <a:t> - индекс в последовательности</a:t>
+              <a:t>. Она представляет дату и время от 00:00:00 1 января 0001 года до 23:59:59 31 декабря 9999 года</a:t>
             </a:r>
             <a:r>
               <a:rPr lang="ru-RU" sz="2400" dirty="0" smtClean="0">
@@ -9160,42 +9254,7 @@
             </a:endParaRPr>
           </a:p>
           <a:p>
-            <a:pPr indent="358775" algn="just"/>
-            <a:r>
-              <a:rPr lang="ru-RU" sz="2400" dirty="0">
-                <a:latin typeface="Bookman Old Style" panose="02050604050505020204" pitchFamily="18" charset="0"/>
-                <a:cs typeface="Times New Roman" panose="02020603050405020304" pitchFamily="18" charset="0"/>
-              </a:rPr>
-              <a:t>Диапазон представляет часть последовательности, которая ограничена двумя индексами. Начальный индекс включается в диапазон, а конечный индекс НЕ входит в диапазон. Для определения диапазона применяется оператор </a:t>
-            </a:r>
-            <a:r>
-              <a:rPr lang="ru-RU" sz="2400" dirty="0" smtClean="0">
-                <a:latin typeface="Bookman Old Style" panose="02050604050505020204" pitchFamily="18" charset="0"/>
-                <a:cs typeface="Times New Roman" panose="02020603050405020304" pitchFamily="18" charset="0"/>
-              </a:rPr>
-              <a:t>«</a:t>
-            </a:r>
-            <a:r>
-              <a:rPr lang="ru-RU" sz="2400" b="1" dirty="0" smtClean="0">
-                <a:latin typeface="Bookman Old Style" panose="02050604050505020204" pitchFamily="18" charset="0"/>
-                <a:cs typeface="Times New Roman" panose="02020603050405020304" pitchFamily="18" charset="0"/>
-              </a:rPr>
-              <a:t>..</a:t>
-            </a:r>
-            <a:r>
-              <a:rPr lang="ru-RU" sz="2400" dirty="0" smtClean="0">
-                <a:latin typeface="Bookman Old Style" panose="02050604050505020204" pitchFamily="18" charset="0"/>
-                <a:cs typeface="Times New Roman" panose="02020603050405020304" pitchFamily="18" charset="0"/>
-              </a:rPr>
-              <a:t>»:</a:t>
-            </a:r>
-            <a:endParaRPr lang="en-US" sz="2400" dirty="0" smtClean="0">
-              <a:latin typeface="Bookman Old Style" panose="02050604050505020204" pitchFamily="18" charset="0"/>
-              <a:cs typeface="Times New Roman" panose="02020603050405020304" pitchFamily="18" charset="0"/>
-            </a:endParaRPr>
-          </a:p>
-          <a:p>
-            <a:pPr indent="358775" algn="just"/>
+            <a:pPr algn="just"/>
             <a:endParaRPr lang="en-US" sz="2400" dirty="0" smtClean="0">
               <a:solidFill>
                 <a:schemeClr val="tx2">
@@ -9208,13 +9267,13 @@
           </a:p>
           <a:p>
             <a:r>
-              <a:rPr lang="en-US" sz="2400" dirty="0">
-                <a:solidFill>
-                  <a:srgbClr val="00B050"/>
-                </a:solidFill>
-                <a:latin typeface="Cascadia Mono" panose="020B0609020000020004" pitchFamily="49" charset="0"/>
-              </a:rPr>
-              <a:t>Range</a:t>
+              <a:rPr lang="en-US" sz="2400" dirty="0" err="1">
+                <a:solidFill>
+                  <a:srgbClr val="000000"/>
+                </a:solidFill>
+                <a:latin typeface="Cascadia Mono" panose="020B0609020000020004" pitchFamily="49" charset="0"/>
+              </a:rPr>
+              <a:t>DateTime</a:t>
             </a:r>
             <a:r>
               <a:rPr lang="en-US" sz="2400" dirty="0">
@@ -9232,43 +9291,99 @@
                 </a:solidFill>
                 <a:latin typeface="Cascadia Mono" panose="020B0609020000020004" pitchFamily="49" charset="0"/>
               </a:rPr>
-              <a:t>range</a:t>
-            </a:r>
-            <a:r>
-              <a:rPr lang="en-US" sz="2400" dirty="0">
-                <a:solidFill>
-                  <a:srgbClr val="000000"/>
-                </a:solidFill>
-                <a:latin typeface="Cascadia Mono" panose="020B0609020000020004" pitchFamily="49" charset="0"/>
-              </a:rPr>
-              <a:t> = 3..7;   </a:t>
-            </a:r>
-            <a:r>
-              <a:rPr lang="ru-RU" sz="2400" dirty="0">
+              <a:t>dateTime</a:t>
+            </a:r>
+            <a:r>
+              <a:rPr lang="en-US" sz="2400" dirty="0">
+                <a:solidFill>
+                  <a:srgbClr val="000000"/>
+                </a:solidFill>
+                <a:latin typeface="Cascadia Mono" panose="020B0609020000020004" pitchFamily="49" charset="0"/>
+              </a:rPr>
+              <a:t> = </a:t>
+            </a:r>
+            <a:r>
+              <a:rPr lang="en-US" sz="2400" dirty="0">
+                <a:solidFill>
+                  <a:srgbClr val="0000FF"/>
+                </a:solidFill>
+                <a:latin typeface="Cascadia Mono" panose="020B0609020000020004" pitchFamily="49" charset="0"/>
+              </a:rPr>
+              <a:t>new</a:t>
+            </a:r>
+            <a:r>
+              <a:rPr lang="en-US" sz="2400" dirty="0">
+                <a:solidFill>
+                  <a:srgbClr val="000000"/>
+                </a:solidFill>
+                <a:latin typeface="Cascadia Mono" panose="020B0609020000020004" pitchFamily="49" charset="0"/>
+              </a:rPr>
+              <a:t> </a:t>
+            </a:r>
+            <a:r>
+              <a:rPr lang="en-US" sz="2400" dirty="0" err="1">
+                <a:solidFill>
+                  <a:srgbClr val="000000"/>
+                </a:solidFill>
+                <a:latin typeface="Cascadia Mono" panose="020B0609020000020004" pitchFamily="49" charset="0"/>
+              </a:rPr>
+              <a:t>DateTime</a:t>
+            </a:r>
+            <a:r>
+              <a:rPr lang="en-US" sz="2400" dirty="0">
+                <a:solidFill>
+                  <a:srgbClr val="000000"/>
+                </a:solidFill>
+                <a:latin typeface="Cascadia Mono" panose="020B0609020000020004" pitchFamily="49" charset="0"/>
+              </a:rPr>
+              <a:t>();</a:t>
+            </a:r>
+          </a:p>
+          <a:p>
+            <a:r>
+              <a:rPr lang="en-US" sz="2400" dirty="0" err="1">
+                <a:solidFill>
+                  <a:srgbClr val="000000"/>
+                </a:solidFill>
+                <a:latin typeface="Cascadia Mono" panose="020B0609020000020004" pitchFamily="49" charset="0"/>
+              </a:rPr>
+              <a:t>PrintToTextBox</a:t>
+            </a:r>
+            <a:r>
+              <a:rPr lang="en-US" sz="2400" dirty="0">
+                <a:solidFill>
+                  <a:srgbClr val="000000"/>
+                </a:solidFill>
+                <a:latin typeface="Cascadia Mono" panose="020B0609020000020004" pitchFamily="49" charset="0"/>
+              </a:rPr>
+              <a:t>(</a:t>
+            </a:r>
+            <a:r>
+              <a:rPr lang="en-US" sz="2400" dirty="0" err="1">
+                <a:solidFill>
+                  <a:srgbClr val="000000"/>
+                </a:solidFill>
+                <a:latin typeface="Cascadia Mono" panose="020B0609020000020004" pitchFamily="49" charset="0"/>
+              </a:rPr>
+              <a:t>dateTime</a:t>
+            </a:r>
+            <a:r>
+              <a:rPr lang="en-US" sz="2400" dirty="0">
+                <a:solidFill>
+                  <a:srgbClr val="000000"/>
+                </a:solidFill>
+                <a:latin typeface="Cascadia Mono" panose="020B0609020000020004" pitchFamily="49" charset="0"/>
+              </a:rPr>
+              <a:t>); </a:t>
+            </a:r>
+            <a:r>
+              <a:rPr lang="en-US" sz="2400" dirty="0">
                 <a:solidFill>
                   <a:srgbClr val="008000"/>
                 </a:solidFill>
                 <a:latin typeface="Cascadia Mono" panose="020B0609020000020004" pitchFamily="49" charset="0"/>
               </a:rPr>
-              <a:t>//</a:t>
-            </a:r>
-            <a:r>
-              <a:rPr lang="en-US" sz="2400" dirty="0">
-                <a:solidFill>
-                  <a:srgbClr val="008000"/>
-                </a:solidFill>
-                <a:latin typeface="Cascadia Mono" panose="020B0609020000020004" pitchFamily="49" charset="0"/>
-              </a:rPr>
-              <a:t> </a:t>
-            </a:r>
-            <a:r>
-              <a:rPr lang="ru-RU" sz="2400" dirty="0">
-                <a:solidFill>
-                  <a:srgbClr val="008000"/>
-                </a:solidFill>
-                <a:latin typeface="Cascadia Mono" panose="020B0609020000020004" pitchFamily="49" charset="0"/>
-              </a:rPr>
-              <a:t>с 3 индекса до 6</a:t>
+              <a:t>// 01.01.0001 0:00:00</a:t>
             </a:r>
             <a:endParaRPr lang="en-US" sz="2400" dirty="0">
               <a:solidFill>
@@ -9278,50 +9393,121 @@
             </a:endParaRPr>
           </a:p>
           <a:p>
-            <a:r>
-              <a:rPr lang="en-US" sz="2400" dirty="0">
-                <a:solidFill>
-                  <a:srgbClr val="00B050"/>
-                </a:solidFill>
-                <a:latin typeface="Cascadia Mono" panose="020B0609020000020004" pitchFamily="49" charset="0"/>
-              </a:rPr>
-              <a:t>Range</a:t>
-            </a:r>
-            <a:r>
-              <a:rPr lang="en-US" sz="2400" dirty="0">
-                <a:solidFill>
-                  <a:srgbClr val="000000"/>
-                </a:solidFill>
-                <a:latin typeface="Cascadia Mono" panose="020B0609020000020004" pitchFamily="49" charset="0"/>
-              </a:rPr>
-              <a:t> range2 = 2..;</a:t>
+            <a:endParaRPr lang="ru-RU" sz="2400" dirty="0">
+              <a:solidFill>
+                <a:srgbClr val="000000"/>
+              </a:solidFill>
+              <a:latin typeface="Cascadia Mono" panose="020B0609020000020004" pitchFamily="49" charset="0"/>
+            </a:endParaRPr>
+          </a:p>
+          <a:p>
+            <a:r>
+              <a:rPr lang="en-US" sz="2400" dirty="0" err="1">
+                <a:solidFill>
+                  <a:srgbClr val="000000"/>
+                </a:solidFill>
+                <a:latin typeface="Cascadia Mono" panose="020B0609020000020004" pitchFamily="49" charset="0"/>
+              </a:rPr>
+              <a:t>DateTime</a:t>
+            </a:r>
+            <a:r>
+              <a:rPr lang="en-US" sz="2400" dirty="0">
+                <a:solidFill>
+                  <a:srgbClr val="000000"/>
+                </a:solidFill>
+                <a:latin typeface="Cascadia Mono" panose="020B0609020000020004" pitchFamily="49" charset="0"/>
+              </a:rPr>
+              <a:t> date1 = </a:t>
+            </a:r>
+            <a:r>
+              <a:rPr lang="en-US" sz="2400" dirty="0">
+                <a:solidFill>
+                  <a:srgbClr val="0000FF"/>
+                </a:solidFill>
+                <a:latin typeface="Cascadia Mono" panose="020B0609020000020004" pitchFamily="49" charset="0"/>
+              </a:rPr>
+              <a:t>new</a:t>
+            </a:r>
+            <a:r>
+              <a:rPr lang="en-US" sz="2400" dirty="0">
+                <a:solidFill>
+                  <a:srgbClr val="000000"/>
+                </a:solidFill>
+                <a:latin typeface="Cascadia Mono" panose="020B0609020000020004" pitchFamily="49" charset="0"/>
+              </a:rPr>
+              <a:t> </a:t>
+            </a:r>
+            <a:r>
+              <a:rPr lang="en-US" sz="2400" dirty="0" err="1">
+                <a:solidFill>
+                  <a:srgbClr val="000000"/>
+                </a:solidFill>
+                <a:latin typeface="Cascadia Mono" panose="020B0609020000020004" pitchFamily="49" charset="0"/>
+              </a:rPr>
+              <a:t>DateTime</a:t>
+            </a:r>
+            <a:r>
+              <a:rPr lang="en-US" sz="2400" dirty="0">
+                <a:solidFill>
+                  <a:srgbClr val="000000"/>
+                </a:solidFill>
+                <a:latin typeface="Cascadia Mono" panose="020B0609020000020004" pitchFamily="49" charset="0"/>
+              </a:rPr>
+              <a:t>(2015, 7, 20, 18, 30, 25);</a:t>
+            </a:r>
+          </a:p>
+          <a:p>
+            <a:r>
+              <a:rPr lang="en-US" sz="2400" dirty="0">
+                <a:solidFill>
+                  <a:srgbClr val="008000"/>
+                </a:solidFill>
+                <a:latin typeface="Cascadia Mono" panose="020B0609020000020004" pitchFamily="49" charset="0"/>
+              </a:rPr>
+              <a:t>// </a:t>
             </a:r>
             <a:r>
               <a:rPr lang="ru-RU" sz="2400" dirty="0">
                 <a:solidFill>
-                  <a:srgbClr val="000000"/>
-                </a:solidFill>
-                <a:latin typeface="Cascadia Mono" panose="020B0609020000020004" pitchFamily="49" charset="0"/>
-              </a:rPr>
-              <a:t> </a:t>
-            </a:r>
-            <a:r>
-              <a:rPr lang="en-US" sz="2400" dirty="0">
-                <a:solidFill>
-                  <a:srgbClr val="000000"/>
-                </a:solidFill>
-                <a:latin typeface="Cascadia Mono" panose="020B0609020000020004" pitchFamily="49" charset="0"/>
-              </a:rPr>
-              <a:t>  </a:t>
-            </a:r>
-            <a:r>
-              <a:rPr lang="ru-RU" sz="2400" dirty="0">
-                <a:solidFill>
                   <a:srgbClr val="008000"/>
                 </a:solidFill>
                 <a:latin typeface="Cascadia Mono" panose="020B0609020000020004" pitchFamily="49" charset="0"/>
               </a:rPr>
-              <a:t>//</a:t>
+              <a:t>год - месяц - день - час - минута – секунда</a:t>
+            </a:r>
+            <a:endParaRPr lang="en-US" sz="2400" dirty="0">
+              <a:solidFill>
+                <a:srgbClr val="008000"/>
+              </a:solidFill>
+              <a:latin typeface="Cascadia Mono" panose="020B0609020000020004" pitchFamily="49" charset="0"/>
+            </a:endParaRPr>
+          </a:p>
+          <a:p>
+            <a:endParaRPr lang="ru-RU" sz="2400" dirty="0">
+              <a:solidFill>
+                <a:srgbClr val="000000"/>
+              </a:solidFill>
+              <a:latin typeface="Cascadia Mono" panose="020B0609020000020004" pitchFamily="49" charset="0"/>
+            </a:endParaRPr>
+          </a:p>
+          <a:p>
+            <a:r>
+              <a:rPr lang="en-US" sz="2400" dirty="0" err="1">
+                <a:solidFill>
+                  <a:srgbClr val="000000"/>
+                </a:solidFill>
+                <a:latin typeface="Cascadia Mono" panose="020B0609020000020004" pitchFamily="49" charset="0"/>
+              </a:rPr>
+              <a:t>PrintToTextBox</a:t>
+            </a:r>
+            <a:r>
+              <a:rPr lang="en-US" sz="2400" dirty="0">
+                <a:solidFill>
+                  <a:srgbClr val="000000"/>
+                </a:solidFill>
+                <a:latin typeface="Cascadia Mono" panose="020B0609020000020004" pitchFamily="49" charset="0"/>
+              </a:rPr>
+              <a:t>(date1); </a:t>
             </a:r>
             <a:r>
               <a:rPr lang="en-US" sz="2400" dirty="0">
@@ -9330,16 +9516,7 @@
                 </a:solidFill>
                 <a:latin typeface="Cascadia Mono" panose="020B0609020000020004" pitchFamily="49" charset="0"/>
               </a:rPr>
-              <a:t> </a:t>
-            </a:r>
-            <a:r>
-              <a:rPr lang="ru-RU" sz="2400" dirty="0">
-                <a:solidFill>
-                  <a:srgbClr val="008000"/>
-                </a:solidFill>
-                <a:latin typeface="Cascadia Mono" panose="020B0609020000020004" pitchFamily="49" charset="0"/>
-              </a:rPr>
-              <a:t>с 2 индекса до конца</a:t>
+              <a:t>// 20.07.2015 18:30:25</a:t>
             </a:r>
             <a:endParaRPr lang="en-US" sz="2400" dirty="0">
               <a:solidFill>
@@ -9349,105 +9526,7 @@
             </a:endParaRPr>
           </a:p>
           <a:p>
-            <a:r>
-              <a:rPr lang="en-US" sz="2400" dirty="0">
-                <a:solidFill>
-                  <a:srgbClr val="00B050"/>
-                </a:solidFill>
-                <a:latin typeface="Cascadia Mono" panose="020B0609020000020004" pitchFamily="49" charset="0"/>
-              </a:rPr>
-              <a:t>Range</a:t>
-            </a:r>
-            <a:r>
-              <a:rPr lang="en-US" sz="2400" dirty="0">
-                <a:solidFill>
-                  <a:srgbClr val="000000"/>
-                </a:solidFill>
-                <a:latin typeface="Cascadia Mono" panose="020B0609020000020004" pitchFamily="49" charset="0"/>
-              </a:rPr>
-              <a:t> range3 = 1..^1;</a:t>
-            </a:r>
-            <a:r>
-              <a:rPr lang="ru-RU" sz="2400" dirty="0">
-                <a:solidFill>
-                  <a:srgbClr val="000000"/>
-                </a:solidFill>
-                <a:latin typeface="Cascadia Mono" panose="020B0609020000020004" pitchFamily="49" charset="0"/>
-              </a:rPr>
-              <a:t> </a:t>
-            </a:r>
-            <a:r>
-              <a:rPr lang="ru-RU" sz="2400" dirty="0">
-                <a:solidFill>
-                  <a:srgbClr val="008000"/>
-                </a:solidFill>
-                <a:latin typeface="Cascadia Mono" panose="020B0609020000020004" pitchFamily="49" charset="0"/>
-              </a:rPr>
-              <a:t>// с 1 индекса до </a:t>
-            </a:r>
-            <a:r>
-              <a:rPr lang="ru-RU" sz="2400" dirty="0" smtClean="0">
-                <a:solidFill>
-                  <a:srgbClr val="008000"/>
-                </a:solidFill>
-                <a:latin typeface="Cascadia Mono" panose="020B0609020000020004" pitchFamily="49" charset="0"/>
-              </a:rPr>
-              <a:t>предпоследнего</a:t>
-            </a:r>
-            <a:endParaRPr lang="en-US" sz="2400" dirty="0" smtClean="0">
-              <a:solidFill>
-                <a:srgbClr val="008000"/>
-              </a:solidFill>
-              <a:latin typeface="Cascadia Mono" panose="020B0609020000020004" pitchFamily="49" charset="0"/>
-            </a:endParaRPr>
-          </a:p>
-          <a:p>
-            <a:r>
-              <a:rPr lang="en-US" sz="2400" dirty="0" err="1">
-                <a:solidFill>
-                  <a:srgbClr val="0000FF"/>
-                </a:solidFill>
-                <a:latin typeface="Cascadia Mono" panose="020B0609020000020004" pitchFamily="49" charset="0"/>
-              </a:rPr>
-              <a:t>var</a:t>
-            </a:r>
-            <a:r>
-              <a:rPr lang="en-US" sz="2400" dirty="0">
-                <a:solidFill>
-                  <a:srgbClr val="000000"/>
-                </a:solidFill>
-                <a:latin typeface="Cascadia Mono" panose="020B0609020000020004" pitchFamily="49" charset="0"/>
-              </a:rPr>
-              <a:t> arr1 = </a:t>
-            </a:r>
-            <a:r>
-              <a:rPr lang="en-US" sz="2400" dirty="0" err="1">
-                <a:solidFill>
-                  <a:srgbClr val="000000"/>
-                </a:solidFill>
-                <a:latin typeface="Cascadia Mono" panose="020B0609020000020004" pitchFamily="49" charset="0"/>
-              </a:rPr>
-              <a:t>arr</a:t>
-            </a:r>
-            <a:r>
-              <a:rPr lang="en-US" sz="2400" dirty="0">
-                <a:solidFill>
-                  <a:srgbClr val="000000"/>
-                </a:solidFill>
-                <a:latin typeface="Cascadia Mono" panose="020B0609020000020004" pitchFamily="49" charset="0"/>
-              </a:rPr>
-              <a:t>[range];  </a:t>
-            </a:r>
-            <a:r>
-              <a:rPr lang="en-US" sz="2400" dirty="0">
-                <a:solidFill>
-                  <a:srgbClr val="008000"/>
-                </a:solidFill>
-                <a:latin typeface="Cascadia Mono" panose="020B0609020000020004" pitchFamily="49" charset="0"/>
-              </a:rPr>
-              <a:t>// 3, 4, 5, 6</a:t>
-            </a:r>
-            <a:endParaRPr lang="en-US" sz="2400" dirty="0">
+            <a:endParaRPr lang="ru-RU" sz="2400" dirty="0">
               <a:solidFill>
                 <a:srgbClr val="000000"/>
               </a:solidFill>
@@ -9458,20 +9537,20 @@
             <a:r>
               <a:rPr lang="en-US" sz="2400" dirty="0" err="1">
                 <a:solidFill>
-                  <a:srgbClr val="0000FF"/>
-                </a:solidFill>
-                <a:latin typeface="Cascadia Mono" panose="020B0609020000020004" pitchFamily="49" charset="0"/>
-              </a:rPr>
-              <a:t>var</a:t>
-            </a:r>
-            <a:r>
-              <a:rPr lang="en-US" sz="2400" dirty="0">
-                <a:solidFill>
-                  <a:srgbClr val="000000"/>
-                </a:solidFill>
-                <a:latin typeface="Cascadia Mono" panose="020B0609020000020004" pitchFamily="49" charset="0"/>
-              </a:rPr>
-              <a:t> arr2 = </a:t>
+                  <a:srgbClr val="000000"/>
+                </a:solidFill>
+                <a:latin typeface="Cascadia Mono" panose="020B0609020000020004" pitchFamily="49" charset="0"/>
+              </a:rPr>
+              <a:t>PrintToTextBox</a:t>
+            </a:r>
+            <a:r>
+              <a:rPr lang="en-US" sz="2400" dirty="0">
+                <a:solidFill>
+                  <a:srgbClr val="000000"/>
+                </a:solidFill>
+                <a:latin typeface="Cascadia Mono" panose="020B0609020000020004" pitchFamily="49" charset="0"/>
+              </a:rPr>
+              <a:t>(</a:t>
             </a:r>
             <a:r>
               <a:rPr lang="en-US" sz="2400" dirty="0" err="1">
@@ -9480,51 +9559,36 @@
                 </a:solidFill>
                 <a:latin typeface="Cascadia Mono" panose="020B0609020000020004" pitchFamily="49" charset="0"/>
               </a:rPr>
-              <a:t>arr</a:t>
-            </a:r>
-            <a:r>
-              <a:rPr lang="en-US" sz="2400" dirty="0">
-                <a:solidFill>
-                  <a:srgbClr val="000000"/>
-                </a:solidFill>
-                <a:latin typeface="Cascadia Mono" panose="020B0609020000020004" pitchFamily="49" charset="0"/>
-              </a:rPr>
-              <a:t>[range2]; </a:t>
-            </a:r>
-            <a:r>
-              <a:rPr lang="en-US" sz="2400" dirty="0">
-                <a:solidFill>
-                  <a:srgbClr val="008000"/>
-                </a:solidFill>
-                <a:latin typeface="Cascadia Mono" panose="020B0609020000020004" pitchFamily="49" charset="0"/>
-              </a:rPr>
-              <a:t>// 2, 3, 4, 5, 6, 7, 8, 9</a:t>
-            </a:r>
-            <a:endParaRPr lang="en-US" sz="2400" dirty="0">
-              <a:solidFill>
-                <a:srgbClr val="000000"/>
-              </a:solidFill>
-              <a:latin typeface="Cascadia Mono" panose="020B0609020000020004" pitchFamily="49" charset="0"/>
-            </a:endParaRPr>
+              <a:t>DateTime.Now</a:t>
+            </a:r>
+            <a:r>
+              <a:rPr lang="en-US" sz="2400" dirty="0">
+                <a:solidFill>
+                  <a:srgbClr val="000000"/>
+                </a:solidFill>
+                <a:latin typeface="Cascadia Mono" panose="020B0609020000020004" pitchFamily="49" charset="0"/>
+              </a:rPr>
+              <a:t>);</a:t>
+            </a:r>
           </a:p>
           <a:p>
             <a:r>
               <a:rPr lang="en-US" sz="2400" dirty="0" err="1">
                 <a:solidFill>
-                  <a:srgbClr val="0000FF"/>
-                </a:solidFill>
-                <a:latin typeface="Cascadia Mono" panose="020B0609020000020004" pitchFamily="49" charset="0"/>
-              </a:rPr>
-              <a:t>var</a:t>
-            </a:r>
-            <a:r>
-              <a:rPr lang="en-US" sz="2400" dirty="0">
-                <a:solidFill>
-                  <a:srgbClr val="000000"/>
-                </a:solidFill>
-                <a:latin typeface="Cascadia Mono" panose="020B0609020000020004" pitchFamily="49" charset="0"/>
-              </a:rPr>
-              <a:t> arr3 = </a:t>
+                  <a:srgbClr val="000000"/>
+                </a:solidFill>
+                <a:latin typeface="Cascadia Mono" panose="020B0609020000020004" pitchFamily="49" charset="0"/>
+              </a:rPr>
+              <a:t>PrintToTextBox</a:t>
+            </a:r>
+            <a:r>
+              <a:rPr lang="en-US" sz="2400" dirty="0">
+                <a:solidFill>
+                  <a:srgbClr val="000000"/>
+                </a:solidFill>
+                <a:latin typeface="Cascadia Mono" panose="020B0609020000020004" pitchFamily="49" charset="0"/>
+              </a:rPr>
+              <a:t>(</a:t>
             </a:r>
             <a:r>
               <a:rPr lang="en-US" sz="2400" dirty="0" err="1">
@@ -9533,43 +9597,86 @@
                 </a:solidFill>
                 <a:latin typeface="Cascadia Mono" panose="020B0609020000020004" pitchFamily="49" charset="0"/>
               </a:rPr>
-              <a:t>arr</a:t>
-            </a:r>
-            <a:r>
-              <a:rPr lang="en-US" sz="2400" dirty="0">
-                <a:solidFill>
-                  <a:srgbClr val="000000"/>
-                </a:solidFill>
-                <a:latin typeface="Cascadia Mono" panose="020B0609020000020004" pitchFamily="49" charset="0"/>
-              </a:rPr>
-              <a:t>[range3]; </a:t>
-            </a:r>
-            <a:r>
-              <a:rPr lang="en-US" sz="2400" dirty="0">
-                <a:solidFill>
-                  <a:srgbClr val="008000"/>
-                </a:solidFill>
-                <a:latin typeface="Cascadia Mono" panose="020B0609020000020004" pitchFamily="49" charset="0"/>
-              </a:rPr>
-              <a:t>// 1, 2, 3, 4, 5, 6, 7, </a:t>
+              <a:t>DateTime.UtcNow</a:t>
+            </a:r>
+            <a:r>
+              <a:rPr lang="en-US" sz="2400" dirty="0">
+                <a:solidFill>
+                  <a:srgbClr val="000000"/>
+                </a:solidFill>
+                <a:latin typeface="Cascadia Mono" panose="020B0609020000020004" pitchFamily="49" charset="0"/>
+              </a:rPr>
+              <a:t>);</a:t>
+            </a:r>
+          </a:p>
+          <a:p>
+            <a:r>
+              <a:rPr lang="en-US" sz="2400" dirty="0" err="1">
+                <a:solidFill>
+                  <a:srgbClr val="000000"/>
+                </a:solidFill>
+                <a:latin typeface="Cascadia Mono" panose="020B0609020000020004" pitchFamily="49" charset="0"/>
+              </a:rPr>
+              <a:t>PrintToTextBox</a:t>
+            </a:r>
+            <a:r>
+              <a:rPr lang="en-US" sz="2400" dirty="0">
+                <a:solidFill>
+                  <a:srgbClr val="000000"/>
+                </a:solidFill>
+                <a:latin typeface="Cascadia Mono" panose="020B0609020000020004" pitchFamily="49" charset="0"/>
+              </a:rPr>
+              <a:t>(</a:t>
+            </a:r>
+            <a:r>
+              <a:rPr lang="en-US" sz="2400" dirty="0" err="1">
+                <a:solidFill>
+                  <a:srgbClr val="000000"/>
+                </a:solidFill>
+                <a:latin typeface="Cascadia Mono" panose="020B0609020000020004" pitchFamily="49" charset="0"/>
+              </a:rPr>
+              <a:t>DateTime.Today</a:t>
             </a:r>
             <a:r>
               <a:rPr lang="en-US" sz="2400" dirty="0" smtClean="0">
                 <a:solidFill>
-                  <a:srgbClr val="008000"/>
-                </a:solidFill>
-                <a:latin typeface="Cascadia Mono" panose="020B0609020000020004" pitchFamily="49" charset="0"/>
-              </a:rPr>
-              <a:t>8</a:t>
+                  <a:srgbClr val="000000"/>
+                </a:solidFill>
+                <a:latin typeface="Cascadia Mono" panose="020B0609020000020004" pitchFamily="49" charset="0"/>
+              </a:rPr>
+              <a:t>);</a:t>
             </a:r>
             <a:endParaRPr lang="ru-RU" sz="2400" dirty="0"/>
           </a:p>
         </p:txBody>
       </p:sp>
+      <p:pic>
+        <p:nvPicPr>
+          <p:cNvPr id="5" name="Рисунок 4"/>
+          <p:cNvPicPr>
+            <a:picLocks noChangeAspect="1"/>
+          </p:cNvPicPr>
+          <p:nvPr/>
+        </p:nvPicPr>
+        <p:blipFill rotWithShape="1">
+          <a:blip r:embed="rId3"/>
+          <a:srcRect b="7323"/>
+          <a:stretch/>
+        </p:blipFill>
+        <p:spPr>
+          <a:xfrm>
+            <a:off x="8643985" y="3649359"/>
+            <a:ext cx="3548015" cy="3208641"/>
+          </a:xfrm>
+          <a:prstGeom prst="rect">
+            <a:avLst/>
+          </a:prstGeom>
+        </p:spPr>
+      </p:pic>
     </p:spTree>
     <p:extLst>
       <p:ext uri="{BB962C8B-B14F-4D97-AF65-F5344CB8AC3E}">
-        <p14:creationId xmlns:p14="http://schemas.microsoft.com/office/powerpoint/2010/main" val="2078555141"/>
+        <p14:creationId xmlns:p14="http://schemas.microsoft.com/office/powerpoint/2010/main" val="1285536069"/>
       </p:ext>
     </p:extLst>
   </p:cSld>
@@ -9587,800 +9694,6 @@
 </file>
 
 <file path=ppt/slides/slide20.xml><?xml version="1.0" encoding="utf-8"?>
-<p:sld xmlns:a="http://schemas.openxmlformats.org/drawingml/2006/main" xmlns:r="http://schemas.openxmlformats.org/officeDocument/2006/relationships" xmlns:p="http://schemas.openxmlformats.org/presentationml/2006/main">
-  <p:cSld>
-    <p:spTree>
-      <p:nvGrpSpPr>
-        <p:cNvPr id="1" name=""/>
-        <p:cNvGrpSpPr/>
-        <p:nvPr/>
-      </p:nvGrpSpPr>
-      <p:grpSpPr>
-        <a:xfrm>
-          <a:off x="0" y="0"/>
-          <a:ext cx="0" cy="0"/>
-          <a:chOff x="0" y="0"/>
-          <a:chExt cx="0" cy="0"/>
-        </a:xfrm>
-      </p:grpSpPr>
-      <p:sp>
-        <p:nvSpPr>
-          <p:cNvPr id="2" name="Прямоугольник 1"/>
-          <p:cNvSpPr/>
-          <p:nvPr/>
-        </p:nvSpPr>
-        <p:spPr>
-          <a:xfrm>
-            <a:off x="159657" y="0"/>
-            <a:ext cx="12192000" cy="6001643"/>
-          </a:xfrm>
-          <a:prstGeom prst="rect">
-            <a:avLst/>
-          </a:prstGeom>
-        </p:spPr>
-        <p:txBody>
-          <a:bodyPr wrap="square">
-            <a:spAutoFit/>
-          </a:bodyPr>
-          <a:lstStyle/>
-          <a:p>
-            <a:r>
-              <a:rPr lang="en-US" sz="2400" smtClean="0">
-                <a:solidFill>
-                  <a:srgbClr val="000000"/>
-                </a:solidFill>
-                <a:latin typeface="Cascadia Mono" panose="020B0609020000020004" pitchFamily="49" charset="0"/>
-              </a:rPr>
-              <a:t>[</a:t>
-            </a:r>
-            <a:r>
-              <a:rPr lang="en-US" sz="2400" dirty="0" err="1">
-                <a:solidFill>
-                  <a:srgbClr val="000000"/>
-                </a:solidFill>
-                <a:latin typeface="Cascadia Mono" panose="020B0609020000020004" pitchFamily="49" charset="0"/>
-              </a:rPr>
-              <a:t>ReadOnly</a:t>
-            </a:r>
-            <a:r>
-              <a:rPr lang="en-US" sz="2400" dirty="0">
-                <a:solidFill>
-                  <a:srgbClr val="000000"/>
-                </a:solidFill>
-                <a:latin typeface="Cascadia Mono" panose="020B0609020000020004" pitchFamily="49" charset="0"/>
-              </a:rPr>
-              <a:t>(</a:t>
-            </a:r>
-            <a:r>
-              <a:rPr lang="en-US" sz="2400" dirty="0">
-                <a:solidFill>
-                  <a:srgbClr val="0000FF"/>
-                </a:solidFill>
-                <a:latin typeface="Cascadia Mono" panose="020B0609020000020004" pitchFamily="49" charset="0"/>
-              </a:rPr>
-              <a:t>false</a:t>
-            </a:r>
-            <a:r>
-              <a:rPr lang="en-US" sz="2400" dirty="0">
-                <a:solidFill>
-                  <a:srgbClr val="000000"/>
-                </a:solidFill>
-                <a:latin typeface="Cascadia Mono" panose="020B0609020000020004" pitchFamily="49" charset="0"/>
-              </a:rPr>
-              <a:t>)]</a:t>
-            </a:r>
-          </a:p>
-          <a:p>
-            <a:r>
-              <a:rPr lang="en-US" sz="2400" dirty="0" smtClean="0">
-                <a:solidFill>
-                  <a:srgbClr val="000000"/>
-                </a:solidFill>
-                <a:latin typeface="Cascadia Mono" panose="020B0609020000020004" pitchFamily="49" charset="0"/>
-              </a:rPr>
-              <a:t>[</a:t>
-            </a:r>
-            <a:r>
-              <a:rPr lang="en-US" sz="2400" dirty="0" err="1">
-                <a:solidFill>
-                  <a:srgbClr val="000000"/>
-                </a:solidFill>
-                <a:latin typeface="Cascadia Mono" panose="020B0609020000020004" pitchFamily="49" charset="0"/>
-              </a:rPr>
-              <a:t>Browsable</a:t>
-            </a:r>
-            <a:r>
-              <a:rPr lang="en-US" sz="2400" dirty="0">
-                <a:solidFill>
-                  <a:srgbClr val="000000"/>
-                </a:solidFill>
-                <a:latin typeface="Cascadia Mono" panose="020B0609020000020004" pitchFamily="49" charset="0"/>
-              </a:rPr>
-              <a:t>(</a:t>
-            </a:r>
-            <a:r>
-              <a:rPr lang="en-US" sz="2400" dirty="0">
-                <a:solidFill>
-                  <a:srgbClr val="0000FF"/>
-                </a:solidFill>
-                <a:latin typeface="Cascadia Mono" panose="020B0609020000020004" pitchFamily="49" charset="0"/>
-              </a:rPr>
-              <a:t>true</a:t>
-            </a:r>
-            <a:r>
-              <a:rPr lang="en-US" sz="2400" dirty="0">
-                <a:solidFill>
-                  <a:srgbClr val="000000"/>
-                </a:solidFill>
-                <a:latin typeface="Cascadia Mono" panose="020B0609020000020004" pitchFamily="49" charset="0"/>
-              </a:rPr>
-              <a:t>)]</a:t>
-            </a:r>
-          </a:p>
-          <a:p>
-            <a:r>
-              <a:rPr lang="en-US" sz="2400" dirty="0" smtClean="0">
-                <a:solidFill>
-                  <a:srgbClr val="000000"/>
-                </a:solidFill>
-                <a:latin typeface="Cascadia Mono" panose="020B0609020000020004" pitchFamily="49" charset="0"/>
-              </a:rPr>
-              <a:t>[</a:t>
-            </a:r>
-            <a:r>
-              <a:rPr lang="en-US" sz="2400" dirty="0">
-                <a:solidFill>
-                  <a:srgbClr val="000000"/>
-                </a:solidFill>
-                <a:latin typeface="Cascadia Mono" panose="020B0609020000020004" pitchFamily="49" charset="0"/>
-              </a:rPr>
-              <a:t>Category(</a:t>
-            </a:r>
-            <a:r>
-              <a:rPr lang="en-US" sz="2400" dirty="0">
-                <a:solidFill>
-                  <a:srgbClr val="A31515"/>
-                </a:solidFill>
-                <a:latin typeface="Cascadia Mono" panose="020B0609020000020004" pitchFamily="49" charset="0"/>
-              </a:rPr>
-              <a:t>"</a:t>
-            </a:r>
-            <a:r>
-              <a:rPr lang="ru-RU" sz="2400" dirty="0">
-                <a:solidFill>
-                  <a:srgbClr val="A31515"/>
-                </a:solidFill>
-                <a:latin typeface="Cascadia Mono" panose="020B0609020000020004" pitchFamily="49" charset="0"/>
-              </a:rPr>
-              <a:t>Зарплата"</a:t>
-            </a:r>
-            <a:r>
-              <a:rPr lang="ru-RU" sz="2400" dirty="0">
-                <a:solidFill>
-                  <a:srgbClr val="000000"/>
-                </a:solidFill>
-                <a:latin typeface="Cascadia Mono" panose="020B0609020000020004" pitchFamily="49" charset="0"/>
-              </a:rPr>
-              <a:t>)]</a:t>
-            </a:r>
-          </a:p>
-          <a:p>
-            <a:r>
-              <a:rPr lang="ru-RU" sz="2400" dirty="0" smtClean="0">
-                <a:solidFill>
-                  <a:srgbClr val="000000"/>
-                </a:solidFill>
-                <a:latin typeface="Cascadia Mono" panose="020B0609020000020004" pitchFamily="49" charset="0"/>
-              </a:rPr>
-              <a:t>[</a:t>
-            </a:r>
-            <a:r>
-              <a:rPr lang="ru-RU" sz="2400" dirty="0" err="1">
-                <a:solidFill>
-                  <a:srgbClr val="000000"/>
-                </a:solidFill>
-                <a:latin typeface="Cascadia Mono" panose="020B0609020000020004" pitchFamily="49" charset="0"/>
-              </a:rPr>
-              <a:t>Description</a:t>
-            </a:r>
-            <a:r>
-              <a:rPr lang="ru-RU" sz="2400" dirty="0">
-                <a:solidFill>
-                  <a:srgbClr val="000000"/>
-                </a:solidFill>
-                <a:latin typeface="Cascadia Mono" panose="020B0609020000020004" pitchFamily="49" charset="0"/>
-              </a:rPr>
-              <a:t>(</a:t>
-            </a:r>
-            <a:r>
-              <a:rPr lang="ru-RU" sz="2400" dirty="0">
-                <a:solidFill>
-                  <a:srgbClr val="A31515"/>
-                </a:solidFill>
-                <a:latin typeface="Cascadia Mono" panose="020B0609020000020004" pitchFamily="49" charset="0"/>
-              </a:rPr>
-              <a:t>"Зарплата, используйте только цифры"</a:t>
-            </a:r>
-            <a:r>
-              <a:rPr lang="ru-RU" sz="2400" dirty="0">
-                <a:solidFill>
-                  <a:srgbClr val="000000"/>
-                </a:solidFill>
-                <a:latin typeface="Cascadia Mono" panose="020B0609020000020004" pitchFamily="49" charset="0"/>
-              </a:rPr>
-              <a:t>)]</a:t>
-            </a:r>
-          </a:p>
-          <a:p>
-            <a:r>
-              <a:rPr lang="en-US" sz="2400" dirty="0" smtClean="0">
-                <a:solidFill>
-                  <a:srgbClr val="000000"/>
-                </a:solidFill>
-                <a:latin typeface="Cascadia Mono" panose="020B0609020000020004" pitchFamily="49" charset="0"/>
-              </a:rPr>
-              <a:t>[</a:t>
-            </a:r>
-            <a:r>
-              <a:rPr lang="en-US" sz="2400" dirty="0" err="1">
-                <a:solidFill>
-                  <a:srgbClr val="000000"/>
-                </a:solidFill>
-                <a:latin typeface="Cascadia Mono" panose="020B0609020000020004" pitchFamily="49" charset="0"/>
-              </a:rPr>
-              <a:t>DisplayName</a:t>
-            </a:r>
-            <a:r>
-              <a:rPr lang="en-US" sz="2400" dirty="0">
-                <a:solidFill>
-                  <a:srgbClr val="000000"/>
-                </a:solidFill>
-                <a:latin typeface="Cascadia Mono" panose="020B0609020000020004" pitchFamily="49" charset="0"/>
-              </a:rPr>
-              <a:t>(</a:t>
-            </a:r>
-            <a:r>
-              <a:rPr lang="en-US" sz="2400" dirty="0">
-                <a:solidFill>
-                  <a:srgbClr val="A31515"/>
-                </a:solidFill>
-                <a:latin typeface="Cascadia Mono" panose="020B0609020000020004" pitchFamily="49" charset="0"/>
-              </a:rPr>
-              <a:t>"</a:t>
-            </a:r>
-            <a:r>
-              <a:rPr lang="ru-RU" sz="2400" dirty="0">
-                <a:solidFill>
-                  <a:srgbClr val="A31515"/>
-                </a:solidFill>
-                <a:latin typeface="Cascadia Mono" panose="020B0609020000020004" pitchFamily="49" charset="0"/>
-              </a:rPr>
-              <a:t>Зарплата"</a:t>
-            </a:r>
-            <a:r>
-              <a:rPr lang="ru-RU" sz="2400" dirty="0">
-                <a:solidFill>
-                  <a:srgbClr val="000000"/>
-                </a:solidFill>
-                <a:latin typeface="Cascadia Mono" panose="020B0609020000020004" pitchFamily="49" charset="0"/>
-              </a:rPr>
-              <a:t>)]</a:t>
-            </a:r>
-          </a:p>
-          <a:p>
-            <a:r>
-              <a:rPr lang="en-US" sz="2400" dirty="0" smtClean="0">
-                <a:solidFill>
-                  <a:srgbClr val="000000"/>
-                </a:solidFill>
-                <a:latin typeface="Cascadia Mono" panose="020B0609020000020004" pitchFamily="49" charset="0"/>
-              </a:rPr>
-              <a:t>[</a:t>
-            </a:r>
-            <a:r>
-              <a:rPr lang="en-US" sz="2400" dirty="0" err="1">
-                <a:solidFill>
-                  <a:srgbClr val="000000"/>
-                </a:solidFill>
-                <a:latin typeface="Cascadia Mono" panose="020B0609020000020004" pitchFamily="49" charset="0"/>
-              </a:rPr>
-              <a:t>DataMember</a:t>
-            </a:r>
-            <a:r>
-              <a:rPr lang="en-US" sz="2400" dirty="0">
-                <a:solidFill>
-                  <a:srgbClr val="000000"/>
-                </a:solidFill>
-                <a:latin typeface="Cascadia Mono" panose="020B0609020000020004" pitchFamily="49" charset="0"/>
-              </a:rPr>
-              <a:t>(Name = </a:t>
-            </a:r>
-            <a:r>
-              <a:rPr lang="en-US" sz="2400" dirty="0">
-                <a:solidFill>
-                  <a:srgbClr val="A31515"/>
-                </a:solidFill>
-                <a:latin typeface="Cascadia Mono" panose="020B0609020000020004" pitchFamily="49" charset="0"/>
-              </a:rPr>
-              <a:t>"</a:t>
-            </a:r>
-            <a:r>
-              <a:rPr lang="ru-RU" sz="2400" dirty="0">
-                <a:solidFill>
-                  <a:srgbClr val="A31515"/>
-                </a:solidFill>
-                <a:latin typeface="Cascadia Mono" panose="020B0609020000020004" pitchFamily="49" charset="0"/>
-              </a:rPr>
-              <a:t>Зарплата"</a:t>
-            </a:r>
-            <a:r>
-              <a:rPr lang="ru-RU" sz="2400" dirty="0">
-                <a:solidFill>
-                  <a:srgbClr val="000000"/>
-                </a:solidFill>
-                <a:latin typeface="Cascadia Mono" panose="020B0609020000020004" pitchFamily="49" charset="0"/>
-              </a:rPr>
-              <a:t>)]</a:t>
-            </a:r>
-          </a:p>
-          <a:p>
-            <a:r>
-              <a:rPr lang="en-US" sz="2400" dirty="0" smtClean="0">
-                <a:solidFill>
-                  <a:srgbClr val="0000FF"/>
-                </a:solidFill>
-                <a:latin typeface="Cascadia Mono" panose="020B0609020000020004" pitchFamily="49" charset="0"/>
-              </a:rPr>
-              <a:t>public</a:t>
-            </a:r>
-            <a:r>
-              <a:rPr lang="en-US" sz="2400" dirty="0" smtClean="0">
-                <a:solidFill>
-                  <a:srgbClr val="000000"/>
-                </a:solidFill>
-                <a:latin typeface="Cascadia Mono" panose="020B0609020000020004" pitchFamily="49" charset="0"/>
-              </a:rPr>
-              <a:t> </a:t>
-            </a:r>
-            <a:r>
-              <a:rPr lang="en-US" sz="2400" dirty="0">
-                <a:solidFill>
-                  <a:srgbClr val="0000FF"/>
-                </a:solidFill>
-                <a:latin typeface="Cascadia Mono" panose="020B0609020000020004" pitchFamily="49" charset="0"/>
-              </a:rPr>
-              <a:t>double</a:t>
-            </a:r>
-            <a:r>
-              <a:rPr lang="en-US" sz="2400" dirty="0">
-                <a:solidFill>
-                  <a:srgbClr val="000000"/>
-                </a:solidFill>
-                <a:latin typeface="Cascadia Mono" panose="020B0609020000020004" pitchFamily="49" charset="0"/>
-              </a:rPr>
-              <a:t> Salary { </a:t>
-            </a:r>
-            <a:r>
-              <a:rPr lang="en-US" sz="2400" dirty="0">
-                <a:solidFill>
-                  <a:srgbClr val="0000FF"/>
-                </a:solidFill>
-                <a:latin typeface="Cascadia Mono" panose="020B0609020000020004" pitchFamily="49" charset="0"/>
-              </a:rPr>
-              <a:t>get</a:t>
-            </a:r>
-            <a:r>
-              <a:rPr lang="en-US" sz="2400" dirty="0">
-                <a:solidFill>
-                  <a:srgbClr val="000000"/>
-                </a:solidFill>
-                <a:latin typeface="Cascadia Mono" panose="020B0609020000020004" pitchFamily="49" charset="0"/>
-              </a:rPr>
-              <a:t>; </a:t>
-            </a:r>
-            <a:r>
-              <a:rPr lang="en-US" sz="2400" dirty="0">
-                <a:solidFill>
-                  <a:srgbClr val="0000FF"/>
-                </a:solidFill>
-                <a:latin typeface="Cascadia Mono" panose="020B0609020000020004" pitchFamily="49" charset="0"/>
-              </a:rPr>
-              <a:t>set</a:t>
-            </a:r>
-            <a:r>
-              <a:rPr lang="en-US" sz="2400" dirty="0">
-                <a:solidFill>
-                  <a:srgbClr val="000000"/>
-                </a:solidFill>
-                <a:latin typeface="Cascadia Mono" panose="020B0609020000020004" pitchFamily="49" charset="0"/>
-              </a:rPr>
-              <a:t>; }</a:t>
-            </a:r>
-          </a:p>
-          <a:p>
-            <a:endParaRPr lang="ru-RU" sz="2400" dirty="0">
-              <a:solidFill>
-                <a:srgbClr val="000000"/>
-              </a:solidFill>
-              <a:latin typeface="Cascadia Mono" panose="020B0609020000020004" pitchFamily="49" charset="0"/>
-            </a:endParaRPr>
-          </a:p>
-          <a:p>
-            <a:r>
-              <a:rPr lang="en-US" sz="2400" dirty="0" smtClean="0">
-                <a:solidFill>
-                  <a:srgbClr val="000000"/>
-                </a:solidFill>
-                <a:latin typeface="Cascadia Mono" panose="020B0609020000020004" pitchFamily="49" charset="0"/>
-              </a:rPr>
-              <a:t>[</a:t>
-            </a:r>
-            <a:r>
-              <a:rPr lang="en-US" sz="2400" dirty="0" err="1">
-                <a:solidFill>
-                  <a:srgbClr val="000000"/>
-                </a:solidFill>
-                <a:latin typeface="Cascadia Mono" panose="020B0609020000020004" pitchFamily="49" charset="0"/>
-              </a:rPr>
-              <a:t>JsonConstructor</a:t>
-            </a:r>
-            <a:r>
-              <a:rPr lang="en-US" sz="2400" dirty="0">
-                <a:solidFill>
-                  <a:srgbClr val="000000"/>
-                </a:solidFill>
-                <a:latin typeface="Cascadia Mono" panose="020B0609020000020004" pitchFamily="49" charset="0"/>
-              </a:rPr>
-              <a:t>]</a:t>
-            </a:r>
-          </a:p>
-          <a:p>
-            <a:r>
-              <a:rPr lang="en-US" sz="2400" dirty="0" smtClean="0">
-                <a:solidFill>
-                  <a:srgbClr val="0000FF"/>
-                </a:solidFill>
-                <a:latin typeface="Cascadia Mono" panose="020B0609020000020004" pitchFamily="49" charset="0"/>
-              </a:rPr>
-              <a:t>public</a:t>
-            </a:r>
-            <a:r>
-              <a:rPr lang="en-US" sz="2400" dirty="0" smtClean="0">
-                <a:solidFill>
-                  <a:srgbClr val="000000"/>
-                </a:solidFill>
-                <a:latin typeface="Cascadia Mono" panose="020B0609020000020004" pitchFamily="49" charset="0"/>
-              </a:rPr>
-              <a:t> </a:t>
-            </a:r>
-            <a:r>
-              <a:rPr lang="en-US" sz="2400" dirty="0">
-                <a:solidFill>
-                  <a:srgbClr val="2B91AF"/>
-                </a:solidFill>
-                <a:latin typeface="Cascadia Mono" panose="020B0609020000020004" pitchFamily="49" charset="0"/>
-              </a:rPr>
-              <a:t>Employee</a:t>
-            </a:r>
-            <a:r>
-              <a:rPr lang="en-US" sz="2400" dirty="0">
-                <a:solidFill>
-                  <a:srgbClr val="000000"/>
-                </a:solidFill>
-                <a:latin typeface="Cascadia Mono" panose="020B0609020000020004" pitchFamily="49" charset="0"/>
-              </a:rPr>
-              <a:t>(</a:t>
-            </a:r>
-            <a:r>
-              <a:rPr lang="en-US" sz="2400" dirty="0">
-                <a:solidFill>
-                  <a:srgbClr val="0000FF"/>
-                </a:solidFill>
-                <a:latin typeface="Cascadia Mono" panose="020B0609020000020004" pitchFamily="49" charset="0"/>
-              </a:rPr>
-              <a:t>string</a:t>
-            </a:r>
-            <a:r>
-              <a:rPr lang="en-US" sz="2400" dirty="0">
-                <a:solidFill>
-                  <a:srgbClr val="000000"/>
-                </a:solidFill>
-                <a:latin typeface="Cascadia Mono" panose="020B0609020000020004" pitchFamily="49" charset="0"/>
-              </a:rPr>
-              <a:t> </a:t>
-            </a:r>
-            <a:r>
-              <a:rPr lang="en-US" sz="2400" dirty="0" err="1">
-                <a:solidFill>
-                  <a:srgbClr val="000000"/>
-                </a:solidFill>
-                <a:latin typeface="Cascadia Mono" panose="020B0609020000020004" pitchFamily="49" charset="0"/>
-              </a:rPr>
-              <a:t>firstName</a:t>
-            </a:r>
-            <a:r>
-              <a:rPr lang="en-US" sz="2400" dirty="0">
-                <a:solidFill>
-                  <a:srgbClr val="000000"/>
-                </a:solidFill>
-                <a:latin typeface="Cascadia Mono" panose="020B0609020000020004" pitchFamily="49" charset="0"/>
-              </a:rPr>
-              <a:t>, </a:t>
-            </a:r>
-            <a:r>
-              <a:rPr lang="en-US" sz="2400" dirty="0">
-                <a:solidFill>
-                  <a:srgbClr val="0000FF"/>
-                </a:solidFill>
-                <a:latin typeface="Cascadia Mono" panose="020B0609020000020004" pitchFamily="49" charset="0"/>
-              </a:rPr>
-              <a:t>string</a:t>
-            </a:r>
-            <a:r>
-              <a:rPr lang="en-US" sz="2400" dirty="0">
-                <a:solidFill>
-                  <a:srgbClr val="000000"/>
-                </a:solidFill>
-                <a:latin typeface="Cascadia Mono" panose="020B0609020000020004" pitchFamily="49" charset="0"/>
-              </a:rPr>
-              <a:t> </a:t>
-            </a:r>
-            <a:r>
-              <a:rPr lang="en-US" sz="2400" dirty="0" err="1">
-                <a:solidFill>
-                  <a:srgbClr val="000000"/>
-                </a:solidFill>
-                <a:latin typeface="Cascadia Mono" panose="020B0609020000020004" pitchFamily="49" charset="0"/>
-              </a:rPr>
-              <a:t>lastName</a:t>
-            </a:r>
-            <a:r>
-              <a:rPr lang="en-US" sz="2400" dirty="0">
-                <a:solidFill>
-                  <a:srgbClr val="000000"/>
-                </a:solidFill>
-                <a:latin typeface="Cascadia Mono" panose="020B0609020000020004" pitchFamily="49" charset="0"/>
-              </a:rPr>
-              <a:t>, </a:t>
-            </a:r>
-            <a:r>
-              <a:rPr lang="en-US" sz="2400" dirty="0">
-                <a:solidFill>
-                  <a:srgbClr val="0000FF"/>
-                </a:solidFill>
-                <a:latin typeface="Cascadia Mono" panose="020B0609020000020004" pitchFamily="49" charset="0"/>
-              </a:rPr>
-              <a:t>double</a:t>
-            </a:r>
-            <a:r>
-              <a:rPr lang="en-US" sz="2400" dirty="0">
-                <a:solidFill>
-                  <a:srgbClr val="000000"/>
-                </a:solidFill>
-                <a:latin typeface="Cascadia Mono" panose="020B0609020000020004" pitchFamily="49" charset="0"/>
-              </a:rPr>
-              <a:t> salary)</a:t>
-            </a:r>
-          </a:p>
-          <a:p>
-            <a:r>
-              <a:rPr lang="en-US" sz="2400" dirty="0" smtClean="0">
-                <a:solidFill>
-                  <a:srgbClr val="000000"/>
-                </a:solidFill>
-                <a:latin typeface="Cascadia Mono" panose="020B0609020000020004" pitchFamily="49" charset="0"/>
-              </a:rPr>
-              <a:t>	</a:t>
-            </a:r>
-            <a:r>
-              <a:rPr lang="ru-RU" sz="2400" dirty="0" smtClean="0">
-                <a:solidFill>
-                  <a:srgbClr val="000000"/>
-                </a:solidFill>
-                <a:latin typeface="Cascadia Mono" panose="020B0609020000020004" pitchFamily="49" charset="0"/>
-              </a:rPr>
-              <a:t>{</a:t>
-            </a:r>
-            <a:endParaRPr lang="ru-RU" sz="2400" dirty="0">
-              <a:solidFill>
-                <a:srgbClr val="000000"/>
-              </a:solidFill>
-              <a:latin typeface="Cascadia Mono" panose="020B0609020000020004" pitchFamily="49" charset="0"/>
-            </a:endParaRPr>
-          </a:p>
-          <a:p>
-            <a:r>
-              <a:rPr lang="en-US" sz="2400" dirty="0" smtClean="0">
-                <a:solidFill>
-                  <a:srgbClr val="000000"/>
-                </a:solidFill>
-                <a:latin typeface="Cascadia Mono" panose="020B0609020000020004" pitchFamily="49" charset="0"/>
-              </a:rPr>
-              <a:t>		</a:t>
-            </a:r>
-            <a:r>
-              <a:rPr lang="en-US" sz="2400" dirty="0" err="1" smtClean="0">
-                <a:solidFill>
-                  <a:srgbClr val="000000"/>
-                </a:solidFill>
-                <a:latin typeface="Cascadia Mono" panose="020B0609020000020004" pitchFamily="49" charset="0"/>
-              </a:rPr>
-              <a:t>FirstName</a:t>
-            </a:r>
-            <a:r>
-              <a:rPr lang="en-US" sz="2400" dirty="0" smtClean="0">
-                <a:solidFill>
-                  <a:srgbClr val="000000"/>
-                </a:solidFill>
-                <a:latin typeface="Cascadia Mono" panose="020B0609020000020004" pitchFamily="49" charset="0"/>
-              </a:rPr>
-              <a:t> </a:t>
-            </a:r>
-            <a:r>
-              <a:rPr lang="en-US" sz="2400" dirty="0">
-                <a:solidFill>
-                  <a:srgbClr val="000000"/>
-                </a:solidFill>
-                <a:latin typeface="Cascadia Mono" panose="020B0609020000020004" pitchFamily="49" charset="0"/>
-              </a:rPr>
-              <a:t>= </a:t>
-            </a:r>
-            <a:r>
-              <a:rPr lang="en-US" sz="2400" dirty="0" err="1">
-                <a:solidFill>
-                  <a:srgbClr val="000000"/>
-                </a:solidFill>
-                <a:latin typeface="Cascadia Mono" panose="020B0609020000020004" pitchFamily="49" charset="0"/>
-              </a:rPr>
-              <a:t>firstName</a:t>
-            </a:r>
-            <a:r>
-              <a:rPr lang="en-US" sz="2400" dirty="0">
-                <a:solidFill>
-                  <a:srgbClr val="000000"/>
-                </a:solidFill>
-                <a:latin typeface="Cascadia Mono" panose="020B0609020000020004" pitchFamily="49" charset="0"/>
-              </a:rPr>
-              <a:t>;</a:t>
-            </a:r>
-          </a:p>
-          <a:p>
-            <a:r>
-              <a:rPr lang="en-US" sz="2400" dirty="0" smtClean="0">
-                <a:solidFill>
-                  <a:srgbClr val="000000"/>
-                </a:solidFill>
-                <a:latin typeface="Cascadia Mono" panose="020B0609020000020004" pitchFamily="49" charset="0"/>
-              </a:rPr>
-              <a:t>		</a:t>
-            </a:r>
-            <a:r>
-              <a:rPr lang="en-US" sz="2400" dirty="0" err="1" smtClean="0">
-                <a:solidFill>
-                  <a:srgbClr val="000000"/>
-                </a:solidFill>
-                <a:latin typeface="Cascadia Mono" panose="020B0609020000020004" pitchFamily="49" charset="0"/>
-              </a:rPr>
-              <a:t>LastName</a:t>
-            </a:r>
-            <a:r>
-              <a:rPr lang="en-US" sz="2400" dirty="0" smtClean="0">
-                <a:solidFill>
-                  <a:srgbClr val="000000"/>
-                </a:solidFill>
-                <a:latin typeface="Cascadia Mono" panose="020B0609020000020004" pitchFamily="49" charset="0"/>
-              </a:rPr>
-              <a:t> </a:t>
-            </a:r>
-            <a:r>
-              <a:rPr lang="en-US" sz="2400" dirty="0">
-                <a:solidFill>
-                  <a:srgbClr val="000000"/>
-                </a:solidFill>
-                <a:latin typeface="Cascadia Mono" panose="020B0609020000020004" pitchFamily="49" charset="0"/>
-              </a:rPr>
-              <a:t>= </a:t>
-            </a:r>
-            <a:r>
-              <a:rPr lang="en-US" sz="2400" dirty="0" err="1">
-                <a:solidFill>
-                  <a:srgbClr val="000000"/>
-                </a:solidFill>
-                <a:latin typeface="Cascadia Mono" panose="020B0609020000020004" pitchFamily="49" charset="0"/>
-              </a:rPr>
-              <a:t>lastName</a:t>
-            </a:r>
-            <a:r>
-              <a:rPr lang="en-US" sz="2400" dirty="0">
-                <a:solidFill>
-                  <a:srgbClr val="000000"/>
-                </a:solidFill>
-                <a:latin typeface="Cascadia Mono" panose="020B0609020000020004" pitchFamily="49" charset="0"/>
-              </a:rPr>
-              <a:t>;</a:t>
-            </a:r>
-          </a:p>
-          <a:p>
-            <a:r>
-              <a:rPr lang="en-US" sz="2400" dirty="0" smtClean="0">
-                <a:solidFill>
-                  <a:srgbClr val="000000"/>
-                </a:solidFill>
-                <a:latin typeface="Cascadia Mono" panose="020B0609020000020004" pitchFamily="49" charset="0"/>
-              </a:rPr>
-              <a:t>		Salary </a:t>
-            </a:r>
-            <a:r>
-              <a:rPr lang="en-US" sz="2400" dirty="0">
-                <a:solidFill>
-                  <a:srgbClr val="000000"/>
-                </a:solidFill>
-                <a:latin typeface="Cascadia Mono" panose="020B0609020000020004" pitchFamily="49" charset="0"/>
-              </a:rPr>
-              <a:t>= salary;</a:t>
-            </a:r>
-          </a:p>
-          <a:p>
-            <a:r>
-              <a:rPr lang="en-US" sz="2400" dirty="0" smtClean="0">
-                <a:solidFill>
-                  <a:srgbClr val="000000"/>
-                </a:solidFill>
-                <a:latin typeface="Cascadia Mono" panose="020B0609020000020004" pitchFamily="49" charset="0"/>
-              </a:rPr>
-              <a:t>	</a:t>
-            </a:r>
-            <a:r>
-              <a:rPr lang="ru-RU" sz="2400" dirty="0" smtClean="0">
-                <a:solidFill>
-                  <a:srgbClr val="000000"/>
-                </a:solidFill>
-                <a:latin typeface="Cascadia Mono" panose="020B0609020000020004" pitchFamily="49" charset="0"/>
-              </a:rPr>
-              <a:t>}</a:t>
-            </a:r>
-            <a:endParaRPr lang="ru-RU" sz="2400" dirty="0">
-              <a:solidFill>
-                <a:srgbClr val="000000"/>
-              </a:solidFill>
-              <a:latin typeface="Cascadia Mono" panose="020B0609020000020004" pitchFamily="49" charset="0"/>
-            </a:endParaRPr>
-          </a:p>
-          <a:p>
-            <a:r>
-              <a:rPr lang="ru-RU" sz="2400" dirty="0" smtClean="0">
-                <a:solidFill>
-                  <a:srgbClr val="000000"/>
-                </a:solidFill>
-                <a:latin typeface="Cascadia Mono" panose="020B0609020000020004" pitchFamily="49" charset="0"/>
-              </a:rPr>
-              <a:t>}</a:t>
-            </a:r>
-            <a:endParaRPr lang="ru-RU" sz="2400" dirty="0"/>
-          </a:p>
-        </p:txBody>
-      </p:sp>
-    </p:spTree>
-    <p:extLst>
-      <p:ext uri="{BB962C8B-B14F-4D97-AF65-F5344CB8AC3E}">
-        <p14:creationId xmlns:p14="http://schemas.microsoft.com/office/powerpoint/2010/main" val="1390049762"/>
-      </p:ext>
-    </p:extLst>
-  </p:cSld>
-  <p:clrMapOvr>
-    <a:masterClrMapping/>
-  </p:clrMapOvr>
-  <p:timing>
-    <p:tnLst>
-      <p:par>
-        <p:cTn id="1" dur="indefinite" restart="never" nodeType="tmRoot"/>
-      </p:par>
-    </p:tnLst>
-  </p:timing>
-</p:sld>
-</file>
-
-<file path=ppt/slides/slide21.xml><?xml version="1.0" encoding="utf-8"?>
 <p:sld xmlns:a="http://schemas.openxmlformats.org/drawingml/2006/main" xmlns:r="http://schemas.openxmlformats.org/officeDocument/2006/relationships" xmlns:p="http://schemas.openxmlformats.org/presentationml/2006/main">
   <p:cSld>
     <p:spTree>
@@ -10643,580 +9956,6 @@
       </p:grpSpPr>
       <p:sp>
         <p:nvSpPr>
-          <p:cNvPr id="11" name="Rectangle 28" descr="Светлый диагональный 2"/>
-          <p:cNvSpPr>
-            <a:spLocks noChangeArrowheads="1"/>
-          </p:cNvSpPr>
-          <p:nvPr/>
-        </p:nvSpPr>
-        <p:spPr bwMode="auto">
-          <a:xfrm>
-            <a:off x="0" y="-1"/>
-            <a:ext cx="12192000" cy="654357"/>
-          </a:xfrm>
-          <a:prstGeom prst="rect">
-            <a:avLst/>
-          </a:prstGeom>
-          <a:pattFill prst="ltUpDiag">
-            <a:fgClr>
-              <a:schemeClr val="accent1">
-                <a:lumMod val="40000"/>
-                <a:lumOff val="60000"/>
-              </a:schemeClr>
-            </a:fgClr>
-            <a:bgClr>
-              <a:srgbClr val="FFFFFF"/>
-            </a:bgClr>
-          </a:pattFill>
-          <a:ln w="15875" algn="ctr">
-            <a:solidFill>
-              <a:schemeClr val="accent5">
-                <a:lumMod val="50000"/>
-              </a:schemeClr>
-            </a:solidFill>
-            <a:miter lim="800000"/>
-            <a:headEnd/>
-            <a:tailEnd/>
-          </a:ln>
-          <a:effectLst/>
-        </p:spPr>
-        <p:txBody>
-          <a:bodyPr vert="horz" wrap="square" lIns="18000" tIns="18000" rIns="18000" bIns="18000" numCol="1" anchor="ctr" anchorCtr="0" compatLnSpc="1">
-            <a:prstTxWarp prst="textNoShape">
-              <a:avLst/>
-            </a:prstTxWarp>
-          </a:bodyPr>
-          <a:lstStyle/>
-          <a:p>
-            <a:pPr algn="ctr"/>
-            <a:r>
-              <a:rPr lang="ru-RU" sz="2800" b="1" dirty="0" smtClean="0">
-                <a:latin typeface="Bookman Old Style" panose="02050604050505020204" pitchFamily="18" charset="0"/>
-                <a:cs typeface="Times New Roman" panose="02020603050405020304" pitchFamily="18" charset="0"/>
-              </a:rPr>
-              <a:t>Дата и время</a:t>
-            </a:r>
-            <a:endParaRPr lang="ru-RU" sz="2800" b="1" dirty="0">
-              <a:latin typeface="Bookman Old Style" panose="02050604050505020204" pitchFamily="18" charset="0"/>
-              <a:cs typeface="Times New Roman" panose="02020603050405020304" pitchFamily="18" charset="0"/>
-            </a:endParaRPr>
-          </a:p>
-        </p:txBody>
-      </p:sp>
-      <p:sp>
-        <p:nvSpPr>
-          <p:cNvPr id="9" name="Прямоугольник 8"/>
-          <p:cNvSpPr/>
-          <p:nvPr/>
-        </p:nvSpPr>
-        <p:spPr>
-          <a:xfrm>
-            <a:off x="0" y="691338"/>
-            <a:ext cx="12192000" cy="5632311"/>
-          </a:xfrm>
-          <a:prstGeom prst="rect">
-            <a:avLst/>
-          </a:prstGeom>
-        </p:spPr>
-        <p:txBody>
-          <a:bodyPr wrap="square">
-            <a:spAutoFit/>
-          </a:bodyPr>
-          <a:lstStyle/>
-          <a:p>
-            <a:pPr algn="just"/>
-            <a:r>
-              <a:rPr lang="ru-RU" sz="2400" dirty="0">
-                <a:latin typeface="Bookman Old Style" panose="02050604050505020204" pitchFamily="18" charset="0"/>
-                <a:cs typeface="Times New Roman" panose="02020603050405020304" pitchFamily="18" charset="0"/>
-              </a:rPr>
-              <a:t>Для работы с датами и временем в .NET предназначена структура </a:t>
-            </a:r>
-            <a:r>
-              <a:rPr lang="ru-RU" sz="2400" b="1" dirty="0" err="1">
-                <a:latin typeface="Bookman Old Style" panose="02050604050505020204" pitchFamily="18" charset="0"/>
-                <a:cs typeface="Times New Roman" panose="02020603050405020304" pitchFamily="18" charset="0"/>
-              </a:rPr>
-              <a:t>DateTime</a:t>
-            </a:r>
-            <a:r>
-              <a:rPr lang="ru-RU" sz="2400" dirty="0">
-                <a:latin typeface="Bookman Old Style" panose="02050604050505020204" pitchFamily="18" charset="0"/>
-                <a:cs typeface="Times New Roman" panose="02020603050405020304" pitchFamily="18" charset="0"/>
-              </a:rPr>
-              <a:t>. Она представляет дату и время от 00:00:00 1 января 0001 года до 23:59:59 31 декабря 9999 года</a:t>
-            </a:r>
-            <a:r>
-              <a:rPr lang="ru-RU" sz="2400" dirty="0" smtClean="0">
-                <a:latin typeface="Bookman Old Style" panose="02050604050505020204" pitchFamily="18" charset="0"/>
-                <a:cs typeface="Times New Roman" panose="02020603050405020304" pitchFamily="18" charset="0"/>
-              </a:rPr>
-              <a:t>.</a:t>
-            </a:r>
-            <a:endParaRPr lang="en-US" sz="2400" dirty="0" smtClean="0">
-              <a:latin typeface="Bookman Old Style" panose="02050604050505020204" pitchFamily="18" charset="0"/>
-              <a:cs typeface="Times New Roman" panose="02020603050405020304" pitchFamily="18" charset="0"/>
-            </a:endParaRPr>
-          </a:p>
-          <a:p>
-            <a:pPr algn="just"/>
-            <a:endParaRPr lang="en-US" sz="2400" dirty="0" smtClean="0">
-              <a:solidFill>
-                <a:schemeClr val="tx2">
-                  <a:lumMod val="50000"/>
-                </a:schemeClr>
-              </a:solidFill>
-              <a:latin typeface="Bookman Old Style" panose="02050604050505020204" pitchFamily="18" charset="0"/>
-              <a:cs typeface="Times New Roman" panose="02020603050405020304" pitchFamily="18" charset="0"/>
-            </a:endParaRPr>
-          </a:p>
-          <a:p>
-            <a:r>
-              <a:rPr lang="en-US" sz="2400" dirty="0" err="1">
-                <a:solidFill>
-                  <a:srgbClr val="000000"/>
-                </a:solidFill>
-                <a:latin typeface="Cascadia Mono" panose="020B0609020000020004" pitchFamily="49" charset="0"/>
-              </a:rPr>
-              <a:t>DateTime</a:t>
-            </a:r>
-            <a:r>
-              <a:rPr lang="en-US" sz="2400" dirty="0">
-                <a:solidFill>
-                  <a:srgbClr val="000000"/>
-                </a:solidFill>
-                <a:latin typeface="Cascadia Mono" panose="020B0609020000020004" pitchFamily="49" charset="0"/>
-              </a:rPr>
-              <a:t> </a:t>
-            </a:r>
-            <a:r>
-              <a:rPr lang="en-US" sz="2400" dirty="0" err="1">
-                <a:solidFill>
-                  <a:srgbClr val="000000"/>
-                </a:solidFill>
-                <a:latin typeface="Cascadia Mono" panose="020B0609020000020004" pitchFamily="49" charset="0"/>
-              </a:rPr>
-              <a:t>dateTime</a:t>
-            </a:r>
-            <a:r>
-              <a:rPr lang="en-US" sz="2400" dirty="0">
-                <a:solidFill>
-                  <a:srgbClr val="000000"/>
-                </a:solidFill>
-                <a:latin typeface="Cascadia Mono" panose="020B0609020000020004" pitchFamily="49" charset="0"/>
-              </a:rPr>
-              <a:t> = </a:t>
-            </a:r>
-            <a:r>
-              <a:rPr lang="en-US" sz="2400" dirty="0">
-                <a:solidFill>
-                  <a:srgbClr val="0000FF"/>
-                </a:solidFill>
-                <a:latin typeface="Cascadia Mono" panose="020B0609020000020004" pitchFamily="49" charset="0"/>
-              </a:rPr>
-              <a:t>new</a:t>
-            </a:r>
-            <a:r>
-              <a:rPr lang="en-US" sz="2400" dirty="0">
-                <a:solidFill>
-                  <a:srgbClr val="000000"/>
-                </a:solidFill>
-                <a:latin typeface="Cascadia Mono" panose="020B0609020000020004" pitchFamily="49" charset="0"/>
-              </a:rPr>
-              <a:t> </a:t>
-            </a:r>
-            <a:r>
-              <a:rPr lang="en-US" sz="2400" dirty="0" err="1">
-                <a:solidFill>
-                  <a:srgbClr val="000000"/>
-                </a:solidFill>
-                <a:latin typeface="Cascadia Mono" panose="020B0609020000020004" pitchFamily="49" charset="0"/>
-              </a:rPr>
-              <a:t>DateTime</a:t>
-            </a:r>
-            <a:r>
-              <a:rPr lang="en-US" sz="2400" dirty="0">
-                <a:solidFill>
-                  <a:srgbClr val="000000"/>
-                </a:solidFill>
-                <a:latin typeface="Cascadia Mono" panose="020B0609020000020004" pitchFamily="49" charset="0"/>
-              </a:rPr>
-              <a:t>();</a:t>
-            </a:r>
-          </a:p>
-          <a:p>
-            <a:r>
-              <a:rPr lang="en-US" sz="2400" dirty="0" err="1">
-                <a:solidFill>
-                  <a:srgbClr val="000000"/>
-                </a:solidFill>
-                <a:latin typeface="Cascadia Mono" panose="020B0609020000020004" pitchFamily="49" charset="0"/>
-              </a:rPr>
-              <a:t>PrintToTextBox</a:t>
-            </a:r>
-            <a:r>
-              <a:rPr lang="en-US" sz="2400" dirty="0">
-                <a:solidFill>
-                  <a:srgbClr val="000000"/>
-                </a:solidFill>
-                <a:latin typeface="Cascadia Mono" panose="020B0609020000020004" pitchFamily="49" charset="0"/>
-              </a:rPr>
-              <a:t>(</a:t>
-            </a:r>
-            <a:r>
-              <a:rPr lang="en-US" sz="2400" dirty="0" err="1">
-                <a:solidFill>
-                  <a:srgbClr val="000000"/>
-                </a:solidFill>
-                <a:latin typeface="Cascadia Mono" panose="020B0609020000020004" pitchFamily="49" charset="0"/>
-              </a:rPr>
-              <a:t>dateTime</a:t>
-            </a:r>
-            <a:r>
-              <a:rPr lang="en-US" sz="2400" dirty="0">
-                <a:solidFill>
-                  <a:srgbClr val="000000"/>
-                </a:solidFill>
-                <a:latin typeface="Cascadia Mono" panose="020B0609020000020004" pitchFamily="49" charset="0"/>
-              </a:rPr>
-              <a:t>); </a:t>
-            </a:r>
-            <a:r>
-              <a:rPr lang="en-US" sz="2400" dirty="0">
-                <a:solidFill>
-                  <a:srgbClr val="008000"/>
-                </a:solidFill>
-                <a:latin typeface="Cascadia Mono" panose="020B0609020000020004" pitchFamily="49" charset="0"/>
-              </a:rPr>
-              <a:t>// 01.01.0001 0:00:00</a:t>
-            </a:r>
-            <a:endParaRPr lang="en-US" sz="2400" dirty="0">
-              <a:solidFill>
-                <a:srgbClr val="000000"/>
-              </a:solidFill>
-              <a:latin typeface="Cascadia Mono" panose="020B0609020000020004" pitchFamily="49" charset="0"/>
-            </a:endParaRPr>
-          </a:p>
-          <a:p>
-            <a:endParaRPr lang="ru-RU" sz="2400" dirty="0">
-              <a:solidFill>
-                <a:srgbClr val="000000"/>
-              </a:solidFill>
-              <a:latin typeface="Cascadia Mono" panose="020B0609020000020004" pitchFamily="49" charset="0"/>
-            </a:endParaRPr>
-          </a:p>
-          <a:p>
-            <a:r>
-              <a:rPr lang="en-US" sz="2400" dirty="0" err="1">
-                <a:solidFill>
-                  <a:srgbClr val="000000"/>
-                </a:solidFill>
-                <a:latin typeface="Cascadia Mono" panose="020B0609020000020004" pitchFamily="49" charset="0"/>
-              </a:rPr>
-              <a:t>DateTime</a:t>
-            </a:r>
-            <a:r>
-              <a:rPr lang="en-US" sz="2400" dirty="0">
-                <a:solidFill>
-                  <a:srgbClr val="000000"/>
-                </a:solidFill>
-                <a:latin typeface="Cascadia Mono" panose="020B0609020000020004" pitchFamily="49" charset="0"/>
-              </a:rPr>
-              <a:t> date1 = </a:t>
-            </a:r>
-            <a:r>
-              <a:rPr lang="en-US" sz="2400" dirty="0">
-                <a:solidFill>
-                  <a:srgbClr val="0000FF"/>
-                </a:solidFill>
-                <a:latin typeface="Cascadia Mono" panose="020B0609020000020004" pitchFamily="49" charset="0"/>
-              </a:rPr>
-              <a:t>new</a:t>
-            </a:r>
-            <a:r>
-              <a:rPr lang="en-US" sz="2400" dirty="0">
-                <a:solidFill>
-                  <a:srgbClr val="000000"/>
-                </a:solidFill>
-                <a:latin typeface="Cascadia Mono" panose="020B0609020000020004" pitchFamily="49" charset="0"/>
-              </a:rPr>
-              <a:t> </a:t>
-            </a:r>
-            <a:r>
-              <a:rPr lang="en-US" sz="2400" dirty="0" err="1">
-                <a:solidFill>
-                  <a:srgbClr val="000000"/>
-                </a:solidFill>
-                <a:latin typeface="Cascadia Mono" panose="020B0609020000020004" pitchFamily="49" charset="0"/>
-              </a:rPr>
-              <a:t>DateTime</a:t>
-            </a:r>
-            <a:r>
-              <a:rPr lang="en-US" sz="2400" dirty="0">
-                <a:solidFill>
-                  <a:srgbClr val="000000"/>
-                </a:solidFill>
-                <a:latin typeface="Cascadia Mono" panose="020B0609020000020004" pitchFamily="49" charset="0"/>
-              </a:rPr>
-              <a:t>(2015, 7, 20, 18, 30, 25);</a:t>
-            </a:r>
-          </a:p>
-          <a:p>
-            <a:r>
-              <a:rPr lang="en-US" sz="2400" dirty="0">
-                <a:solidFill>
-                  <a:srgbClr val="008000"/>
-                </a:solidFill>
-                <a:latin typeface="Cascadia Mono" panose="020B0609020000020004" pitchFamily="49" charset="0"/>
-              </a:rPr>
-              <a:t>// </a:t>
-            </a:r>
-            <a:r>
-              <a:rPr lang="ru-RU" sz="2400" dirty="0">
-                <a:solidFill>
-                  <a:srgbClr val="008000"/>
-                </a:solidFill>
-                <a:latin typeface="Cascadia Mono" panose="020B0609020000020004" pitchFamily="49" charset="0"/>
-              </a:rPr>
-              <a:t>год - месяц - день - час - минута – секунда</a:t>
-            </a:r>
-            <a:endParaRPr lang="en-US" sz="2400" dirty="0">
-              <a:solidFill>
-                <a:srgbClr val="008000"/>
-              </a:solidFill>
-              <a:latin typeface="Cascadia Mono" panose="020B0609020000020004" pitchFamily="49" charset="0"/>
-            </a:endParaRPr>
-          </a:p>
-          <a:p>
-            <a:endParaRPr lang="ru-RU" sz="2400" dirty="0">
-              <a:solidFill>
-                <a:srgbClr val="000000"/>
-              </a:solidFill>
-              <a:latin typeface="Cascadia Mono" panose="020B0609020000020004" pitchFamily="49" charset="0"/>
-            </a:endParaRPr>
-          </a:p>
-          <a:p>
-            <a:r>
-              <a:rPr lang="en-US" sz="2400" dirty="0" err="1">
-                <a:solidFill>
-                  <a:srgbClr val="000000"/>
-                </a:solidFill>
-                <a:latin typeface="Cascadia Mono" panose="020B0609020000020004" pitchFamily="49" charset="0"/>
-              </a:rPr>
-              <a:t>PrintToTextBox</a:t>
-            </a:r>
-            <a:r>
-              <a:rPr lang="en-US" sz="2400" dirty="0">
-                <a:solidFill>
-                  <a:srgbClr val="000000"/>
-                </a:solidFill>
-                <a:latin typeface="Cascadia Mono" panose="020B0609020000020004" pitchFamily="49" charset="0"/>
-              </a:rPr>
-              <a:t>(date1); </a:t>
-            </a:r>
-            <a:r>
-              <a:rPr lang="en-US" sz="2400" dirty="0">
-                <a:solidFill>
-                  <a:srgbClr val="008000"/>
-                </a:solidFill>
-                <a:latin typeface="Cascadia Mono" panose="020B0609020000020004" pitchFamily="49" charset="0"/>
-              </a:rPr>
-              <a:t>// 20.07.2015 18:30:25</a:t>
-            </a:r>
-            <a:endParaRPr lang="en-US" sz="2400" dirty="0">
-              <a:solidFill>
-                <a:srgbClr val="000000"/>
-              </a:solidFill>
-              <a:latin typeface="Cascadia Mono" panose="020B0609020000020004" pitchFamily="49" charset="0"/>
-            </a:endParaRPr>
-          </a:p>
-          <a:p>
-            <a:endParaRPr lang="ru-RU" sz="2400" dirty="0">
-              <a:solidFill>
-                <a:srgbClr val="000000"/>
-              </a:solidFill>
-              <a:latin typeface="Cascadia Mono" panose="020B0609020000020004" pitchFamily="49" charset="0"/>
-            </a:endParaRPr>
-          </a:p>
-          <a:p>
-            <a:r>
-              <a:rPr lang="en-US" sz="2400" dirty="0" err="1">
-                <a:solidFill>
-                  <a:srgbClr val="000000"/>
-                </a:solidFill>
-                <a:latin typeface="Cascadia Mono" panose="020B0609020000020004" pitchFamily="49" charset="0"/>
-              </a:rPr>
-              <a:t>PrintToTextBox</a:t>
-            </a:r>
-            <a:r>
-              <a:rPr lang="en-US" sz="2400" dirty="0">
-                <a:solidFill>
-                  <a:srgbClr val="000000"/>
-                </a:solidFill>
-                <a:latin typeface="Cascadia Mono" panose="020B0609020000020004" pitchFamily="49" charset="0"/>
-              </a:rPr>
-              <a:t>(</a:t>
-            </a:r>
-            <a:r>
-              <a:rPr lang="en-US" sz="2400" dirty="0" err="1">
-                <a:solidFill>
-                  <a:srgbClr val="000000"/>
-                </a:solidFill>
-                <a:latin typeface="Cascadia Mono" panose="020B0609020000020004" pitchFamily="49" charset="0"/>
-              </a:rPr>
-              <a:t>DateTime.Now</a:t>
-            </a:r>
-            <a:r>
-              <a:rPr lang="en-US" sz="2400" dirty="0">
-                <a:solidFill>
-                  <a:srgbClr val="000000"/>
-                </a:solidFill>
-                <a:latin typeface="Cascadia Mono" panose="020B0609020000020004" pitchFamily="49" charset="0"/>
-              </a:rPr>
-              <a:t>);</a:t>
-            </a:r>
-          </a:p>
-          <a:p>
-            <a:r>
-              <a:rPr lang="en-US" sz="2400" dirty="0" err="1">
-                <a:solidFill>
-                  <a:srgbClr val="000000"/>
-                </a:solidFill>
-                <a:latin typeface="Cascadia Mono" panose="020B0609020000020004" pitchFamily="49" charset="0"/>
-              </a:rPr>
-              <a:t>PrintToTextBox</a:t>
-            </a:r>
-            <a:r>
-              <a:rPr lang="en-US" sz="2400" dirty="0">
-                <a:solidFill>
-                  <a:srgbClr val="000000"/>
-                </a:solidFill>
-                <a:latin typeface="Cascadia Mono" panose="020B0609020000020004" pitchFamily="49" charset="0"/>
-              </a:rPr>
-              <a:t>(</a:t>
-            </a:r>
-            <a:r>
-              <a:rPr lang="en-US" sz="2400" dirty="0" err="1">
-                <a:solidFill>
-                  <a:srgbClr val="000000"/>
-                </a:solidFill>
-                <a:latin typeface="Cascadia Mono" panose="020B0609020000020004" pitchFamily="49" charset="0"/>
-              </a:rPr>
-              <a:t>DateTime.UtcNow</a:t>
-            </a:r>
-            <a:r>
-              <a:rPr lang="en-US" sz="2400" dirty="0">
-                <a:solidFill>
-                  <a:srgbClr val="000000"/>
-                </a:solidFill>
-                <a:latin typeface="Cascadia Mono" panose="020B0609020000020004" pitchFamily="49" charset="0"/>
-              </a:rPr>
-              <a:t>);</a:t>
-            </a:r>
-          </a:p>
-          <a:p>
-            <a:r>
-              <a:rPr lang="en-US" sz="2400" dirty="0" err="1">
-                <a:solidFill>
-                  <a:srgbClr val="000000"/>
-                </a:solidFill>
-                <a:latin typeface="Cascadia Mono" panose="020B0609020000020004" pitchFamily="49" charset="0"/>
-              </a:rPr>
-              <a:t>PrintToTextBox</a:t>
-            </a:r>
-            <a:r>
-              <a:rPr lang="en-US" sz="2400" dirty="0">
-                <a:solidFill>
-                  <a:srgbClr val="000000"/>
-                </a:solidFill>
-                <a:latin typeface="Cascadia Mono" panose="020B0609020000020004" pitchFamily="49" charset="0"/>
-              </a:rPr>
-              <a:t>(</a:t>
-            </a:r>
-            <a:r>
-              <a:rPr lang="en-US" sz="2400" dirty="0" err="1">
-                <a:solidFill>
-                  <a:srgbClr val="000000"/>
-                </a:solidFill>
-                <a:latin typeface="Cascadia Mono" panose="020B0609020000020004" pitchFamily="49" charset="0"/>
-              </a:rPr>
-              <a:t>DateTime.Today</a:t>
-            </a:r>
-            <a:r>
-              <a:rPr lang="en-US" sz="2400" dirty="0" smtClean="0">
-                <a:solidFill>
-                  <a:srgbClr val="000000"/>
-                </a:solidFill>
-                <a:latin typeface="Cascadia Mono" panose="020B0609020000020004" pitchFamily="49" charset="0"/>
-              </a:rPr>
-              <a:t>);</a:t>
-            </a:r>
-            <a:endParaRPr lang="ru-RU" sz="2400" dirty="0"/>
-          </a:p>
-        </p:txBody>
-      </p:sp>
-      <p:pic>
-        <p:nvPicPr>
-          <p:cNvPr id="5" name="Рисунок 4"/>
-          <p:cNvPicPr>
-            <a:picLocks noChangeAspect="1"/>
-          </p:cNvPicPr>
-          <p:nvPr/>
-        </p:nvPicPr>
-        <p:blipFill rotWithShape="1">
-          <a:blip r:embed="rId3"/>
-          <a:srcRect b="7323"/>
-          <a:stretch/>
-        </p:blipFill>
-        <p:spPr>
-          <a:xfrm>
-            <a:off x="8643985" y="3649359"/>
-            <a:ext cx="3548015" cy="3208641"/>
-          </a:xfrm>
-          <a:prstGeom prst="rect">
-            <a:avLst/>
-          </a:prstGeom>
-        </p:spPr>
-      </p:pic>
-    </p:spTree>
-    <p:extLst>
-      <p:ext uri="{BB962C8B-B14F-4D97-AF65-F5344CB8AC3E}">
-        <p14:creationId xmlns:p14="http://schemas.microsoft.com/office/powerpoint/2010/main" val="1285536069"/>
-      </p:ext>
-    </p:extLst>
-  </p:cSld>
-  <p:clrMapOvr>
-    <a:masterClrMapping/>
-  </p:clrMapOvr>
-  <p:timing>
-    <p:tnLst>
-      <p:par>
-        <p:cTn id="1" dur="indefinite" restart="never" nodeType="tmRoot"/>
-      </p:par>
-    </p:tnLst>
-  </p:timing>
-</p:sld>
-</file>
-
-<file path=ppt/slides/slide4.xml><?xml version="1.0" encoding="utf-8"?>
-<p:sld xmlns:a="http://schemas.openxmlformats.org/drawingml/2006/main" xmlns:r="http://schemas.openxmlformats.org/officeDocument/2006/relationships" xmlns:p="http://schemas.openxmlformats.org/presentationml/2006/main">
-  <p:cSld>
-    <p:spTree>
-      <p:nvGrpSpPr>
-        <p:cNvPr id="1" name=""/>
-        <p:cNvGrpSpPr/>
-        <p:nvPr/>
-      </p:nvGrpSpPr>
-      <p:grpSpPr>
-        <a:xfrm>
-          <a:off x="0" y="0"/>
-          <a:ext cx="0" cy="0"/>
-          <a:chOff x="0" y="0"/>
-          <a:chExt cx="0" cy="0"/>
-        </a:xfrm>
-      </p:grpSpPr>
-      <p:sp>
-        <p:nvSpPr>
           <p:cNvPr id="9" name="Прямоугольник 8"/>
           <p:cNvSpPr/>
           <p:nvPr/>
@@ -11682,7 +10421,7 @@
 </p:sld>
 </file>
 
-<file path=ppt/slides/slide5.xml><?xml version="1.0" encoding="utf-8"?>
+<file path=ppt/slides/slide4.xml><?xml version="1.0" encoding="utf-8"?>
 <p:sld xmlns:a="http://schemas.openxmlformats.org/drawingml/2006/main" xmlns:r="http://schemas.openxmlformats.org/officeDocument/2006/relationships" xmlns:p="http://schemas.openxmlformats.org/presentationml/2006/main">
   <p:cSld>
     <p:spTree>
@@ -12010,7 +10749,7 @@
 </p:sld>
 </file>
 
-<file path=ppt/slides/slide6.xml><?xml version="1.0" encoding="utf-8"?>
+<file path=ppt/slides/slide5.xml><?xml version="1.0" encoding="utf-8"?>
 <p:sld xmlns:a="http://schemas.openxmlformats.org/drawingml/2006/main" xmlns:r="http://schemas.openxmlformats.org/officeDocument/2006/relationships" xmlns:p="http://schemas.openxmlformats.org/presentationml/2006/main">
   <p:cSld>
     <p:spTree>
@@ -12456,7 +11195,7 @@
 </p:sld>
 </file>
 
-<file path=ppt/slides/slide7.xml><?xml version="1.0" encoding="utf-8"?>
+<file path=ppt/slides/slide6.xml><?xml version="1.0" encoding="utf-8"?>
 <p:sld xmlns:a="http://schemas.openxmlformats.org/drawingml/2006/main" xmlns:r="http://schemas.openxmlformats.org/officeDocument/2006/relationships" xmlns:p="http://schemas.openxmlformats.org/presentationml/2006/main">
   <p:cSld>
     <p:spTree>
@@ -12759,7 +11498,7 @@
 </p:sld>
 </file>
 
-<file path=ppt/slides/slide8.xml><?xml version="1.0" encoding="utf-8"?>
+<file path=ppt/slides/slide7.xml><?xml version="1.0" encoding="utf-8"?>
 <p:sld xmlns:a="http://schemas.openxmlformats.org/drawingml/2006/main" xmlns:r="http://schemas.openxmlformats.org/officeDocument/2006/relationships" xmlns:p="http://schemas.openxmlformats.org/presentationml/2006/main">
   <p:cSld>
     <p:spTree>
@@ -13512,7 +12251,7 @@
 </p:sld>
 </file>
 
-<file path=ppt/slides/slide9.xml><?xml version="1.0" encoding="utf-8"?>
+<file path=ppt/slides/slide8.xml><?xml version="1.0" encoding="utf-8"?>
 <p:sld xmlns:a="http://schemas.openxmlformats.org/drawingml/2006/main" xmlns:r="http://schemas.openxmlformats.org/officeDocument/2006/relationships" xmlns:p="http://schemas.openxmlformats.org/presentationml/2006/main">
   <p:cSld>
     <p:spTree>
@@ -13632,6 +12371,514 @@
     <p:extLst>
       <p:ext uri="{BB962C8B-B14F-4D97-AF65-F5344CB8AC3E}">
         <p14:creationId xmlns:p14="http://schemas.microsoft.com/office/powerpoint/2010/main" val="1335028887"/>
+      </p:ext>
+    </p:extLst>
+  </p:cSld>
+  <p:clrMapOvr>
+    <a:masterClrMapping/>
+  </p:clrMapOvr>
+  <p:timing>
+    <p:tnLst>
+      <p:par>
+        <p:cTn id="1" dur="indefinite" restart="never" nodeType="tmRoot"/>
+      </p:par>
+    </p:tnLst>
+  </p:timing>
+</p:sld>
+</file>
+
+<file path=ppt/slides/slide9.xml><?xml version="1.0" encoding="utf-8"?>
+<p:sld xmlns:a="http://schemas.openxmlformats.org/drawingml/2006/main" xmlns:r="http://schemas.openxmlformats.org/officeDocument/2006/relationships" xmlns:p="http://schemas.openxmlformats.org/presentationml/2006/main">
+  <p:cSld>
+    <p:spTree>
+      <p:nvGrpSpPr>
+        <p:cNvPr id="1" name=""/>
+        <p:cNvGrpSpPr/>
+        <p:nvPr/>
+      </p:nvGrpSpPr>
+      <p:grpSpPr>
+        <a:xfrm>
+          <a:off x="0" y="0"/>
+          <a:ext cx="0" cy="0"/>
+          <a:chOff x="0" y="0"/>
+          <a:chExt cx="0" cy="0"/>
+        </a:xfrm>
+      </p:grpSpPr>
+      <p:sp>
+        <p:nvSpPr>
+          <p:cNvPr id="7" name="Прямоугольник 6"/>
+          <p:cNvSpPr/>
+          <p:nvPr/>
+        </p:nvSpPr>
+        <p:spPr>
+          <a:xfrm>
+            <a:off x="0" y="0"/>
+            <a:ext cx="12192000" cy="6740307"/>
+          </a:xfrm>
+          <a:prstGeom prst="rect">
+            <a:avLst/>
+          </a:prstGeom>
+        </p:spPr>
+        <p:txBody>
+          <a:bodyPr wrap="square">
+            <a:spAutoFit/>
+          </a:bodyPr>
+          <a:lstStyle/>
+          <a:p>
+            <a:pPr algn="just">
+              <a:lnSpc>
+                <a:spcPct val="150000"/>
+              </a:lnSpc>
+            </a:pPr>
+            <a:r>
+              <a:rPr lang="ru-RU" sz="2400" dirty="0" smtClean="0">
+                <a:latin typeface="Bookman Old Style" panose="02050604050505020204" pitchFamily="18" charset="0"/>
+                <a:cs typeface="Times New Roman" panose="02020603050405020304" pitchFamily="18" charset="0"/>
+              </a:rPr>
+              <a:t>Создаем объект сотрудника, и </a:t>
+            </a:r>
+            <a:r>
+              <a:rPr lang="ru-RU" sz="2400" dirty="0" err="1" smtClean="0">
+                <a:latin typeface="Bookman Old Style" panose="02050604050505020204" pitchFamily="18" charset="0"/>
+                <a:cs typeface="Times New Roman" panose="02020603050405020304" pitchFamily="18" charset="0"/>
+              </a:rPr>
+              <a:t>сериализуем</a:t>
+            </a:r>
+            <a:r>
+              <a:rPr lang="ru-RU" sz="2400" dirty="0" smtClean="0">
+                <a:latin typeface="Bookman Old Style" panose="02050604050505020204" pitchFamily="18" charset="0"/>
+                <a:cs typeface="Times New Roman" panose="02020603050405020304" pitchFamily="18" charset="0"/>
+              </a:rPr>
+              <a:t> в строку формата </a:t>
+            </a:r>
+            <a:r>
+              <a:rPr lang="en-US" sz="2400" dirty="0" smtClean="0">
+                <a:latin typeface="Bookman Old Style" panose="02050604050505020204" pitchFamily="18" charset="0"/>
+                <a:cs typeface="Times New Roman" panose="02020603050405020304" pitchFamily="18" charset="0"/>
+              </a:rPr>
+              <a:t>JSON, </a:t>
+            </a:r>
+            <a:r>
+              <a:rPr lang="ru-RU" sz="2400" dirty="0" smtClean="0">
+                <a:latin typeface="Bookman Old Style" panose="02050604050505020204" pitchFamily="18" charset="0"/>
+                <a:cs typeface="Times New Roman" panose="02020603050405020304" pitchFamily="18" charset="0"/>
+              </a:rPr>
+              <a:t>далее сохраняем в файл стандартным способом:</a:t>
+            </a:r>
+            <a:endParaRPr lang="en-US" sz="2400" dirty="0" smtClean="0">
+              <a:latin typeface="Bookman Old Style" panose="02050604050505020204" pitchFamily="18" charset="0"/>
+              <a:cs typeface="Times New Roman" panose="02020603050405020304" pitchFamily="18" charset="0"/>
+            </a:endParaRPr>
+          </a:p>
+          <a:p>
+            <a:pPr algn="just">
+              <a:lnSpc>
+                <a:spcPct val="150000"/>
+              </a:lnSpc>
+            </a:pPr>
+            <a:endParaRPr lang="ru-RU" sz="2400" dirty="0" smtClean="0">
+              <a:latin typeface="Bookman Old Style" panose="02050604050505020204" pitchFamily="18" charset="0"/>
+              <a:cs typeface="Times New Roman" panose="02020603050405020304" pitchFamily="18" charset="0"/>
+            </a:endParaRPr>
+          </a:p>
+          <a:p>
+            <a:pPr>
+              <a:lnSpc>
+                <a:spcPct val="150000"/>
+              </a:lnSpc>
+            </a:pPr>
+            <a:r>
+              <a:rPr lang="en-US" sz="2400" dirty="0" err="1">
+                <a:solidFill>
+                  <a:srgbClr val="0000FF"/>
+                </a:solidFill>
+                <a:latin typeface="Cascadia Mono" panose="020B0609020000020004" pitchFamily="49" charset="0"/>
+              </a:rPr>
+              <a:t>var</a:t>
+            </a:r>
+            <a:r>
+              <a:rPr lang="en-US" sz="2400" dirty="0">
+                <a:solidFill>
+                  <a:srgbClr val="000000"/>
+                </a:solidFill>
+                <a:latin typeface="Cascadia Mono" panose="020B0609020000020004" pitchFamily="49" charset="0"/>
+              </a:rPr>
+              <a:t> employee = </a:t>
+            </a:r>
+            <a:r>
+              <a:rPr lang="en-US" sz="2400" dirty="0">
+                <a:solidFill>
+                  <a:srgbClr val="0000FF"/>
+                </a:solidFill>
+                <a:latin typeface="Cascadia Mono" panose="020B0609020000020004" pitchFamily="49" charset="0"/>
+              </a:rPr>
+              <a:t>new</a:t>
+            </a:r>
+            <a:r>
+              <a:rPr lang="en-US" sz="2400" dirty="0">
+                <a:solidFill>
+                  <a:srgbClr val="000000"/>
+                </a:solidFill>
+                <a:latin typeface="Cascadia Mono" panose="020B0609020000020004" pitchFamily="49" charset="0"/>
+              </a:rPr>
+              <a:t> Employee(</a:t>
+            </a:r>
+            <a:r>
+              <a:rPr lang="en-US" sz="2400" dirty="0">
+                <a:solidFill>
+                  <a:srgbClr val="A31515"/>
+                </a:solidFill>
+                <a:latin typeface="Cascadia Mono" panose="020B0609020000020004" pitchFamily="49" charset="0"/>
+              </a:rPr>
+              <a:t>"John"</a:t>
+            </a:r>
+            <a:r>
+              <a:rPr lang="en-US" sz="2400" dirty="0">
+                <a:solidFill>
+                  <a:srgbClr val="000000"/>
+                </a:solidFill>
+                <a:latin typeface="Cascadia Mono" panose="020B0609020000020004" pitchFamily="49" charset="0"/>
+              </a:rPr>
+              <a:t>, </a:t>
+            </a:r>
+            <a:r>
+              <a:rPr lang="en-US" sz="2400" dirty="0">
+                <a:solidFill>
+                  <a:srgbClr val="A31515"/>
+                </a:solidFill>
+                <a:latin typeface="Cascadia Mono" panose="020B0609020000020004" pitchFamily="49" charset="0"/>
+              </a:rPr>
+              <a:t>"Black"</a:t>
+            </a:r>
+            <a:r>
+              <a:rPr lang="en-US" sz="2400" dirty="0">
+                <a:solidFill>
+                  <a:srgbClr val="000000"/>
+                </a:solidFill>
+                <a:latin typeface="Cascadia Mono" panose="020B0609020000020004" pitchFamily="49" charset="0"/>
+              </a:rPr>
+              <a:t>, 3000);</a:t>
+            </a:r>
+          </a:p>
+          <a:p>
+            <a:pPr>
+              <a:lnSpc>
+                <a:spcPct val="150000"/>
+              </a:lnSpc>
+            </a:pPr>
+            <a:r>
+              <a:rPr lang="en-US" sz="2400" dirty="0" err="1">
+                <a:solidFill>
+                  <a:srgbClr val="0000FF"/>
+                </a:solidFill>
+                <a:latin typeface="Cascadia Mono" panose="020B0609020000020004" pitchFamily="49" charset="0"/>
+              </a:rPr>
+              <a:t>var</a:t>
+            </a:r>
+            <a:r>
+              <a:rPr lang="en-US" sz="2400" dirty="0">
+                <a:solidFill>
+                  <a:srgbClr val="000000"/>
+                </a:solidFill>
+                <a:latin typeface="Cascadia Mono" panose="020B0609020000020004" pitchFamily="49" charset="0"/>
+              </a:rPr>
+              <a:t> </a:t>
+            </a:r>
+            <a:r>
+              <a:rPr lang="en-US" sz="2400" dirty="0" err="1">
+                <a:solidFill>
+                  <a:srgbClr val="000000"/>
+                </a:solidFill>
+                <a:latin typeface="Cascadia Mono" panose="020B0609020000020004" pitchFamily="49" charset="0"/>
+              </a:rPr>
+              <a:t>jsonString</a:t>
+            </a:r>
+            <a:r>
+              <a:rPr lang="en-US" sz="2400" dirty="0">
+                <a:solidFill>
+                  <a:srgbClr val="000000"/>
+                </a:solidFill>
+                <a:latin typeface="Cascadia Mono" panose="020B0609020000020004" pitchFamily="49" charset="0"/>
+              </a:rPr>
+              <a:t> = </a:t>
+            </a:r>
+            <a:r>
+              <a:rPr lang="en-US" sz="2400" dirty="0" err="1">
+                <a:solidFill>
+                  <a:srgbClr val="000000"/>
+                </a:solidFill>
+                <a:latin typeface="Cascadia Mono" panose="020B0609020000020004" pitchFamily="49" charset="0"/>
+              </a:rPr>
+              <a:t>JsonConvert.SerializeObject</a:t>
+            </a:r>
+            <a:r>
+              <a:rPr lang="en-US" sz="2400" dirty="0">
+                <a:solidFill>
+                  <a:srgbClr val="000000"/>
+                </a:solidFill>
+                <a:latin typeface="Cascadia Mono" panose="020B0609020000020004" pitchFamily="49" charset="0"/>
+              </a:rPr>
+              <a:t>(employee);</a:t>
+            </a:r>
+          </a:p>
+          <a:p>
+            <a:pPr>
+              <a:lnSpc>
+                <a:spcPct val="150000"/>
+              </a:lnSpc>
+            </a:pPr>
+            <a:r>
+              <a:rPr lang="en-US" sz="2400" dirty="0" err="1">
+                <a:solidFill>
+                  <a:srgbClr val="000000"/>
+                </a:solidFill>
+                <a:latin typeface="Cascadia Mono" panose="020B0609020000020004" pitchFamily="49" charset="0"/>
+              </a:rPr>
+              <a:t>File.WriteAllText</a:t>
+            </a:r>
+            <a:r>
+              <a:rPr lang="en-US" sz="2400" dirty="0">
+                <a:solidFill>
+                  <a:srgbClr val="000000"/>
+                </a:solidFill>
+                <a:latin typeface="Cascadia Mono" panose="020B0609020000020004" pitchFamily="49" charset="0"/>
+              </a:rPr>
+              <a:t>(</a:t>
+            </a:r>
+            <a:r>
+              <a:rPr lang="en-US" sz="2400" dirty="0">
+                <a:solidFill>
+                  <a:srgbClr val="A31515"/>
+                </a:solidFill>
+                <a:latin typeface="Cascadia Mono" panose="020B0609020000020004" pitchFamily="49" charset="0"/>
+              </a:rPr>
+              <a:t>"</a:t>
+            </a:r>
+            <a:r>
+              <a:rPr lang="en-US" sz="2400" dirty="0" err="1">
+                <a:solidFill>
+                  <a:srgbClr val="A31515"/>
+                </a:solidFill>
+                <a:latin typeface="Cascadia Mono" panose="020B0609020000020004" pitchFamily="49" charset="0"/>
+              </a:rPr>
+              <a:t>file.json</a:t>
+            </a:r>
+            <a:r>
+              <a:rPr lang="en-US" sz="2400" dirty="0">
+                <a:solidFill>
+                  <a:srgbClr val="A31515"/>
+                </a:solidFill>
+                <a:latin typeface="Cascadia Mono" panose="020B0609020000020004" pitchFamily="49" charset="0"/>
+              </a:rPr>
+              <a:t>"</a:t>
+            </a:r>
+            <a:r>
+              <a:rPr lang="en-US" sz="2400" dirty="0">
+                <a:solidFill>
+                  <a:srgbClr val="000000"/>
+                </a:solidFill>
+                <a:latin typeface="Cascadia Mono" panose="020B0609020000020004" pitchFamily="49" charset="0"/>
+              </a:rPr>
+              <a:t>, </a:t>
+            </a:r>
+            <a:r>
+              <a:rPr lang="en-US" sz="2400" dirty="0" err="1">
+                <a:solidFill>
+                  <a:srgbClr val="000000"/>
+                </a:solidFill>
+                <a:latin typeface="Cascadia Mono" panose="020B0609020000020004" pitchFamily="49" charset="0"/>
+              </a:rPr>
+              <a:t>jsonString</a:t>
+            </a:r>
+            <a:r>
+              <a:rPr lang="en-US" sz="2400" dirty="0" smtClean="0">
+                <a:solidFill>
+                  <a:srgbClr val="000000"/>
+                </a:solidFill>
+                <a:latin typeface="Cascadia Mono" panose="020B0609020000020004" pitchFamily="49" charset="0"/>
+              </a:rPr>
+              <a:t>);</a:t>
+            </a:r>
+            <a:endParaRPr lang="ru-RU" sz="2400" dirty="0"/>
+          </a:p>
+          <a:p>
+            <a:pPr algn="just">
+              <a:lnSpc>
+                <a:spcPct val="150000"/>
+              </a:lnSpc>
+            </a:pPr>
+            <a:r>
+              <a:rPr lang="ru-RU" sz="2400" dirty="0">
+                <a:latin typeface="Bookman Old Style" panose="02050604050505020204" pitchFamily="18" charset="0"/>
+                <a:cs typeface="Times New Roman" panose="02020603050405020304" pitchFamily="18" charset="0"/>
+              </a:rPr>
+              <a:t>В данном случае </a:t>
+            </a:r>
+            <a:r>
+              <a:rPr lang="ru-RU" sz="2400" b="1" dirty="0" err="1">
+                <a:latin typeface="Bookman Old Style" panose="02050604050505020204" pitchFamily="18" charset="0"/>
+                <a:cs typeface="Times New Roman" panose="02020603050405020304" pitchFamily="18" charset="0"/>
+              </a:rPr>
+              <a:t>сериализуются</a:t>
+            </a:r>
+            <a:r>
+              <a:rPr lang="ru-RU" sz="2400" b="1" dirty="0">
+                <a:latin typeface="Bookman Old Style" panose="02050604050505020204" pitchFamily="18" charset="0"/>
+                <a:cs typeface="Times New Roman" panose="02020603050405020304" pitchFamily="18" charset="0"/>
+              </a:rPr>
+              <a:t> все публичные поля и свойства</a:t>
+            </a:r>
+            <a:r>
+              <a:rPr lang="ru-RU" sz="2400" b="1" dirty="0" smtClean="0">
+                <a:latin typeface="Bookman Old Style" panose="02050604050505020204" pitchFamily="18" charset="0"/>
+                <a:cs typeface="Times New Roman" panose="02020603050405020304" pitchFamily="18" charset="0"/>
+              </a:rPr>
+              <a:t>!</a:t>
+            </a:r>
+          </a:p>
+          <a:p>
+            <a:pPr algn="just">
+              <a:lnSpc>
+                <a:spcPct val="150000"/>
+              </a:lnSpc>
+            </a:pPr>
+            <a:endParaRPr lang="ru-RU" sz="2400" b="1" dirty="0">
+              <a:latin typeface="Bookman Old Style" panose="02050604050505020204" pitchFamily="18" charset="0"/>
+              <a:cs typeface="Times New Roman" panose="02020603050405020304" pitchFamily="18" charset="0"/>
+            </a:endParaRPr>
+          </a:p>
+          <a:p>
+            <a:pPr algn="just">
+              <a:lnSpc>
+                <a:spcPct val="150000"/>
+              </a:lnSpc>
+            </a:pPr>
+            <a:r>
+              <a:rPr lang="ru-RU" sz="2400" b="1" dirty="0">
+                <a:latin typeface="Bookman Old Style" panose="02050604050505020204" pitchFamily="18" charset="0"/>
+                <a:cs typeface="Times New Roman" panose="02020603050405020304" pitchFamily="18" charset="0"/>
+              </a:rPr>
+              <a:t>Для </a:t>
+            </a:r>
+            <a:r>
+              <a:rPr lang="ru-RU" sz="2400" b="1" dirty="0" err="1">
+                <a:latin typeface="Bookman Old Style" panose="02050604050505020204" pitchFamily="18" charset="0"/>
+                <a:cs typeface="Times New Roman" panose="02020603050405020304" pitchFamily="18" charset="0"/>
+              </a:rPr>
+              <a:t>десериализации</a:t>
+            </a:r>
+            <a:r>
+              <a:rPr lang="ru-RU" sz="2400" b="1" dirty="0">
+                <a:latin typeface="Bookman Old Style" panose="02050604050505020204" pitchFamily="18" charset="0"/>
+                <a:cs typeface="Times New Roman" panose="02020603050405020304" pitchFamily="18" charset="0"/>
+              </a:rPr>
+              <a:t> </a:t>
+            </a:r>
+            <a:r>
+              <a:rPr lang="ru-RU" sz="2400" dirty="0">
+                <a:latin typeface="Bookman Old Style" panose="02050604050505020204" pitchFamily="18" charset="0"/>
+                <a:cs typeface="Times New Roman" panose="02020603050405020304" pitchFamily="18" charset="0"/>
+              </a:rPr>
+              <a:t>(получения объекта из </a:t>
+            </a:r>
+            <a:r>
+              <a:rPr lang="en-US" sz="2400" dirty="0">
+                <a:latin typeface="Bookman Old Style" panose="02050604050505020204" pitchFamily="18" charset="0"/>
+                <a:cs typeface="Times New Roman" panose="02020603050405020304" pitchFamily="18" charset="0"/>
+              </a:rPr>
+              <a:t>JSON </a:t>
+            </a:r>
+            <a:r>
+              <a:rPr lang="ru-RU" sz="2400" dirty="0">
+                <a:latin typeface="Bookman Old Style" panose="02050604050505020204" pitchFamily="18" charset="0"/>
+                <a:cs typeface="Times New Roman" panose="02020603050405020304" pitchFamily="18" charset="0"/>
+              </a:rPr>
+              <a:t>строки) нужно:</a:t>
+            </a:r>
+          </a:p>
+          <a:p>
+            <a:pPr>
+              <a:lnSpc>
+                <a:spcPct val="150000"/>
+              </a:lnSpc>
+            </a:pPr>
+            <a:r>
+              <a:rPr lang="en-US" sz="2400" dirty="0" err="1">
+                <a:solidFill>
+                  <a:srgbClr val="0000FF"/>
+                </a:solidFill>
+                <a:latin typeface="Cascadia Mono" panose="020B0609020000020004" pitchFamily="49" charset="0"/>
+              </a:rPr>
+              <a:t>var</a:t>
+            </a:r>
+            <a:r>
+              <a:rPr lang="en-US" sz="2400" dirty="0">
+                <a:solidFill>
+                  <a:srgbClr val="000000"/>
+                </a:solidFill>
+                <a:latin typeface="Cascadia Mono" panose="020B0609020000020004" pitchFamily="49" charset="0"/>
+              </a:rPr>
+              <a:t> employee = </a:t>
+            </a:r>
+            <a:r>
+              <a:rPr lang="en-US" sz="2400" dirty="0" err="1">
+                <a:solidFill>
+                  <a:srgbClr val="000000"/>
+                </a:solidFill>
+                <a:latin typeface="Cascadia Mono" panose="020B0609020000020004" pitchFamily="49" charset="0"/>
+              </a:rPr>
+              <a:t>JsonConvert.DeserializeObject</a:t>
+            </a:r>
+            <a:r>
+              <a:rPr lang="en-US" sz="2400" dirty="0">
+                <a:solidFill>
+                  <a:srgbClr val="000000"/>
+                </a:solidFill>
+                <a:latin typeface="Cascadia Mono" panose="020B0609020000020004" pitchFamily="49" charset="0"/>
+              </a:rPr>
+              <a:t>&lt;Employee&gt;(</a:t>
+            </a:r>
+            <a:r>
+              <a:rPr lang="en-US" sz="2400" dirty="0" err="1">
+                <a:solidFill>
+                  <a:srgbClr val="000000"/>
+                </a:solidFill>
+                <a:latin typeface="Cascadia Mono" panose="020B0609020000020004" pitchFamily="49" charset="0"/>
+              </a:rPr>
+              <a:t>jsonString</a:t>
+            </a:r>
+            <a:r>
+              <a:rPr lang="en-US" sz="2400" dirty="0">
+                <a:solidFill>
+                  <a:srgbClr val="000000"/>
+                </a:solidFill>
+                <a:latin typeface="Cascadia Mono" panose="020B0609020000020004" pitchFamily="49" charset="0"/>
+              </a:rPr>
+              <a:t>);</a:t>
+            </a:r>
+          </a:p>
+          <a:p>
+            <a:pPr algn="just">
+              <a:lnSpc>
+                <a:spcPct val="150000"/>
+              </a:lnSpc>
+            </a:pPr>
+            <a:endParaRPr lang="en-US" sz="2400" dirty="0">
+              <a:solidFill>
+                <a:schemeClr val="tx2">
+                  <a:lumMod val="50000"/>
+                </a:schemeClr>
+              </a:solidFill>
+              <a:latin typeface="Bookman Old Style" panose="02050604050505020204" pitchFamily="18" charset="0"/>
+              <a:cs typeface="Times New Roman" panose="02020603050405020304" pitchFamily="18" charset="0"/>
+            </a:endParaRPr>
+          </a:p>
+        </p:txBody>
+      </p:sp>
+    </p:spTree>
+    <p:extLst>
+      <p:ext uri="{BB962C8B-B14F-4D97-AF65-F5344CB8AC3E}">
+        <p14:creationId xmlns:p14="http://schemas.microsoft.com/office/powerpoint/2010/main" val="3591344126"/>
       </p:ext>
     </p:extLst>
   </p:cSld>
